--- a/Lectures/Lecture 9 - RNA-Seq.pptx
+++ b/Lectures/Lecture 9 - RNA-Seq.pptx
@@ -5,7 +5,7 @@
     <p:sldMasterId id="2147483649" r:id="rId1"/>
   </p:sldMasterIdLst>
   <p:notesMasterIdLst>
-    <p:notesMasterId r:id="rId40"/>
+    <p:notesMasterId r:id="rId39"/>
   </p:notesMasterIdLst>
   <p:sldIdLst>
     <p:sldId id="662" r:id="rId2"/>
@@ -45,7 +45,6 @@
     <p:sldId id="789" r:id="rId36"/>
     <p:sldId id="790" r:id="rId37"/>
     <p:sldId id="716" r:id="rId38"/>
-    <p:sldId id="803" r:id="rId39"/>
   </p:sldIdLst>
   <p:sldSz cx="9144000" cy="6858000" type="screen4x3"/>
   <p:notesSz cx="6858000" cy="9144000"/>
@@ -3378,99 +3377,6 @@
         </p:txBody>
       </p:sp>
     </p:spTree>
-  </p:cSld>
-  <p:clrMapOvr>
-    <a:masterClrMapping/>
-  </p:clrMapOvr>
-</p:notes>
-</file>
-
-<file path=ppt/notesSlides/notesSlide38.xml><?xml version="1.0" encoding="utf-8"?>
-<p:notes xmlns:a="http://schemas.openxmlformats.org/drawingml/2006/main" xmlns:r="http://schemas.openxmlformats.org/officeDocument/2006/relationships" xmlns:p="http://schemas.openxmlformats.org/presentationml/2006/main">
-  <p:cSld>
-    <p:spTree>
-      <p:nvGrpSpPr>
-        <p:cNvPr id="1" name=""/>
-        <p:cNvGrpSpPr/>
-        <p:nvPr/>
-      </p:nvGrpSpPr>
-      <p:grpSpPr>
-        <a:xfrm>
-          <a:off x="0" y="0"/>
-          <a:ext cx="0" cy="0"/>
-          <a:chOff x="0" y="0"/>
-          <a:chExt cx="0" cy="0"/>
-        </a:xfrm>
-      </p:grpSpPr>
-      <p:sp>
-        <p:nvSpPr>
-          <p:cNvPr id="15362" name="Rectangle 7"/>
-          <p:cNvSpPr>
-            <a:spLocks noGrp="1" noChangeArrowheads="1"/>
-          </p:cNvSpPr>
-          <p:nvPr>
-            <p:ph type="sldNum" sz="quarter" idx="5"/>
-          </p:nvPr>
-        </p:nvSpPr>
-        <p:spPr>
-          <a:noFill/>
-        </p:spPr>
-        <p:txBody>
-          <a:bodyPr/>
-          <a:lstStyle/>
-          <a:p>
-            <a:fld id="{C3095A83-93CF-9340-9B73-54644CC0C2D9}" type="slidenum">
-              <a:rPr lang="en-US"/>
-              <a:pPr/>
-              <a:t>38</a:t>
-            </a:fld>
-            <a:endParaRPr lang="en-US"/>
-          </a:p>
-        </p:txBody>
-      </p:sp>
-      <p:sp>
-        <p:nvSpPr>
-          <p:cNvPr id="15363" name="Rectangle 2"/>
-          <p:cNvSpPr>
-            <a:spLocks noGrp="1" noRot="1" noChangeAspect="1" noChangeArrowheads="1" noTextEdit="1"/>
-          </p:cNvSpPr>
-          <p:nvPr>
-            <p:ph type="sldImg"/>
-          </p:nvPr>
-        </p:nvSpPr>
-        <p:spPr>
-          <a:ln/>
-        </p:spPr>
-      </p:sp>
-      <p:sp>
-        <p:nvSpPr>
-          <p:cNvPr id="15364" name="Rectangle 3"/>
-          <p:cNvSpPr>
-            <a:spLocks noGrp="1" noChangeArrowheads="1"/>
-          </p:cNvSpPr>
-          <p:nvPr>
-            <p:ph type="body" idx="1"/>
-          </p:nvPr>
-        </p:nvSpPr>
-        <p:spPr>
-          <a:noFill/>
-          <a:ln/>
-        </p:spPr>
-        <p:txBody>
-          <a:bodyPr/>
-          <a:lstStyle/>
-          <a:p>
-            <a:pPr eaLnBrk="1" hangingPunct="1"/>
-            <a:endParaRPr lang="en-US"/>
-          </a:p>
-        </p:txBody>
-      </p:sp>
-    </p:spTree>
-    <p:extLst>
-      <p:ext uri="{BB962C8B-B14F-4D97-AF65-F5344CB8AC3E}">
-        <p14:creationId xmlns:p14="http://schemas.microsoft.com/office/powerpoint/2010/main" val="2997931097"/>
-      </p:ext>
-    </p:extLst>
   </p:cSld>
   <p:clrMapOvr>
     <a:masterClrMapping/>
@@ -17713,41 +17619,12 @@
           <a:chExt cx="0" cy="0"/>
         </a:xfrm>
       </p:grpSpPr>
-      <p:sp>
-        <p:nvSpPr>
-          <p:cNvPr id="9" name="Rectangle 2"/>
-          <p:cNvSpPr>
-            <a:spLocks noGrp="1" noChangeArrowheads="1"/>
-          </p:cNvSpPr>
-          <p:nvPr>
-            <p:ph type="ctrTitle"/>
-          </p:nvPr>
-        </p:nvSpPr>
-        <p:spPr>
-          <a:xfrm>
-            <a:off x="323528" y="-171400"/>
-            <a:ext cx="8568952" cy="1535832"/>
-          </a:xfrm>
-        </p:spPr>
-        <p:txBody>
-          <a:bodyPr/>
-          <a:lstStyle/>
-          <a:p>
-            <a:pPr algn="l" eaLnBrk="1" hangingPunct="1"/>
-            <a:r>
-              <a:rPr lang="en-US" sz="3200" b="1" dirty="0"/>
-              <a:t>Flash Updates</a:t>
-            </a:r>
-            <a:endParaRPr lang="en-US" sz="3200" dirty="0"/>
-          </a:p>
-        </p:txBody>
-      </p:sp>
       <p:pic>
         <p:nvPicPr>
-          <p:cNvPr id="4" name="Picture 3" descr="Graphical user interface, text, application, letter, email&#10;&#10;Description automatically generated">
+          <p:cNvPr id="3" name="Picture 2" descr="A screenshot of a computer&#10;&#10;Description automatically generated">
             <a:extLst>
               <a:ext uri="{FF2B5EF4-FFF2-40B4-BE49-F238E27FC236}">
-                <a16:creationId xmlns:a16="http://schemas.microsoft.com/office/drawing/2014/main" id="{7C618B04-D0E3-C044-B1AB-FAABBF69D503}"/>
+                <a16:creationId xmlns:a16="http://schemas.microsoft.com/office/drawing/2014/main" id="{7BC5D6E4-7ED0-0A4E-67DE-F9C00A70EB5F}"/>
               </a:ext>
             </a:extLst>
           </p:cNvPr>
@@ -17764,50 +17641,50 @@
         </p:blipFill>
         <p:spPr>
           <a:xfrm>
-            <a:off x="467295" y="1268760"/>
-            <a:ext cx="8209410" cy="4844291"/>
+            <a:off x="323528" y="1412776"/>
+            <a:ext cx="7772400" cy="999308"/>
           </a:xfrm>
           <a:prstGeom prst="rect">
             <a:avLst/>
           </a:prstGeom>
         </p:spPr>
       </p:pic>
-    </p:spTree>
-    <p:extLst>
-      <p:ext uri="{BB962C8B-B14F-4D97-AF65-F5344CB8AC3E}">
-        <p14:creationId xmlns:p14="http://schemas.microsoft.com/office/powerpoint/2010/main" val="3842182682"/>
-      </p:ext>
-    </p:extLst>
-  </p:cSld>
-  <p:clrMapOvr>
-    <a:masterClrMapping/>
-  </p:clrMapOvr>
-</p:sld>
-</file>
-
-<file path=ppt/slides/slide38.xml><?xml version="1.0" encoding="utf-8"?>
-<p:sld xmlns:a="http://schemas.openxmlformats.org/drawingml/2006/main" xmlns:r="http://schemas.openxmlformats.org/officeDocument/2006/relationships" xmlns:p="http://schemas.openxmlformats.org/presentationml/2006/main">
-  <p:cSld>
-    <p:spTree>
-      <p:nvGrpSpPr>
-        <p:cNvPr id="1" name=""/>
-        <p:cNvGrpSpPr/>
-        <p:nvPr/>
-      </p:nvGrpSpPr>
-      <p:grpSpPr>
-        <a:xfrm>
-          <a:off x="0" y="0"/>
-          <a:ext cx="0" cy="0"/>
-          <a:chOff x="0" y="0"/>
-          <a:chExt cx="0" cy="0"/>
-        </a:xfrm>
-      </p:grpSpPr>
-      <p:sp>
-        <p:nvSpPr>
-          <p:cNvPr id="6" name="Rectangle 2">
+      <p:pic>
+        <p:nvPicPr>
+          <p:cNvPr id="6" name="Picture 5" descr="A screenshot of a computer&#10;&#10;Description automatically generated">
             <a:extLst>
               <a:ext uri="{FF2B5EF4-FFF2-40B4-BE49-F238E27FC236}">
-                <a16:creationId xmlns:a16="http://schemas.microsoft.com/office/drawing/2014/main" id="{8C904F0D-DF48-0540-BF2E-586E3C607AE0}"/>
+                <a16:creationId xmlns:a16="http://schemas.microsoft.com/office/drawing/2014/main" id="{59107EC6-7B29-9789-030A-5D4FE3567690}"/>
+              </a:ext>
+            </a:extLst>
+          </p:cNvPr>
+          <p:cNvPicPr>
+            <a:picLocks noChangeAspect="1"/>
+          </p:cNvPicPr>
+          <p:nvPr/>
+        </p:nvPicPr>
+        <p:blipFill>
+          <a:blip r:embed="rId4"/>
+          <a:stretch>
+            <a:fillRect/>
+          </a:stretch>
+        </p:blipFill>
+        <p:spPr>
+          <a:xfrm>
+            <a:off x="827584" y="3099869"/>
+            <a:ext cx="7772400" cy="2345355"/>
+          </a:xfrm>
+          <a:prstGeom prst="rect">
+            <a:avLst/>
+          </a:prstGeom>
+        </p:spPr>
+      </p:pic>
+      <p:sp>
+        <p:nvSpPr>
+          <p:cNvPr id="10" name="Rectangle 2">
+            <a:extLst>
+              <a:ext uri="{FF2B5EF4-FFF2-40B4-BE49-F238E27FC236}">
+                <a16:creationId xmlns:a16="http://schemas.microsoft.com/office/drawing/2014/main" id="{22E484CC-5514-FE56-1810-508772282C33}"/>
               </a:ext>
             </a:extLst>
           </p:cNvPr>
@@ -17818,8 +17695,8 @@
         </p:nvSpPr>
         <p:spPr bwMode="auto">
           <a:xfrm>
-            <a:off x="220988" y="2256656"/>
-            <a:ext cx="8686800" cy="1676400"/>
+            <a:off x="323528" y="-171400"/>
+            <a:ext cx="8568952" cy="1535832"/>
           </a:xfrm>
           <a:prstGeom prst="rect">
             <a:avLst/>
@@ -17977,27 +17854,19 @@
             </a:lvl9pPr>
           </a:lstStyle>
           <a:p>
-            <a:pPr eaLnBrk="1" hangingPunct="1"/>
-            <a:r>
-              <a:rPr lang="en-US" sz="1800" b="1" dirty="0">
-                <a:solidFill>
-                  <a:schemeClr val="tx1"/>
-                </a:solidFill>
-              </a:rPr>
-              <a:t>End</a:t>
-            </a:r>
-            <a:endParaRPr lang="en-US" sz="1800" dirty="0">
-              <a:solidFill>
-                <a:schemeClr val="tx1"/>
-              </a:solidFill>
-            </a:endParaRPr>
+            <a:pPr algn="l" eaLnBrk="1" hangingPunct="1"/>
+            <a:r>
+              <a:rPr lang="en-US" sz="3200" b="1" kern="0"/>
+              <a:t>This week...</a:t>
+            </a:r>
+            <a:endParaRPr lang="en-US" sz="3200" kern="0" dirty="0"/>
           </a:p>
         </p:txBody>
       </p:sp>
     </p:spTree>
     <p:extLst>
       <p:ext uri="{BB962C8B-B14F-4D97-AF65-F5344CB8AC3E}">
-        <p14:creationId xmlns:p14="http://schemas.microsoft.com/office/powerpoint/2010/main" val="2380987393"/>
+        <p14:creationId xmlns:p14="http://schemas.microsoft.com/office/powerpoint/2010/main" val="3842182682"/>
       </p:ext>
     </p:extLst>
   </p:cSld>

--- a/Lectures/Lecture 9 - RNA-Seq.pptx
+++ b/Lectures/Lecture 9 - RNA-Seq.pptx
@@ -17163,66 +17163,6 @@
           <a:chExt cx="0" cy="0"/>
         </a:xfrm>
       </p:grpSpPr>
-      <p:pic>
-        <p:nvPicPr>
-          <p:cNvPr id="3" name="Picture 2" descr="A screenshot of a computer&#10;&#10;Description automatically generated">
-            <a:extLst>
-              <a:ext uri="{FF2B5EF4-FFF2-40B4-BE49-F238E27FC236}">
-                <a16:creationId xmlns:a16="http://schemas.microsoft.com/office/drawing/2014/main" id="{7BC5D6E4-7ED0-0A4E-67DE-F9C00A70EB5F}"/>
-              </a:ext>
-            </a:extLst>
-          </p:cNvPr>
-          <p:cNvPicPr>
-            <a:picLocks noChangeAspect="1"/>
-          </p:cNvPicPr>
-          <p:nvPr/>
-        </p:nvPicPr>
-        <p:blipFill>
-          <a:blip r:embed="rId3"/>
-          <a:stretch>
-            <a:fillRect/>
-          </a:stretch>
-        </p:blipFill>
-        <p:spPr>
-          <a:xfrm>
-            <a:off x="323528" y="1412776"/>
-            <a:ext cx="7772400" cy="999308"/>
-          </a:xfrm>
-          <a:prstGeom prst="rect">
-            <a:avLst/>
-          </a:prstGeom>
-        </p:spPr>
-      </p:pic>
-      <p:pic>
-        <p:nvPicPr>
-          <p:cNvPr id="6" name="Picture 5" descr="A screenshot of a computer&#10;&#10;Description automatically generated">
-            <a:extLst>
-              <a:ext uri="{FF2B5EF4-FFF2-40B4-BE49-F238E27FC236}">
-                <a16:creationId xmlns:a16="http://schemas.microsoft.com/office/drawing/2014/main" id="{59107EC6-7B29-9789-030A-5D4FE3567690}"/>
-              </a:ext>
-            </a:extLst>
-          </p:cNvPr>
-          <p:cNvPicPr>
-            <a:picLocks noChangeAspect="1"/>
-          </p:cNvPicPr>
-          <p:nvPr/>
-        </p:nvPicPr>
-        <p:blipFill>
-          <a:blip r:embed="rId4"/>
-          <a:stretch>
-            <a:fillRect/>
-          </a:stretch>
-        </p:blipFill>
-        <p:spPr>
-          <a:xfrm>
-            <a:off x="827584" y="3099869"/>
-            <a:ext cx="7772400" cy="2345355"/>
-          </a:xfrm>
-          <a:prstGeom prst="rect">
-            <a:avLst/>
-          </a:prstGeom>
-        </p:spPr>
-      </p:pic>
       <p:sp>
         <p:nvSpPr>
           <p:cNvPr id="10" name="Rectangle 2">
@@ -17400,13 +17340,73 @@
           <a:p>
             <a:pPr algn="l" eaLnBrk="1" hangingPunct="1"/>
             <a:r>
-              <a:rPr lang="en-US" sz="3200" b="1" kern="0"/>
-              <a:t>This week...</a:t>
+              <a:rPr lang="en-US" sz="3200" b="1" kern="0" dirty="0"/>
+              <a:t>Next two weeks…</a:t>
             </a:r>
             <a:endParaRPr lang="en-US" sz="3200" kern="0" dirty="0"/>
           </a:p>
         </p:txBody>
       </p:sp>
+      <p:pic>
+        <p:nvPicPr>
+          <p:cNvPr id="3" name="Picture 2" descr="A screenshot of a cell phone&#10;&#10;Description automatically generated">
+            <a:extLst>
+              <a:ext uri="{FF2B5EF4-FFF2-40B4-BE49-F238E27FC236}">
+                <a16:creationId xmlns:a16="http://schemas.microsoft.com/office/drawing/2014/main" id="{689DAC1D-DAB1-75C8-EE7C-60F911B1E87D}"/>
+              </a:ext>
+            </a:extLst>
+          </p:cNvPr>
+          <p:cNvPicPr>
+            <a:picLocks noChangeAspect="1"/>
+          </p:cNvPicPr>
+          <p:nvPr/>
+        </p:nvPicPr>
+        <p:blipFill>
+          <a:blip r:embed="rId3"/>
+          <a:stretch>
+            <a:fillRect/>
+          </a:stretch>
+        </p:blipFill>
+        <p:spPr>
+          <a:xfrm>
+            <a:off x="467544" y="1124744"/>
+            <a:ext cx="7772400" cy="1812217"/>
+          </a:xfrm>
+          <a:prstGeom prst="rect">
+            <a:avLst/>
+          </a:prstGeom>
+        </p:spPr>
+      </p:pic>
+      <p:pic>
+        <p:nvPicPr>
+          <p:cNvPr id="7" name="Picture 6" descr="A screenshot of a computer&#10;&#10;Description automatically generated">
+            <a:extLst>
+              <a:ext uri="{FF2B5EF4-FFF2-40B4-BE49-F238E27FC236}">
+                <a16:creationId xmlns:a16="http://schemas.microsoft.com/office/drawing/2014/main" id="{7C03879E-6226-9BE2-9391-FBB924384518}"/>
+              </a:ext>
+            </a:extLst>
+          </p:cNvPr>
+          <p:cNvPicPr>
+            <a:picLocks noChangeAspect="1"/>
+          </p:cNvPicPr>
+          <p:nvPr/>
+        </p:nvPicPr>
+        <p:blipFill>
+          <a:blip r:embed="rId4"/>
+          <a:stretch>
+            <a:fillRect/>
+          </a:stretch>
+        </p:blipFill>
+        <p:spPr>
+          <a:xfrm>
+            <a:off x="2771800" y="3146627"/>
+            <a:ext cx="5972200" cy="3489611"/>
+          </a:xfrm>
+          <a:prstGeom prst="rect">
+            <a:avLst/>
+          </a:prstGeom>
+        </p:spPr>
+      </p:pic>
     </p:spTree>
     <p:extLst>
       <p:ext uri="{BB962C8B-B14F-4D97-AF65-F5344CB8AC3E}">

--- a/Lectures/Lecture 9 - RNA-Seq.pptx
+++ b/Lectures/Lecture 9 - RNA-Seq.pptx
@@ -2,7 +2,7 @@
 <file path=ppt/presentation.xml><?xml version="1.0" encoding="utf-8"?>
 <p:presentation xmlns:a="http://schemas.openxmlformats.org/drawingml/2006/main" xmlns:r="http://schemas.openxmlformats.org/officeDocument/2006/relationships" xmlns:p="http://schemas.openxmlformats.org/presentationml/2006/main" strictFirstAndLastChars="0" saveSubsetFonts="1" autoCompressPictures="0">
   <p:sldMasterIdLst>
-    <p:sldMasterId id="2147483649" r:id="rId1"/>
+    <p:sldMasterId id="2147483673" r:id="rId1"/>
   </p:sldMasterIdLst>
   <p:notesMasterIdLst>
     <p:notesMasterId r:id="rId36"/>
@@ -49,122 +49,92 @@
     <a:defPPr>
       <a:defRPr lang="en-US"/>
     </a:defPPr>
-    <a:lvl1pPr algn="l" rtl="0" eaLnBrk="0" fontAlgn="base" hangingPunct="0">
-      <a:spcBef>
-        <a:spcPct val="0"/>
-      </a:spcBef>
-      <a:spcAft>
-        <a:spcPct val="0"/>
-      </a:spcAft>
-      <a:defRPr sz="2400" kern="1200">
+    <a:lvl1pPr marL="0" algn="l" defTabSz="914400" rtl="0" eaLnBrk="1" latinLnBrk="0" hangingPunct="1">
+      <a:defRPr sz="1800" kern="1200">
         <a:solidFill>
           <a:schemeClr val="tx1"/>
         </a:solidFill>
-        <a:latin typeface="Times" charset="0"/>
+        <a:latin typeface="+mn-lt"/>
         <a:ea typeface="+mn-ea"/>
         <a:cs typeface="+mn-cs"/>
       </a:defRPr>
     </a:lvl1pPr>
-    <a:lvl2pPr marL="457200" algn="l" rtl="0" eaLnBrk="0" fontAlgn="base" hangingPunct="0">
-      <a:spcBef>
-        <a:spcPct val="0"/>
-      </a:spcBef>
-      <a:spcAft>
-        <a:spcPct val="0"/>
-      </a:spcAft>
-      <a:defRPr sz="2400" kern="1200">
+    <a:lvl2pPr marL="457200" algn="l" defTabSz="914400" rtl="0" eaLnBrk="1" latinLnBrk="0" hangingPunct="1">
+      <a:defRPr sz="1800" kern="1200">
         <a:solidFill>
           <a:schemeClr val="tx1"/>
         </a:solidFill>
-        <a:latin typeface="Times" charset="0"/>
+        <a:latin typeface="+mn-lt"/>
         <a:ea typeface="+mn-ea"/>
         <a:cs typeface="+mn-cs"/>
       </a:defRPr>
     </a:lvl2pPr>
-    <a:lvl3pPr marL="914400" algn="l" rtl="0" eaLnBrk="0" fontAlgn="base" hangingPunct="0">
-      <a:spcBef>
-        <a:spcPct val="0"/>
-      </a:spcBef>
-      <a:spcAft>
-        <a:spcPct val="0"/>
-      </a:spcAft>
-      <a:defRPr sz="2400" kern="1200">
+    <a:lvl3pPr marL="914400" algn="l" defTabSz="914400" rtl="0" eaLnBrk="1" latinLnBrk="0" hangingPunct="1">
+      <a:defRPr sz="1800" kern="1200">
         <a:solidFill>
           <a:schemeClr val="tx1"/>
         </a:solidFill>
-        <a:latin typeface="Times" charset="0"/>
+        <a:latin typeface="+mn-lt"/>
         <a:ea typeface="+mn-ea"/>
         <a:cs typeface="+mn-cs"/>
       </a:defRPr>
     </a:lvl3pPr>
-    <a:lvl4pPr marL="1371600" algn="l" rtl="0" eaLnBrk="0" fontAlgn="base" hangingPunct="0">
-      <a:spcBef>
-        <a:spcPct val="0"/>
-      </a:spcBef>
-      <a:spcAft>
-        <a:spcPct val="0"/>
-      </a:spcAft>
-      <a:defRPr sz="2400" kern="1200">
+    <a:lvl4pPr marL="1371600" algn="l" defTabSz="914400" rtl="0" eaLnBrk="1" latinLnBrk="0" hangingPunct="1">
+      <a:defRPr sz="1800" kern="1200">
         <a:solidFill>
           <a:schemeClr val="tx1"/>
         </a:solidFill>
-        <a:latin typeface="Times" charset="0"/>
+        <a:latin typeface="+mn-lt"/>
         <a:ea typeface="+mn-ea"/>
         <a:cs typeface="+mn-cs"/>
       </a:defRPr>
     </a:lvl4pPr>
-    <a:lvl5pPr marL="1828800" algn="l" rtl="0" eaLnBrk="0" fontAlgn="base" hangingPunct="0">
-      <a:spcBef>
-        <a:spcPct val="0"/>
-      </a:spcBef>
-      <a:spcAft>
-        <a:spcPct val="0"/>
-      </a:spcAft>
-      <a:defRPr sz="2400" kern="1200">
+    <a:lvl5pPr marL="1828800" algn="l" defTabSz="914400" rtl="0" eaLnBrk="1" latinLnBrk="0" hangingPunct="1">
+      <a:defRPr sz="1800" kern="1200">
         <a:solidFill>
           <a:schemeClr val="tx1"/>
         </a:solidFill>
-        <a:latin typeface="Times" charset="0"/>
+        <a:latin typeface="+mn-lt"/>
         <a:ea typeface="+mn-ea"/>
         <a:cs typeface="+mn-cs"/>
       </a:defRPr>
     </a:lvl5pPr>
-    <a:lvl6pPr marL="2286000" algn="l" defTabSz="457200" rtl="0" eaLnBrk="1" latinLnBrk="0" hangingPunct="1">
-      <a:defRPr sz="2400" kern="1200">
+    <a:lvl6pPr marL="2286000" algn="l" defTabSz="914400" rtl="0" eaLnBrk="1" latinLnBrk="0" hangingPunct="1">
+      <a:defRPr sz="1800" kern="1200">
         <a:solidFill>
           <a:schemeClr val="tx1"/>
         </a:solidFill>
-        <a:latin typeface="Times" charset="0"/>
+        <a:latin typeface="+mn-lt"/>
         <a:ea typeface="+mn-ea"/>
         <a:cs typeface="+mn-cs"/>
       </a:defRPr>
     </a:lvl6pPr>
-    <a:lvl7pPr marL="2743200" algn="l" defTabSz="457200" rtl="0" eaLnBrk="1" latinLnBrk="0" hangingPunct="1">
-      <a:defRPr sz="2400" kern="1200">
+    <a:lvl7pPr marL="2743200" algn="l" defTabSz="914400" rtl="0" eaLnBrk="1" latinLnBrk="0" hangingPunct="1">
+      <a:defRPr sz="1800" kern="1200">
         <a:solidFill>
           <a:schemeClr val="tx1"/>
         </a:solidFill>
-        <a:latin typeface="Times" charset="0"/>
+        <a:latin typeface="+mn-lt"/>
         <a:ea typeface="+mn-ea"/>
         <a:cs typeface="+mn-cs"/>
       </a:defRPr>
     </a:lvl7pPr>
-    <a:lvl8pPr marL="3200400" algn="l" defTabSz="457200" rtl="0" eaLnBrk="1" latinLnBrk="0" hangingPunct="1">
-      <a:defRPr sz="2400" kern="1200">
+    <a:lvl8pPr marL="3200400" algn="l" defTabSz="914400" rtl="0" eaLnBrk="1" latinLnBrk="0" hangingPunct="1">
+      <a:defRPr sz="1800" kern="1200">
         <a:solidFill>
           <a:schemeClr val="tx1"/>
         </a:solidFill>
-        <a:latin typeface="Times" charset="0"/>
+        <a:latin typeface="+mn-lt"/>
         <a:ea typeface="+mn-ea"/>
         <a:cs typeface="+mn-cs"/>
       </a:defRPr>
     </a:lvl8pPr>
-    <a:lvl9pPr marL="3657600" algn="l" defTabSz="457200" rtl="0" eaLnBrk="1" latinLnBrk="0" hangingPunct="1">
-      <a:defRPr sz="2400" kern="1200">
+    <a:lvl9pPr marL="3657600" algn="l" defTabSz="914400" rtl="0" eaLnBrk="1" latinLnBrk="0" hangingPunct="1">
+      <a:defRPr sz="1800" kern="1200">
         <a:solidFill>
           <a:schemeClr val="tx1"/>
         </a:solidFill>
-        <a:latin typeface="Times" charset="0"/>
+        <a:latin typeface="+mn-lt"/>
         <a:ea typeface="+mn-ea"/>
         <a:cs typeface="+mn-cs"/>
       </a:defRPr>
@@ -1423,7 +1393,7 @@
           <a:lstStyle/>
           <a:p>
             <a:pPr eaLnBrk="1" hangingPunct="1"/>
-            <a:endParaRPr lang="en-US"/>
+            <a:endParaRPr lang="en-US" dirty="0"/>
           </a:p>
         </p:txBody>
       </p:sp>
@@ -2753,7 +2723,7 @@
           <a:lstStyle/>
           <a:p>
             <a:pPr eaLnBrk="1" hangingPunct="1"/>
-            <a:endParaRPr lang="en-US"/>
+            <a:endParaRPr lang="en-US" dirty="0"/>
           </a:p>
         </p:txBody>
       </p:sp>
@@ -3664,25 +3634,31 @@
       </p:grpSpPr>
       <p:sp>
         <p:nvSpPr>
-          <p:cNvPr id="4098" name="Rectangle 2"/>
+          <p:cNvPr id="2" name="Title 1">
+            <a:extLst>
+              <a:ext uri="{FF2B5EF4-FFF2-40B4-BE49-F238E27FC236}">
+                <a16:creationId xmlns:a16="http://schemas.microsoft.com/office/drawing/2014/main" id="{77CBC314-8534-F340-037D-A60D74B7D5B6}"/>
+              </a:ext>
+            </a:extLst>
+          </p:cNvPr>
           <p:cNvSpPr>
-            <a:spLocks noGrp="1" noChangeArrowheads="1"/>
+            <a:spLocks noGrp="1"/>
           </p:cNvSpPr>
           <p:nvPr>
-            <p:ph type="ctrTitle" sz="quarter"/>
+            <p:ph type="ctrTitle"/>
           </p:nvPr>
         </p:nvSpPr>
         <p:spPr>
           <a:xfrm>
-            <a:off x="685800" y="2057400"/>
-            <a:ext cx="7772400" cy="1143000"/>
-          </a:xfrm>
-        </p:spPr>
-        <p:txBody>
-          <a:bodyPr/>
+            <a:off x="1143000" y="1122363"/>
+            <a:ext cx="6858000" cy="2387600"/>
+          </a:xfrm>
+        </p:spPr>
+        <p:txBody>
+          <a:bodyPr anchor="b"/>
           <a:lstStyle>
-            <a:lvl1pPr>
-              <a:defRPr/>
+            <a:lvl1pPr algn="ctr">
+              <a:defRPr sz="4500"/>
             </a:lvl1pPr>
           </a:lstStyle>
           <a:p>
@@ -3695,28 +3671,65 @@
       </p:sp>
       <p:sp>
         <p:nvSpPr>
-          <p:cNvPr id="4099" name="Rectangle 3"/>
+          <p:cNvPr id="3" name="Subtitle 2">
+            <a:extLst>
+              <a:ext uri="{FF2B5EF4-FFF2-40B4-BE49-F238E27FC236}">
+                <a16:creationId xmlns:a16="http://schemas.microsoft.com/office/drawing/2014/main" id="{7B860E8C-5572-7543-9A25-EB61A1D378A2}"/>
+              </a:ext>
+            </a:extLst>
+          </p:cNvPr>
           <p:cNvSpPr>
-            <a:spLocks noGrp="1" noChangeArrowheads="1"/>
+            <a:spLocks noGrp="1"/>
           </p:cNvSpPr>
           <p:nvPr>
-            <p:ph type="subTitle" sz="quarter" idx="1"/>
+            <p:ph type="subTitle" idx="1"/>
           </p:nvPr>
         </p:nvSpPr>
         <p:spPr>
           <a:xfrm>
-            <a:off x="1371600" y="3886200"/>
-            <a:ext cx="6400800" cy="1752600"/>
+            <a:off x="1143000" y="3602038"/>
+            <a:ext cx="6858000" cy="1655762"/>
           </a:xfrm>
         </p:spPr>
         <p:txBody>
           <a:bodyPr/>
           <a:lstStyle>
             <a:lvl1pPr marL="0" indent="0" algn="ctr">
-              <a:buFontTx/>
               <a:buNone/>
-              <a:defRPr/>
+              <a:defRPr sz="1800"/>
             </a:lvl1pPr>
+            <a:lvl2pPr marL="342900" indent="0" algn="ctr">
+              <a:buNone/>
+              <a:defRPr sz="1500"/>
+            </a:lvl2pPr>
+            <a:lvl3pPr marL="685800" indent="0" algn="ctr">
+              <a:buNone/>
+              <a:defRPr sz="1350"/>
+            </a:lvl3pPr>
+            <a:lvl4pPr marL="1028700" indent="0" algn="ctr">
+              <a:buNone/>
+              <a:defRPr sz="1200"/>
+            </a:lvl4pPr>
+            <a:lvl5pPr marL="1371600" indent="0" algn="ctr">
+              <a:buNone/>
+              <a:defRPr sz="1200"/>
+            </a:lvl5pPr>
+            <a:lvl6pPr marL="1714500" indent="0" algn="ctr">
+              <a:buNone/>
+              <a:defRPr sz="1200"/>
+            </a:lvl6pPr>
+            <a:lvl7pPr marL="2057400" indent="0" algn="ctr">
+              <a:buNone/>
+              <a:defRPr sz="1200"/>
+            </a:lvl7pPr>
+            <a:lvl8pPr marL="2400300" indent="0" algn="ctr">
+              <a:buNone/>
+              <a:defRPr sz="1200"/>
+            </a:lvl8pPr>
+            <a:lvl9pPr marL="2743200" indent="0" algn="ctr">
+              <a:buNone/>
+              <a:defRPr sz="1200"/>
+            </a:lvl9pPr>
           </a:lstStyle>
           <a:p>
             <a:r>
@@ -3726,7 +3739,95 @@
           </a:p>
         </p:txBody>
       </p:sp>
+      <p:sp>
+        <p:nvSpPr>
+          <p:cNvPr id="4" name="Date Placeholder 3">
+            <a:extLst>
+              <a:ext uri="{FF2B5EF4-FFF2-40B4-BE49-F238E27FC236}">
+                <a16:creationId xmlns:a16="http://schemas.microsoft.com/office/drawing/2014/main" id="{F0150993-A761-4D14-0F17-6167AEB1070D}"/>
+              </a:ext>
+            </a:extLst>
+          </p:cNvPr>
+          <p:cNvSpPr>
+            <a:spLocks noGrp="1"/>
+          </p:cNvSpPr>
+          <p:nvPr>
+            <p:ph type="dt" sz="half" idx="10"/>
+          </p:nvPr>
+        </p:nvSpPr>
+        <p:spPr/>
+        <p:txBody>
+          <a:bodyPr/>
+          <a:lstStyle/>
+          <a:p>
+            <a:fld id="{1DFD00BC-B30E-5247-8611-F9B39A299889}" type="datetimeFigureOut">
+              <a:rPr lang="en-US" smtClean="0"/>
+              <a:t>8/8/25</a:t>
+            </a:fld>
+            <a:endParaRPr lang="en-US"/>
+          </a:p>
+        </p:txBody>
+      </p:sp>
+      <p:sp>
+        <p:nvSpPr>
+          <p:cNvPr id="5" name="Footer Placeholder 4">
+            <a:extLst>
+              <a:ext uri="{FF2B5EF4-FFF2-40B4-BE49-F238E27FC236}">
+                <a16:creationId xmlns:a16="http://schemas.microsoft.com/office/drawing/2014/main" id="{268EF23E-FB09-529A-FB9D-A3C5B6AF271F}"/>
+              </a:ext>
+            </a:extLst>
+          </p:cNvPr>
+          <p:cNvSpPr>
+            <a:spLocks noGrp="1"/>
+          </p:cNvSpPr>
+          <p:nvPr>
+            <p:ph type="ftr" sz="quarter" idx="11"/>
+          </p:nvPr>
+        </p:nvSpPr>
+        <p:spPr/>
+        <p:txBody>
+          <a:bodyPr/>
+          <a:lstStyle/>
+          <a:p>
+            <a:endParaRPr lang="en-US"/>
+          </a:p>
+        </p:txBody>
+      </p:sp>
+      <p:sp>
+        <p:nvSpPr>
+          <p:cNvPr id="6" name="Slide Number Placeholder 5">
+            <a:extLst>
+              <a:ext uri="{FF2B5EF4-FFF2-40B4-BE49-F238E27FC236}">
+                <a16:creationId xmlns:a16="http://schemas.microsoft.com/office/drawing/2014/main" id="{933CA2A6-592D-16A4-17A3-8CAD3BFC474D}"/>
+              </a:ext>
+            </a:extLst>
+          </p:cNvPr>
+          <p:cNvSpPr>
+            <a:spLocks noGrp="1"/>
+          </p:cNvSpPr>
+          <p:nvPr>
+            <p:ph type="sldNum" sz="quarter" idx="12"/>
+          </p:nvPr>
+        </p:nvSpPr>
+        <p:spPr/>
+        <p:txBody>
+          <a:bodyPr/>
+          <a:lstStyle/>
+          <a:p>
+            <a:fld id="{7AE5448C-0598-5B4A-8D16-8B81403683C6}" type="slidenum">
+              <a:rPr lang="en-US" smtClean="0"/>
+              <a:t>‹#›</a:t>
+            </a:fld>
+            <a:endParaRPr lang="en-US"/>
+          </a:p>
+        </p:txBody>
+      </p:sp>
     </p:spTree>
+    <p:extLst>
+      <p:ext uri="{BB962C8B-B14F-4D97-AF65-F5344CB8AC3E}">
+        <p14:creationId xmlns:p14="http://schemas.microsoft.com/office/powerpoint/2010/main" val="3004220994"/>
+      </p:ext>
+    </p:extLst>
   </p:cSld>
   <p:clrMapOvr>
     <a:masterClrMapping/>
@@ -3753,7 +3854,13 @@
       </p:grpSpPr>
       <p:sp>
         <p:nvSpPr>
-          <p:cNvPr id="2" name="Title 1"/>
+          <p:cNvPr id="2" name="Title 1">
+            <a:extLst>
+              <a:ext uri="{FF2B5EF4-FFF2-40B4-BE49-F238E27FC236}">
+                <a16:creationId xmlns:a16="http://schemas.microsoft.com/office/drawing/2014/main" id="{F6E47D9D-4C1E-3394-0BF2-FF764ED55545}"/>
+              </a:ext>
+            </a:extLst>
+          </p:cNvPr>
           <p:cNvSpPr>
             <a:spLocks noGrp="1"/>
           </p:cNvSpPr>
@@ -3775,7 +3882,13 @@
       </p:sp>
       <p:sp>
         <p:nvSpPr>
-          <p:cNvPr id="3" name="Vertical Text Placeholder 2"/>
+          <p:cNvPr id="3" name="Vertical Text Placeholder 2">
+            <a:extLst>
+              <a:ext uri="{FF2B5EF4-FFF2-40B4-BE49-F238E27FC236}">
+                <a16:creationId xmlns:a16="http://schemas.microsoft.com/office/drawing/2014/main" id="{88D24EDF-DDE6-8C52-7CBA-7B8368CE7DD2}"/>
+              </a:ext>
+            </a:extLst>
+          </p:cNvPr>
           <p:cNvSpPr>
             <a:spLocks noGrp="1"/>
           </p:cNvSpPr>
@@ -3826,24 +3939,24 @@
       </p:sp>
       <p:sp>
         <p:nvSpPr>
-          <p:cNvPr id="4" name="Rectangle 14"/>
+          <p:cNvPr id="4" name="Date Placeholder 3">
+            <a:extLst>
+              <a:ext uri="{FF2B5EF4-FFF2-40B4-BE49-F238E27FC236}">
+                <a16:creationId xmlns:a16="http://schemas.microsoft.com/office/drawing/2014/main" id="{BD84F598-D314-720C-8AEC-3F7317882DF7}"/>
+              </a:ext>
+            </a:extLst>
+          </p:cNvPr>
           <p:cNvSpPr>
-            <a:spLocks noGrp="1" noChangeArrowheads="1"/>
+            <a:spLocks noGrp="1"/>
           </p:cNvSpPr>
           <p:nvPr>
             <p:ph type="dt" sz="half" idx="10"/>
           </p:nvPr>
         </p:nvSpPr>
-        <p:spPr>
-          <a:ln/>
-        </p:spPr>
+        <p:spPr/>
         <p:txBody>
           <a:bodyPr/>
-          <a:lstStyle>
-            <a:lvl1pPr>
-              <a:defRPr/>
-            </a:lvl1pPr>
-          </a:lstStyle>
+          <a:lstStyle/>
           <a:p>
             <a:pPr>
               <a:defRPr/>
@@ -3854,24 +3967,24 @@
       </p:sp>
       <p:sp>
         <p:nvSpPr>
-          <p:cNvPr id="5" name="Rectangle 15"/>
+          <p:cNvPr id="5" name="Footer Placeholder 4">
+            <a:extLst>
+              <a:ext uri="{FF2B5EF4-FFF2-40B4-BE49-F238E27FC236}">
+                <a16:creationId xmlns:a16="http://schemas.microsoft.com/office/drawing/2014/main" id="{D6DB62DF-F4B7-0B20-A976-EB0ADCB721B0}"/>
+              </a:ext>
+            </a:extLst>
+          </p:cNvPr>
           <p:cNvSpPr>
-            <a:spLocks noGrp="1" noChangeArrowheads="1"/>
+            <a:spLocks noGrp="1"/>
           </p:cNvSpPr>
           <p:nvPr>
             <p:ph type="ftr" sz="quarter" idx="11"/>
           </p:nvPr>
         </p:nvSpPr>
-        <p:spPr>
-          <a:ln/>
-        </p:spPr>
+        <p:spPr/>
         <p:txBody>
           <a:bodyPr/>
-          <a:lstStyle>
-            <a:lvl1pPr>
-              <a:defRPr/>
-            </a:lvl1pPr>
-          </a:lstStyle>
+          <a:lstStyle/>
           <a:p>
             <a:pPr>
               <a:defRPr/>
@@ -3882,30 +3995,30 @@
       </p:sp>
       <p:sp>
         <p:nvSpPr>
-          <p:cNvPr id="6" name="Rectangle 16"/>
+          <p:cNvPr id="6" name="Slide Number Placeholder 5">
+            <a:extLst>
+              <a:ext uri="{FF2B5EF4-FFF2-40B4-BE49-F238E27FC236}">
+                <a16:creationId xmlns:a16="http://schemas.microsoft.com/office/drawing/2014/main" id="{AC58856B-CC72-87D4-A609-B3D86800966F}"/>
+              </a:ext>
+            </a:extLst>
+          </p:cNvPr>
           <p:cNvSpPr>
-            <a:spLocks noGrp="1" noChangeArrowheads="1"/>
+            <a:spLocks noGrp="1"/>
           </p:cNvSpPr>
           <p:nvPr>
             <p:ph type="sldNum" sz="quarter" idx="12"/>
           </p:nvPr>
         </p:nvSpPr>
-        <p:spPr>
-          <a:ln/>
-        </p:spPr>
+        <p:spPr/>
         <p:txBody>
           <a:bodyPr/>
-          <a:lstStyle>
-            <a:lvl1pPr>
-              <a:defRPr/>
-            </a:lvl1pPr>
-          </a:lstStyle>
+          <a:lstStyle/>
           <a:p>
             <a:pPr>
               <a:defRPr/>
             </a:pPr>
             <a:fld id="{A5A5E3B6-6E25-8746-A1EF-0C61A376E09C}" type="slidenum">
-              <a:rPr lang="en-US"/>
+              <a:rPr lang="en-US" smtClean="0"/>
               <a:pPr>
                 <a:defRPr/>
               </a:pPr>
@@ -3916,6 +4029,11 @@
         </p:txBody>
       </p:sp>
     </p:spTree>
+    <p:extLst>
+      <p:ext uri="{BB962C8B-B14F-4D97-AF65-F5344CB8AC3E}">
+        <p14:creationId xmlns:p14="http://schemas.microsoft.com/office/powerpoint/2010/main" val="3246968061"/>
+      </p:ext>
+    </p:extLst>
   </p:cSld>
   <p:clrMapOvr>
     <a:masterClrMapping/>
@@ -3942,7 +4060,13 @@
       </p:grpSpPr>
       <p:sp>
         <p:nvSpPr>
-          <p:cNvPr id="2" name="Vertical Title 1"/>
+          <p:cNvPr id="2" name="Vertical Title 1">
+            <a:extLst>
+              <a:ext uri="{FF2B5EF4-FFF2-40B4-BE49-F238E27FC236}">
+                <a16:creationId xmlns:a16="http://schemas.microsoft.com/office/drawing/2014/main" id="{B1C359CB-1EED-A99C-D3D9-88CC6098BB14}"/>
+              </a:ext>
+            </a:extLst>
+          </p:cNvPr>
           <p:cNvSpPr>
             <a:spLocks noGrp="1"/>
           </p:cNvSpPr>
@@ -3952,8 +4076,8 @@
         </p:nvSpPr>
         <p:spPr>
           <a:xfrm>
-            <a:off x="6343650" y="0"/>
-            <a:ext cx="2114550" cy="6096000"/>
+            <a:off x="6543675" y="365125"/>
+            <a:ext cx="1971675" cy="5811838"/>
           </a:xfrm>
         </p:spPr>
         <p:txBody>
@@ -3969,7 +4093,13 @@
       </p:sp>
       <p:sp>
         <p:nvSpPr>
-          <p:cNvPr id="3" name="Vertical Text Placeholder 2"/>
+          <p:cNvPr id="3" name="Vertical Text Placeholder 2">
+            <a:extLst>
+              <a:ext uri="{FF2B5EF4-FFF2-40B4-BE49-F238E27FC236}">
+                <a16:creationId xmlns:a16="http://schemas.microsoft.com/office/drawing/2014/main" id="{19FDBE30-D2AC-E95E-95DA-0731A02D2F2A}"/>
+              </a:ext>
+            </a:extLst>
+          </p:cNvPr>
           <p:cNvSpPr>
             <a:spLocks noGrp="1"/>
           </p:cNvSpPr>
@@ -3979,8 +4109,8 @@
         </p:nvSpPr>
         <p:spPr>
           <a:xfrm>
-            <a:off x="0" y="0"/>
-            <a:ext cx="6191250" cy="6096000"/>
+            <a:off x="628650" y="365125"/>
+            <a:ext cx="5800725" cy="5811838"/>
           </a:xfrm>
         </p:spPr>
         <p:txBody>
@@ -4025,24 +4155,24 @@
       </p:sp>
       <p:sp>
         <p:nvSpPr>
-          <p:cNvPr id="4" name="Rectangle 14"/>
+          <p:cNvPr id="4" name="Date Placeholder 3">
+            <a:extLst>
+              <a:ext uri="{FF2B5EF4-FFF2-40B4-BE49-F238E27FC236}">
+                <a16:creationId xmlns:a16="http://schemas.microsoft.com/office/drawing/2014/main" id="{28B93F8E-5289-B8A9-027E-01002658219F}"/>
+              </a:ext>
+            </a:extLst>
+          </p:cNvPr>
           <p:cNvSpPr>
-            <a:spLocks noGrp="1" noChangeArrowheads="1"/>
+            <a:spLocks noGrp="1"/>
           </p:cNvSpPr>
           <p:nvPr>
             <p:ph type="dt" sz="half" idx="10"/>
           </p:nvPr>
         </p:nvSpPr>
-        <p:spPr>
-          <a:ln/>
-        </p:spPr>
+        <p:spPr/>
         <p:txBody>
           <a:bodyPr/>
-          <a:lstStyle>
-            <a:lvl1pPr>
-              <a:defRPr/>
-            </a:lvl1pPr>
-          </a:lstStyle>
+          <a:lstStyle/>
           <a:p>
             <a:pPr>
               <a:defRPr/>
@@ -4053,24 +4183,24 @@
       </p:sp>
       <p:sp>
         <p:nvSpPr>
-          <p:cNvPr id="5" name="Rectangle 15"/>
+          <p:cNvPr id="5" name="Footer Placeholder 4">
+            <a:extLst>
+              <a:ext uri="{FF2B5EF4-FFF2-40B4-BE49-F238E27FC236}">
+                <a16:creationId xmlns:a16="http://schemas.microsoft.com/office/drawing/2014/main" id="{8CD89A69-9C04-66FC-D626-42D34000C06E}"/>
+              </a:ext>
+            </a:extLst>
+          </p:cNvPr>
           <p:cNvSpPr>
-            <a:spLocks noGrp="1" noChangeArrowheads="1"/>
+            <a:spLocks noGrp="1"/>
           </p:cNvSpPr>
           <p:nvPr>
             <p:ph type="ftr" sz="quarter" idx="11"/>
           </p:nvPr>
         </p:nvSpPr>
-        <p:spPr>
-          <a:ln/>
-        </p:spPr>
+        <p:spPr/>
         <p:txBody>
           <a:bodyPr/>
-          <a:lstStyle>
-            <a:lvl1pPr>
-              <a:defRPr/>
-            </a:lvl1pPr>
-          </a:lstStyle>
+          <a:lstStyle/>
           <a:p>
             <a:pPr>
               <a:defRPr/>
@@ -4081,30 +4211,30 @@
       </p:sp>
       <p:sp>
         <p:nvSpPr>
-          <p:cNvPr id="6" name="Rectangle 16"/>
+          <p:cNvPr id="6" name="Slide Number Placeholder 5">
+            <a:extLst>
+              <a:ext uri="{FF2B5EF4-FFF2-40B4-BE49-F238E27FC236}">
+                <a16:creationId xmlns:a16="http://schemas.microsoft.com/office/drawing/2014/main" id="{A2C82CCF-2918-F924-8326-00799D3EC02A}"/>
+              </a:ext>
+            </a:extLst>
+          </p:cNvPr>
           <p:cNvSpPr>
-            <a:spLocks noGrp="1" noChangeArrowheads="1"/>
+            <a:spLocks noGrp="1"/>
           </p:cNvSpPr>
           <p:nvPr>
             <p:ph type="sldNum" sz="quarter" idx="12"/>
           </p:nvPr>
         </p:nvSpPr>
-        <p:spPr>
-          <a:ln/>
-        </p:spPr>
+        <p:spPr/>
         <p:txBody>
           <a:bodyPr/>
-          <a:lstStyle>
-            <a:lvl1pPr>
-              <a:defRPr/>
-            </a:lvl1pPr>
-          </a:lstStyle>
+          <a:lstStyle/>
           <a:p>
             <a:pPr>
               <a:defRPr/>
             </a:pPr>
             <a:fld id="{E34BA3A9-4E0B-FD49-BE1E-B8179035C6A1}" type="slidenum">
-              <a:rPr lang="en-US"/>
+              <a:rPr lang="en-US" smtClean="0"/>
               <a:pPr>
                 <a:defRPr/>
               </a:pPr>
@@ -4115,6 +4245,11 @@
         </p:txBody>
       </p:sp>
     </p:spTree>
+    <p:extLst>
+      <p:ext uri="{BB962C8B-B14F-4D97-AF65-F5344CB8AC3E}">
+        <p14:creationId xmlns:p14="http://schemas.microsoft.com/office/powerpoint/2010/main" val="1403064100"/>
+      </p:ext>
+    </p:extLst>
   </p:cSld>
   <p:clrMapOvr>
     <a:masterClrMapping/>
@@ -4141,7 +4276,13 @@
       </p:grpSpPr>
       <p:sp>
         <p:nvSpPr>
-          <p:cNvPr id="2" name="Title 1"/>
+          <p:cNvPr id="2" name="Title 1">
+            <a:extLst>
+              <a:ext uri="{FF2B5EF4-FFF2-40B4-BE49-F238E27FC236}">
+                <a16:creationId xmlns:a16="http://schemas.microsoft.com/office/drawing/2014/main" id="{D6CF1F89-CBBD-3C3E-C8C5-853FF0E53089}"/>
+              </a:ext>
+            </a:extLst>
+          </p:cNvPr>
           <p:cNvSpPr>
             <a:spLocks noGrp="1"/>
           </p:cNvSpPr>
@@ -4163,7 +4304,13 @@
       </p:sp>
       <p:sp>
         <p:nvSpPr>
-          <p:cNvPr id="3" name="Content Placeholder 2"/>
+          <p:cNvPr id="3" name="Content Placeholder 2">
+            <a:extLst>
+              <a:ext uri="{FF2B5EF4-FFF2-40B4-BE49-F238E27FC236}">
+                <a16:creationId xmlns:a16="http://schemas.microsoft.com/office/drawing/2014/main" id="{2E56AF78-2BA6-369F-B046-FA2AA78110FC}"/>
+              </a:ext>
+            </a:extLst>
+          </p:cNvPr>
           <p:cNvSpPr>
             <a:spLocks noGrp="1"/>
           </p:cNvSpPr>
@@ -4214,24 +4361,24 @@
       </p:sp>
       <p:sp>
         <p:nvSpPr>
-          <p:cNvPr id="4" name="Rectangle 14"/>
+          <p:cNvPr id="4" name="Date Placeholder 3">
+            <a:extLst>
+              <a:ext uri="{FF2B5EF4-FFF2-40B4-BE49-F238E27FC236}">
+                <a16:creationId xmlns:a16="http://schemas.microsoft.com/office/drawing/2014/main" id="{E7596383-3184-82DB-935B-2D26A93863F0}"/>
+              </a:ext>
+            </a:extLst>
+          </p:cNvPr>
           <p:cNvSpPr>
-            <a:spLocks noGrp="1" noChangeArrowheads="1"/>
+            <a:spLocks noGrp="1"/>
           </p:cNvSpPr>
           <p:nvPr>
             <p:ph type="dt" sz="half" idx="10"/>
           </p:nvPr>
         </p:nvSpPr>
-        <p:spPr>
-          <a:ln/>
-        </p:spPr>
+        <p:spPr/>
         <p:txBody>
           <a:bodyPr/>
-          <a:lstStyle>
-            <a:lvl1pPr>
-              <a:defRPr/>
-            </a:lvl1pPr>
-          </a:lstStyle>
+          <a:lstStyle/>
           <a:p>
             <a:pPr>
               <a:defRPr/>
@@ -4242,24 +4389,24 @@
       </p:sp>
       <p:sp>
         <p:nvSpPr>
-          <p:cNvPr id="5" name="Rectangle 15"/>
+          <p:cNvPr id="5" name="Footer Placeholder 4">
+            <a:extLst>
+              <a:ext uri="{FF2B5EF4-FFF2-40B4-BE49-F238E27FC236}">
+                <a16:creationId xmlns:a16="http://schemas.microsoft.com/office/drawing/2014/main" id="{A317449F-CE81-20B2-FEF2-2E88B7245935}"/>
+              </a:ext>
+            </a:extLst>
+          </p:cNvPr>
           <p:cNvSpPr>
-            <a:spLocks noGrp="1" noChangeArrowheads="1"/>
+            <a:spLocks noGrp="1"/>
           </p:cNvSpPr>
           <p:nvPr>
             <p:ph type="ftr" sz="quarter" idx="11"/>
           </p:nvPr>
         </p:nvSpPr>
-        <p:spPr>
-          <a:ln/>
-        </p:spPr>
+        <p:spPr/>
         <p:txBody>
           <a:bodyPr/>
-          <a:lstStyle>
-            <a:lvl1pPr>
-              <a:defRPr/>
-            </a:lvl1pPr>
-          </a:lstStyle>
+          <a:lstStyle/>
           <a:p>
             <a:pPr>
               <a:defRPr/>
@@ -4270,30 +4417,30 @@
       </p:sp>
       <p:sp>
         <p:nvSpPr>
-          <p:cNvPr id="6" name="Rectangle 16"/>
+          <p:cNvPr id="6" name="Slide Number Placeholder 5">
+            <a:extLst>
+              <a:ext uri="{FF2B5EF4-FFF2-40B4-BE49-F238E27FC236}">
+                <a16:creationId xmlns:a16="http://schemas.microsoft.com/office/drawing/2014/main" id="{E5104C83-B953-0FED-6F37-83F4E873DFF6}"/>
+              </a:ext>
+            </a:extLst>
+          </p:cNvPr>
           <p:cNvSpPr>
-            <a:spLocks noGrp="1" noChangeArrowheads="1"/>
+            <a:spLocks noGrp="1"/>
           </p:cNvSpPr>
           <p:nvPr>
             <p:ph type="sldNum" sz="quarter" idx="12"/>
           </p:nvPr>
         </p:nvSpPr>
-        <p:spPr>
-          <a:ln/>
-        </p:spPr>
+        <p:spPr/>
         <p:txBody>
           <a:bodyPr/>
-          <a:lstStyle>
-            <a:lvl1pPr>
-              <a:defRPr/>
-            </a:lvl1pPr>
-          </a:lstStyle>
+          <a:lstStyle/>
           <a:p>
             <a:pPr>
               <a:defRPr/>
             </a:pPr>
             <a:fld id="{18470F46-84F3-4841-A00A-8EAA56A98436}" type="slidenum">
-              <a:rPr lang="en-US"/>
+              <a:rPr lang="en-US" smtClean="0"/>
               <a:pPr>
                 <a:defRPr/>
               </a:pPr>
@@ -4304,6 +4451,11 @@
         </p:txBody>
       </p:sp>
     </p:spTree>
+    <p:extLst>
+      <p:ext uri="{BB962C8B-B14F-4D97-AF65-F5344CB8AC3E}">
+        <p14:creationId xmlns:p14="http://schemas.microsoft.com/office/powerpoint/2010/main" val="1895002293"/>
+      </p:ext>
+    </p:extLst>
   </p:cSld>
   <p:clrMapOvr>
     <a:masterClrMapping/>
@@ -4330,7 +4482,13 @@
       </p:grpSpPr>
       <p:sp>
         <p:nvSpPr>
-          <p:cNvPr id="2" name="Title 1"/>
+          <p:cNvPr id="2" name="Title 1">
+            <a:extLst>
+              <a:ext uri="{FF2B5EF4-FFF2-40B4-BE49-F238E27FC236}">
+                <a16:creationId xmlns:a16="http://schemas.microsoft.com/office/drawing/2014/main" id="{C45B55AF-702E-B109-772D-19592C883665}"/>
+              </a:ext>
+            </a:extLst>
+          </p:cNvPr>
           <p:cNvSpPr>
             <a:spLocks noGrp="1"/>
           </p:cNvSpPr>
@@ -4340,15 +4498,15 @@
         </p:nvSpPr>
         <p:spPr>
           <a:xfrm>
-            <a:off x="722313" y="4406900"/>
-            <a:ext cx="7772400" cy="1362075"/>
-          </a:xfrm>
-        </p:spPr>
-        <p:txBody>
-          <a:bodyPr anchor="t"/>
+            <a:off x="623887" y="1709738"/>
+            <a:ext cx="7886700" cy="2852737"/>
+          </a:xfrm>
+        </p:spPr>
+        <p:txBody>
+          <a:bodyPr anchor="b"/>
           <a:lstStyle>
-            <a:lvl1pPr algn="l">
-              <a:defRPr sz="4000" b="1" cap="all"/>
+            <a:lvl1pPr>
+              <a:defRPr sz="4500"/>
             </a:lvl1pPr>
           </a:lstStyle>
           <a:p>
@@ -4361,7 +4519,13 @@
       </p:sp>
       <p:sp>
         <p:nvSpPr>
-          <p:cNvPr id="3" name="Text Placeholder 2"/>
+          <p:cNvPr id="3" name="Text Placeholder 2">
+            <a:extLst>
+              <a:ext uri="{FF2B5EF4-FFF2-40B4-BE49-F238E27FC236}">
+                <a16:creationId xmlns:a16="http://schemas.microsoft.com/office/drawing/2014/main" id="{3DFA8EB4-9694-ECEA-4350-C85D6BE230D9}"/>
+              </a:ext>
+            </a:extLst>
+          </p:cNvPr>
           <p:cNvSpPr>
             <a:spLocks noGrp="1"/>
           </p:cNvSpPr>
@@ -4371,48 +4535,102 @@
         </p:nvSpPr>
         <p:spPr>
           <a:xfrm>
-            <a:off x="722313" y="2906713"/>
-            <a:ext cx="7772400" cy="1500187"/>
-          </a:xfrm>
-        </p:spPr>
-        <p:txBody>
-          <a:bodyPr anchor="b"/>
+            <a:off x="623887" y="4589464"/>
+            <a:ext cx="7886700" cy="1500187"/>
+          </a:xfrm>
+        </p:spPr>
+        <p:txBody>
+          <a:bodyPr/>
           <a:lstStyle>
             <a:lvl1pPr marL="0" indent="0">
               <a:buNone/>
-              <a:defRPr sz="2000"/>
+              <a:defRPr sz="1800">
+                <a:solidFill>
+                  <a:schemeClr val="tx1">
+                    <a:tint val="82000"/>
+                  </a:schemeClr>
+                </a:solidFill>
+              </a:defRPr>
             </a:lvl1pPr>
-            <a:lvl2pPr marL="457200" indent="0">
+            <a:lvl2pPr marL="342900" indent="0">
               <a:buNone/>
-              <a:defRPr sz="1800"/>
+              <a:defRPr sz="1500">
+                <a:solidFill>
+                  <a:schemeClr val="tx1">
+                    <a:tint val="82000"/>
+                  </a:schemeClr>
+                </a:solidFill>
+              </a:defRPr>
             </a:lvl2pPr>
-            <a:lvl3pPr marL="914400" indent="0">
+            <a:lvl3pPr marL="685800" indent="0">
               <a:buNone/>
-              <a:defRPr sz="1600"/>
+              <a:defRPr sz="1350">
+                <a:solidFill>
+                  <a:schemeClr val="tx1">
+                    <a:tint val="82000"/>
+                  </a:schemeClr>
+                </a:solidFill>
+              </a:defRPr>
             </a:lvl3pPr>
-            <a:lvl4pPr marL="1371600" indent="0">
+            <a:lvl4pPr marL="1028700" indent="0">
               <a:buNone/>
-              <a:defRPr sz="1400"/>
+              <a:defRPr sz="1200">
+                <a:solidFill>
+                  <a:schemeClr val="tx1">
+                    <a:tint val="82000"/>
+                  </a:schemeClr>
+                </a:solidFill>
+              </a:defRPr>
             </a:lvl4pPr>
-            <a:lvl5pPr marL="1828800" indent="0">
+            <a:lvl5pPr marL="1371600" indent="0">
               <a:buNone/>
-              <a:defRPr sz="1400"/>
+              <a:defRPr sz="1200">
+                <a:solidFill>
+                  <a:schemeClr val="tx1">
+                    <a:tint val="82000"/>
+                  </a:schemeClr>
+                </a:solidFill>
+              </a:defRPr>
             </a:lvl5pPr>
-            <a:lvl6pPr marL="2286000" indent="0">
+            <a:lvl6pPr marL="1714500" indent="0">
               <a:buNone/>
-              <a:defRPr sz="1400"/>
+              <a:defRPr sz="1200">
+                <a:solidFill>
+                  <a:schemeClr val="tx1">
+                    <a:tint val="82000"/>
+                  </a:schemeClr>
+                </a:solidFill>
+              </a:defRPr>
             </a:lvl6pPr>
-            <a:lvl7pPr marL="2743200" indent="0">
+            <a:lvl7pPr marL="2057400" indent="0">
               <a:buNone/>
-              <a:defRPr sz="1400"/>
+              <a:defRPr sz="1200">
+                <a:solidFill>
+                  <a:schemeClr val="tx1">
+                    <a:tint val="82000"/>
+                  </a:schemeClr>
+                </a:solidFill>
+              </a:defRPr>
             </a:lvl7pPr>
-            <a:lvl8pPr marL="3200400" indent="0">
+            <a:lvl8pPr marL="2400300" indent="0">
               <a:buNone/>
-              <a:defRPr sz="1400"/>
+              <a:defRPr sz="1200">
+                <a:solidFill>
+                  <a:schemeClr val="tx1">
+                    <a:tint val="82000"/>
+                  </a:schemeClr>
+                </a:solidFill>
+              </a:defRPr>
             </a:lvl8pPr>
-            <a:lvl9pPr marL="3657600" indent="0">
+            <a:lvl9pPr marL="2743200" indent="0">
               <a:buNone/>
-              <a:defRPr sz="1400"/>
+              <a:defRPr sz="1200">
+                <a:solidFill>
+                  <a:schemeClr val="tx1">
+                    <a:tint val="82000"/>
+                  </a:schemeClr>
+                </a:solidFill>
+              </a:defRPr>
             </a:lvl9pPr>
           </a:lstStyle>
           <a:p>
@@ -4426,24 +4644,24 @@
       </p:sp>
       <p:sp>
         <p:nvSpPr>
-          <p:cNvPr id="4" name="Rectangle 14"/>
+          <p:cNvPr id="4" name="Date Placeholder 3">
+            <a:extLst>
+              <a:ext uri="{FF2B5EF4-FFF2-40B4-BE49-F238E27FC236}">
+                <a16:creationId xmlns:a16="http://schemas.microsoft.com/office/drawing/2014/main" id="{AA5E7295-FD75-A6AE-0A42-62F23356814D}"/>
+              </a:ext>
+            </a:extLst>
+          </p:cNvPr>
           <p:cNvSpPr>
-            <a:spLocks noGrp="1" noChangeArrowheads="1"/>
+            <a:spLocks noGrp="1"/>
           </p:cNvSpPr>
           <p:nvPr>
             <p:ph type="dt" sz="half" idx="10"/>
           </p:nvPr>
         </p:nvSpPr>
-        <p:spPr>
-          <a:ln/>
-        </p:spPr>
+        <p:spPr/>
         <p:txBody>
           <a:bodyPr/>
-          <a:lstStyle>
-            <a:lvl1pPr>
-              <a:defRPr/>
-            </a:lvl1pPr>
-          </a:lstStyle>
+          <a:lstStyle/>
           <a:p>
             <a:pPr>
               <a:defRPr/>
@@ -4454,24 +4672,24 @@
       </p:sp>
       <p:sp>
         <p:nvSpPr>
-          <p:cNvPr id="5" name="Rectangle 15"/>
+          <p:cNvPr id="5" name="Footer Placeholder 4">
+            <a:extLst>
+              <a:ext uri="{FF2B5EF4-FFF2-40B4-BE49-F238E27FC236}">
+                <a16:creationId xmlns:a16="http://schemas.microsoft.com/office/drawing/2014/main" id="{FFF3FED8-1308-E99A-4359-984399C770AF}"/>
+              </a:ext>
+            </a:extLst>
+          </p:cNvPr>
           <p:cNvSpPr>
-            <a:spLocks noGrp="1" noChangeArrowheads="1"/>
+            <a:spLocks noGrp="1"/>
           </p:cNvSpPr>
           <p:nvPr>
             <p:ph type="ftr" sz="quarter" idx="11"/>
           </p:nvPr>
         </p:nvSpPr>
-        <p:spPr>
-          <a:ln/>
-        </p:spPr>
+        <p:spPr/>
         <p:txBody>
           <a:bodyPr/>
-          <a:lstStyle>
-            <a:lvl1pPr>
-              <a:defRPr/>
-            </a:lvl1pPr>
-          </a:lstStyle>
+          <a:lstStyle/>
           <a:p>
             <a:pPr>
               <a:defRPr/>
@@ -4482,30 +4700,30 @@
       </p:sp>
       <p:sp>
         <p:nvSpPr>
-          <p:cNvPr id="6" name="Rectangle 16"/>
+          <p:cNvPr id="6" name="Slide Number Placeholder 5">
+            <a:extLst>
+              <a:ext uri="{FF2B5EF4-FFF2-40B4-BE49-F238E27FC236}">
+                <a16:creationId xmlns:a16="http://schemas.microsoft.com/office/drawing/2014/main" id="{695AB702-4B4F-B84F-00C7-235650489D52}"/>
+              </a:ext>
+            </a:extLst>
+          </p:cNvPr>
           <p:cNvSpPr>
-            <a:spLocks noGrp="1" noChangeArrowheads="1"/>
+            <a:spLocks noGrp="1"/>
           </p:cNvSpPr>
           <p:nvPr>
             <p:ph type="sldNum" sz="quarter" idx="12"/>
           </p:nvPr>
         </p:nvSpPr>
-        <p:spPr>
-          <a:ln/>
-        </p:spPr>
+        <p:spPr/>
         <p:txBody>
           <a:bodyPr/>
-          <a:lstStyle>
-            <a:lvl1pPr>
-              <a:defRPr/>
-            </a:lvl1pPr>
-          </a:lstStyle>
+          <a:lstStyle/>
           <a:p>
             <a:pPr>
               <a:defRPr/>
             </a:pPr>
             <a:fld id="{E91B18E3-807F-A74B-B9B0-A9E08F586304}" type="slidenum">
-              <a:rPr lang="en-US"/>
+              <a:rPr lang="en-US" smtClean="0"/>
               <a:pPr>
                 <a:defRPr/>
               </a:pPr>
@@ -4516,6 +4734,11 @@
         </p:txBody>
       </p:sp>
     </p:spTree>
+    <p:extLst>
+      <p:ext uri="{BB962C8B-B14F-4D97-AF65-F5344CB8AC3E}">
+        <p14:creationId xmlns:p14="http://schemas.microsoft.com/office/powerpoint/2010/main" val="1733515479"/>
+      </p:ext>
+    </p:extLst>
   </p:cSld>
   <p:clrMapOvr>
     <a:masterClrMapping/>
@@ -4542,7 +4765,13 @@
       </p:grpSpPr>
       <p:sp>
         <p:nvSpPr>
-          <p:cNvPr id="2" name="Title 1"/>
+          <p:cNvPr id="2" name="Title 1">
+            <a:extLst>
+              <a:ext uri="{FF2B5EF4-FFF2-40B4-BE49-F238E27FC236}">
+                <a16:creationId xmlns:a16="http://schemas.microsoft.com/office/drawing/2014/main" id="{71AB7D00-0BF4-8272-35A6-D036D5FCEBFF}"/>
+              </a:ext>
+            </a:extLst>
+          </p:cNvPr>
           <p:cNvSpPr>
             <a:spLocks noGrp="1"/>
           </p:cNvSpPr>
@@ -4564,7 +4793,13 @@
       </p:sp>
       <p:sp>
         <p:nvSpPr>
-          <p:cNvPr id="3" name="Content Placeholder 2"/>
+          <p:cNvPr id="3" name="Content Placeholder 2">
+            <a:extLst>
+              <a:ext uri="{FF2B5EF4-FFF2-40B4-BE49-F238E27FC236}">
+                <a16:creationId xmlns:a16="http://schemas.microsoft.com/office/drawing/2014/main" id="{6B621187-8B21-FF16-EE2F-9B2F48BC86A2}"/>
+              </a:ext>
+            </a:extLst>
+          </p:cNvPr>
           <p:cNvSpPr>
             <a:spLocks noGrp="1"/>
           </p:cNvSpPr>
@@ -4574,41 +4809,13 @@
         </p:nvSpPr>
         <p:spPr>
           <a:xfrm>
-            <a:off x="685800" y="1981200"/>
-            <a:ext cx="3810000" cy="4114800"/>
+            <a:off x="628650" y="1825625"/>
+            <a:ext cx="3886200" cy="4351338"/>
           </a:xfrm>
         </p:spPr>
         <p:txBody>
           <a:bodyPr/>
-          <a:lstStyle>
-            <a:lvl1pPr>
-              <a:defRPr sz="2800"/>
-            </a:lvl1pPr>
-            <a:lvl2pPr>
-              <a:defRPr sz="2400"/>
-            </a:lvl2pPr>
-            <a:lvl3pPr>
-              <a:defRPr sz="2000"/>
-            </a:lvl3pPr>
-            <a:lvl4pPr>
-              <a:defRPr sz="1800"/>
-            </a:lvl4pPr>
-            <a:lvl5pPr>
-              <a:defRPr sz="1800"/>
-            </a:lvl5pPr>
-            <a:lvl6pPr>
-              <a:defRPr sz="1800"/>
-            </a:lvl6pPr>
-            <a:lvl7pPr>
-              <a:defRPr sz="1800"/>
-            </a:lvl7pPr>
-            <a:lvl8pPr>
-              <a:defRPr sz="1800"/>
-            </a:lvl8pPr>
-            <a:lvl9pPr>
-              <a:defRPr sz="1800"/>
-            </a:lvl9pPr>
-          </a:lstStyle>
+          <a:lstStyle/>
           <a:p>
             <a:pPr lvl="0"/>
             <a:r>
@@ -4648,7 +4855,13 @@
       </p:sp>
       <p:sp>
         <p:nvSpPr>
-          <p:cNvPr id="4" name="Content Placeholder 3"/>
+          <p:cNvPr id="4" name="Content Placeholder 3">
+            <a:extLst>
+              <a:ext uri="{FF2B5EF4-FFF2-40B4-BE49-F238E27FC236}">
+                <a16:creationId xmlns:a16="http://schemas.microsoft.com/office/drawing/2014/main" id="{F172E925-F9E7-6D0A-6850-4A7AB338D570}"/>
+              </a:ext>
+            </a:extLst>
+          </p:cNvPr>
           <p:cNvSpPr>
             <a:spLocks noGrp="1"/>
           </p:cNvSpPr>
@@ -4658,41 +4871,13 @@
         </p:nvSpPr>
         <p:spPr>
           <a:xfrm>
-            <a:off x="4648200" y="1981200"/>
-            <a:ext cx="3810000" cy="4114800"/>
+            <a:off x="4629150" y="1825625"/>
+            <a:ext cx="3886200" cy="4351338"/>
           </a:xfrm>
         </p:spPr>
         <p:txBody>
           <a:bodyPr/>
-          <a:lstStyle>
-            <a:lvl1pPr>
-              <a:defRPr sz="2800"/>
-            </a:lvl1pPr>
-            <a:lvl2pPr>
-              <a:defRPr sz="2400"/>
-            </a:lvl2pPr>
-            <a:lvl3pPr>
-              <a:defRPr sz="2000"/>
-            </a:lvl3pPr>
-            <a:lvl4pPr>
-              <a:defRPr sz="1800"/>
-            </a:lvl4pPr>
-            <a:lvl5pPr>
-              <a:defRPr sz="1800"/>
-            </a:lvl5pPr>
-            <a:lvl6pPr>
-              <a:defRPr sz="1800"/>
-            </a:lvl6pPr>
-            <a:lvl7pPr>
-              <a:defRPr sz="1800"/>
-            </a:lvl7pPr>
-            <a:lvl8pPr>
-              <a:defRPr sz="1800"/>
-            </a:lvl8pPr>
-            <a:lvl9pPr>
-              <a:defRPr sz="1800"/>
-            </a:lvl9pPr>
-          </a:lstStyle>
+          <a:lstStyle/>
           <a:p>
             <a:pPr lvl="0"/>
             <a:r>
@@ -4732,24 +4917,24 @@
       </p:sp>
       <p:sp>
         <p:nvSpPr>
-          <p:cNvPr id="5" name="Rectangle 14"/>
+          <p:cNvPr id="5" name="Date Placeholder 4">
+            <a:extLst>
+              <a:ext uri="{FF2B5EF4-FFF2-40B4-BE49-F238E27FC236}">
+                <a16:creationId xmlns:a16="http://schemas.microsoft.com/office/drawing/2014/main" id="{689E0EEC-5FE5-A324-0F42-0C3ED8231278}"/>
+              </a:ext>
+            </a:extLst>
+          </p:cNvPr>
           <p:cNvSpPr>
-            <a:spLocks noGrp="1" noChangeArrowheads="1"/>
+            <a:spLocks noGrp="1"/>
           </p:cNvSpPr>
           <p:nvPr>
             <p:ph type="dt" sz="half" idx="10"/>
           </p:nvPr>
         </p:nvSpPr>
-        <p:spPr>
-          <a:ln/>
-        </p:spPr>
+        <p:spPr/>
         <p:txBody>
           <a:bodyPr/>
-          <a:lstStyle>
-            <a:lvl1pPr>
-              <a:defRPr/>
-            </a:lvl1pPr>
-          </a:lstStyle>
+          <a:lstStyle/>
           <a:p>
             <a:pPr>
               <a:defRPr/>
@@ -4760,24 +4945,24 @@
       </p:sp>
       <p:sp>
         <p:nvSpPr>
-          <p:cNvPr id="6" name="Rectangle 15"/>
+          <p:cNvPr id="6" name="Footer Placeholder 5">
+            <a:extLst>
+              <a:ext uri="{FF2B5EF4-FFF2-40B4-BE49-F238E27FC236}">
+                <a16:creationId xmlns:a16="http://schemas.microsoft.com/office/drawing/2014/main" id="{4B9DCA58-30E2-9B84-8556-3A2432052961}"/>
+              </a:ext>
+            </a:extLst>
+          </p:cNvPr>
           <p:cNvSpPr>
-            <a:spLocks noGrp="1" noChangeArrowheads="1"/>
+            <a:spLocks noGrp="1"/>
           </p:cNvSpPr>
           <p:nvPr>
             <p:ph type="ftr" sz="quarter" idx="11"/>
           </p:nvPr>
         </p:nvSpPr>
-        <p:spPr>
-          <a:ln/>
-        </p:spPr>
+        <p:spPr/>
         <p:txBody>
           <a:bodyPr/>
-          <a:lstStyle>
-            <a:lvl1pPr>
-              <a:defRPr/>
-            </a:lvl1pPr>
-          </a:lstStyle>
+          <a:lstStyle/>
           <a:p>
             <a:pPr>
               <a:defRPr/>
@@ -4788,30 +4973,30 @@
       </p:sp>
       <p:sp>
         <p:nvSpPr>
-          <p:cNvPr id="7" name="Rectangle 16"/>
+          <p:cNvPr id="7" name="Slide Number Placeholder 6">
+            <a:extLst>
+              <a:ext uri="{FF2B5EF4-FFF2-40B4-BE49-F238E27FC236}">
+                <a16:creationId xmlns:a16="http://schemas.microsoft.com/office/drawing/2014/main" id="{E6246C7D-349F-7191-D41C-6C932EEA440F}"/>
+              </a:ext>
+            </a:extLst>
+          </p:cNvPr>
           <p:cNvSpPr>
-            <a:spLocks noGrp="1" noChangeArrowheads="1"/>
+            <a:spLocks noGrp="1"/>
           </p:cNvSpPr>
           <p:nvPr>
             <p:ph type="sldNum" sz="quarter" idx="12"/>
           </p:nvPr>
         </p:nvSpPr>
-        <p:spPr>
-          <a:ln/>
-        </p:spPr>
+        <p:spPr/>
         <p:txBody>
           <a:bodyPr/>
-          <a:lstStyle>
-            <a:lvl1pPr>
-              <a:defRPr/>
-            </a:lvl1pPr>
-          </a:lstStyle>
+          <a:lstStyle/>
           <a:p>
             <a:pPr>
               <a:defRPr/>
             </a:pPr>
             <a:fld id="{5B2A4FA1-8607-774C-AA86-B85150486884}" type="slidenum">
-              <a:rPr lang="en-US"/>
+              <a:rPr lang="en-US" smtClean="0"/>
               <a:pPr>
                 <a:defRPr/>
               </a:pPr>
@@ -4822,6 +5007,11 @@
         </p:txBody>
       </p:sp>
     </p:spTree>
+    <p:extLst>
+      <p:ext uri="{BB962C8B-B14F-4D97-AF65-F5344CB8AC3E}">
+        <p14:creationId xmlns:p14="http://schemas.microsoft.com/office/powerpoint/2010/main" val="1383092947"/>
+      </p:ext>
+    </p:extLst>
   </p:cSld>
   <p:clrMapOvr>
     <a:masterClrMapping/>
@@ -4848,7 +5038,13 @@
       </p:grpSpPr>
       <p:sp>
         <p:nvSpPr>
-          <p:cNvPr id="2" name="Title 1"/>
+          <p:cNvPr id="2" name="Title 1">
+            <a:extLst>
+              <a:ext uri="{FF2B5EF4-FFF2-40B4-BE49-F238E27FC236}">
+                <a16:creationId xmlns:a16="http://schemas.microsoft.com/office/drawing/2014/main" id="{20BCAE33-C1B7-3CF7-10DF-4C0D6AAB27CB}"/>
+              </a:ext>
+            </a:extLst>
+          </p:cNvPr>
           <p:cNvSpPr>
             <a:spLocks noGrp="1"/>
           </p:cNvSpPr>
@@ -4858,17 +5054,13 @@
         </p:nvSpPr>
         <p:spPr>
           <a:xfrm>
-            <a:off x="457200" y="274638"/>
-            <a:ext cx="8229600" cy="1143000"/>
+            <a:off x="629841" y="365126"/>
+            <a:ext cx="7886700" cy="1325563"/>
           </a:xfrm>
         </p:spPr>
         <p:txBody>
           <a:bodyPr/>
-          <a:lstStyle>
-            <a:lvl1pPr>
-              <a:defRPr/>
-            </a:lvl1pPr>
-          </a:lstStyle>
+          <a:lstStyle/>
           <a:p>
             <a:r>
               <a:rPr lang="en-US"/>
@@ -4879,7 +5071,13 @@
       </p:sp>
       <p:sp>
         <p:nvSpPr>
-          <p:cNvPr id="3" name="Text Placeholder 2"/>
+          <p:cNvPr id="3" name="Text Placeholder 2">
+            <a:extLst>
+              <a:ext uri="{FF2B5EF4-FFF2-40B4-BE49-F238E27FC236}">
+                <a16:creationId xmlns:a16="http://schemas.microsoft.com/office/drawing/2014/main" id="{1BAF26F3-AD12-6A8D-4566-5DDF086614A2}"/>
+              </a:ext>
+            </a:extLst>
+          </p:cNvPr>
           <p:cNvSpPr>
             <a:spLocks noGrp="1"/>
           </p:cNvSpPr>
@@ -4889,8 +5087,8 @@
         </p:nvSpPr>
         <p:spPr>
           <a:xfrm>
-            <a:off x="457200" y="1535113"/>
-            <a:ext cx="4040188" cy="639762"/>
+            <a:off x="629842" y="1681163"/>
+            <a:ext cx="3868340" cy="823912"/>
           </a:xfrm>
         </p:spPr>
         <p:txBody>
@@ -4898,39 +5096,39 @@
           <a:lstStyle>
             <a:lvl1pPr marL="0" indent="0">
               <a:buNone/>
-              <a:defRPr sz="2400" b="1"/>
+              <a:defRPr sz="1800" b="1"/>
             </a:lvl1pPr>
-            <a:lvl2pPr marL="457200" indent="0">
+            <a:lvl2pPr marL="342900" indent="0">
               <a:buNone/>
-              <a:defRPr sz="2000" b="1"/>
+              <a:defRPr sz="1500" b="1"/>
             </a:lvl2pPr>
-            <a:lvl3pPr marL="914400" indent="0">
+            <a:lvl3pPr marL="685800" indent="0">
               <a:buNone/>
-              <a:defRPr sz="1800" b="1"/>
+              <a:defRPr sz="1350" b="1"/>
             </a:lvl3pPr>
-            <a:lvl4pPr marL="1371600" indent="0">
+            <a:lvl4pPr marL="1028700" indent="0">
               <a:buNone/>
-              <a:defRPr sz="1600" b="1"/>
+              <a:defRPr sz="1200" b="1"/>
             </a:lvl4pPr>
-            <a:lvl5pPr marL="1828800" indent="0">
+            <a:lvl5pPr marL="1371600" indent="0">
               <a:buNone/>
-              <a:defRPr sz="1600" b="1"/>
+              <a:defRPr sz="1200" b="1"/>
             </a:lvl5pPr>
-            <a:lvl6pPr marL="2286000" indent="0">
+            <a:lvl6pPr marL="1714500" indent="0">
               <a:buNone/>
-              <a:defRPr sz="1600" b="1"/>
+              <a:defRPr sz="1200" b="1"/>
             </a:lvl6pPr>
-            <a:lvl7pPr marL="2743200" indent="0">
+            <a:lvl7pPr marL="2057400" indent="0">
               <a:buNone/>
-              <a:defRPr sz="1600" b="1"/>
+              <a:defRPr sz="1200" b="1"/>
             </a:lvl7pPr>
-            <a:lvl8pPr marL="3200400" indent="0">
+            <a:lvl8pPr marL="2400300" indent="0">
               <a:buNone/>
-              <a:defRPr sz="1600" b="1"/>
+              <a:defRPr sz="1200" b="1"/>
             </a:lvl8pPr>
-            <a:lvl9pPr marL="3657600" indent="0">
+            <a:lvl9pPr marL="2743200" indent="0">
               <a:buNone/>
-              <a:defRPr sz="1600" b="1"/>
+              <a:defRPr sz="1200" b="1"/>
             </a:lvl9pPr>
           </a:lstStyle>
           <a:p>
@@ -4944,7 +5142,13 @@
       </p:sp>
       <p:sp>
         <p:nvSpPr>
-          <p:cNvPr id="4" name="Content Placeholder 3"/>
+          <p:cNvPr id="4" name="Content Placeholder 3">
+            <a:extLst>
+              <a:ext uri="{FF2B5EF4-FFF2-40B4-BE49-F238E27FC236}">
+                <a16:creationId xmlns:a16="http://schemas.microsoft.com/office/drawing/2014/main" id="{E8BC46A0-FE20-8AB7-B5D9-1368830FE88C}"/>
+              </a:ext>
+            </a:extLst>
+          </p:cNvPr>
           <p:cNvSpPr>
             <a:spLocks noGrp="1"/>
           </p:cNvSpPr>
@@ -4954,41 +5158,13 @@
         </p:nvSpPr>
         <p:spPr>
           <a:xfrm>
-            <a:off x="457200" y="2174875"/>
-            <a:ext cx="4040188" cy="3951288"/>
+            <a:off x="629842" y="2505075"/>
+            <a:ext cx="3868340" cy="3684588"/>
           </a:xfrm>
         </p:spPr>
         <p:txBody>
           <a:bodyPr/>
-          <a:lstStyle>
-            <a:lvl1pPr>
-              <a:defRPr sz="2400"/>
-            </a:lvl1pPr>
-            <a:lvl2pPr>
-              <a:defRPr sz="2000"/>
-            </a:lvl2pPr>
-            <a:lvl3pPr>
-              <a:defRPr sz="1800"/>
-            </a:lvl3pPr>
-            <a:lvl4pPr>
-              <a:defRPr sz="1600"/>
-            </a:lvl4pPr>
-            <a:lvl5pPr>
-              <a:defRPr sz="1600"/>
-            </a:lvl5pPr>
-            <a:lvl6pPr>
-              <a:defRPr sz="1600"/>
-            </a:lvl6pPr>
-            <a:lvl7pPr>
-              <a:defRPr sz="1600"/>
-            </a:lvl7pPr>
-            <a:lvl8pPr>
-              <a:defRPr sz="1600"/>
-            </a:lvl8pPr>
-            <a:lvl9pPr>
-              <a:defRPr sz="1600"/>
-            </a:lvl9pPr>
-          </a:lstStyle>
+          <a:lstStyle/>
           <a:p>
             <a:pPr lvl="0"/>
             <a:r>
@@ -5028,7 +5204,13 @@
       </p:sp>
       <p:sp>
         <p:nvSpPr>
-          <p:cNvPr id="5" name="Text Placeholder 4"/>
+          <p:cNvPr id="5" name="Text Placeholder 4">
+            <a:extLst>
+              <a:ext uri="{FF2B5EF4-FFF2-40B4-BE49-F238E27FC236}">
+                <a16:creationId xmlns:a16="http://schemas.microsoft.com/office/drawing/2014/main" id="{62F21282-11E4-F78C-21D6-B56B52CF84EA}"/>
+              </a:ext>
+            </a:extLst>
+          </p:cNvPr>
           <p:cNvSpPr>
             <a:spLocks noGrp="1"/>
           </p:cNvSpPr>
@@ -5038,8 +5220,8 @@
         </p:nvSpPr>
         <p:spPr>
           <a:xfrm>
-            <a:off x="4645025" y="1535113"/>
-            <a:ext cx="4041775" cy="639762"/>
+            <a:off x="4629150" y="1681163"/>
+            <a:ext cx="3887391" cy="823912"/>
           </a:xfrm>
         </p:spPr>
         <p:txBody>
@@ -5047,39 +5229,39 @@
           <a:lstStyle>
             <a:lvl1pPr marL="0" indent="0">
               <a:buNone/>
-              <a:defRPr sz="2400" b="1"/>
+              <a:defRPr sz="1800" b="1"/>
             </a:lvl1pPr>
-            <a:lvl2pPr marL="457200" indent="0">
+            <a:lvl2pPr marL="342900" indent="0">
               <a:buNone/>
-              <a:defRPr sz="2000" b="1"/>
+              <a:defRPr sz="1500" b="1"/>
             </a:lvl2pPr>
-            <a:lvl3pPr marL="914400" indent="0">
+            <a:lvl3pPr marL="685800" indent="0">
               <a:buNone/>
-              <a:defRPr sz="1800" b="1"/>
+              <a:defRPr sz="1350" b="1"/>
             </a:lvl3pPr>
-            <a:lvl4pPr marL="1371600" indent="0">
+            <a:lvl4pPr marL="1028700" indent="0">
               <a:buNone/>
-              <a:defRPr sz="1600" b="1"/>
+              <a:defRPr sz="1200" b="1"/>
             </a:lvl4pPr>
-            <a:lvl5pPr marL="1828800" indent="0">
+            <a:lvl5pPr marL="1371600" indent="0">
               <a:buNone/>
-              <a:defRPr sz="1600" b="1"/>
+              <a:defRPr sz="1200" b="1"/>
             </a:lvl5pPr>
-            <a:lvl6pPr marL="2286000" indent="0">
+            <a:lvl6pPr marL="1714500" indent="0">
               <a:buNone/>
-              <a:defRPr sz="1600" b="1"/>
+              <a:defRPr sz="1200" b="1"/>
             </a:lvl6pPr>
-            <a:lvl7pPr marL="2743200" indent="0">
+            <a:lvl7pPr marL="2057400" indent="0">
               <a:buNone/>
-              <a:defRPr sz="1600" b="1"/>
+              <a:defRPr sz="1200" b="1"/>
             </a:lvl7pPr>
-            <a:lvl8pPr marL="3200400" indent="0">
+            <a:lvl8pPr marL="2400300" indent="0">
               <a:buNone/>
-              <a:defRPr sz="1600" b="1"/>
+              <a:defRPr sz="1200" b="1"/>
             </a:lvl8pPr>
-            <a:lvl9pPr marL="3657600" indent="0">
+            <a:lvl9pPr marL="2743200" indent="0">
               <a:buNone/>
-              <a:defRPr sz="1600" b="1"/>
+              <a:defRPr sz="1200" b="1"/>
             </a:lvl9pPr>
           </a:lstStyle>
           <a:p>
@@ -5093,7 +5275,13 @@
       </p:sp>
       <p:sp>
         <p:nvSpPr>
-          <p:cNvPr id="6" name="Content Placeholder 5"/>
+          <p:cNvPr id="6" name="Content Placeholder 5">
+            <a:extLst>
+              <a:ext uri="{FF2B5EF4-FFF2-40B4-BE49-F238E27FC236}">
+                <a16:creationId xmlns:a16="http://schemas.microsoft.com/office/drawing/2014/main" id="{F8E247D3-8A68-C1BD-DB8E-625EE670FBC6}"/>
+              </a:ext>
+            </a:extLst>
+          </p:cNvPr>
           <p:cNvSpPr>
             <a:spLocks noGrp="1"/>
           </p:cNvSpPr>
@@ -5103,41 +5291,13 @@
         </p:nvSpPr>
         <p:spPr>
           <a:xfrm>
-            <a:off x="4645025" y="2174875"/>
-            <a:ext cx="4041775" cy="3951288"/>
+            <a:off x="4629150" y="2505075"/>
+            <a:ext cx="3887391" cy="3684588"/>
           </a:xfrm>
         </p:spPr>
         <p:txBody>
           <a:bodyPr/>
-          <a:lstStyle>
-            <a:lvl1pPr>
-              <a:defRPr sz="2400"/>
-            </a:lvl1pPr>
-            <a:lvl2pPr>
-              <a:defRPr sz="2000"/>
-            </a:lvl2pPr>
-            <a:lvl3pPr>
-              <a:defRPr sz="1800"/>
-            </a:lvl3pPr>
-            <a:lvl4pPr>
-              <a:defRPr sz="1600"/>
-            </a:lvl4pPr>
-            <a:lvl5pPr>
-              <a:defRPr sz="1600"/>
-            </a:lvl5pPr>
-            <a:lvl6pPr>
-              <a:defRPr sz="1600"/>
-            </a:lvl6pPr>
-            <a:lvl7pPr>
-              <a:defRPr sz="1600"/>
-            </a:lvl7pPr>
-            <a:lvl8pPr>
-              <a:defRPr sz="1600"/>
-            </a:lvl8pPr>
-            <a:lvl9pPr>
-              <a:defRPr sz="1600"/>
-            </a:lvl9pPr>
-          </a:lstStyle>
+          <a:lstStyle/>
           <a:p>
             <a:pPr lvl="0"/>
             <a:r>
@@ -5177,24 +5337,24 @@
       </p:sp>
       <p:sp>
         <p:nvSpPr>
-          <p:cNvPr id="7" name="Rectangle 14"/>
+          <p:cNvPr id="7" name="Date Placeholder 6">
+            <a:extLst>
+              <a:ext uri="{FF2B5EF4-FFF2-40B4-BE49-F238E27FC236}">
+                <a16:creationId xmlns:a16="http://schemas.microsoft.com/office/drawing/2014/main" id="{5365D8D2-9931-A297-4FB5-9CEE62D88CEB}"/>
+              </a:ext>
+            </a:extLst>
+          </p:cNvPr>
           <p:cNvSpPr>
-            <a:spLocks noGrp="1" noChangeArrowheads="1"/>
+            <a:spLocks noGrp="1"/>
           </p:cNvSpPr>
           <p:nvPr>
             <p:ph type="dt" sz="half" idx="10"/>
           </p:nvPr>
         </p:nvSpPr>
-        <p:spPr>
-          <a:ln/>
-        </p:spPr>
+        <p:spPr/>
         <p:txBody>
           <a:bodyPr/>
-          <a:lstStyle>
-            <a:lvl1pPr>
-              <a:defRPr/>
-            </a:lvl1pPr>
-          </a:lstStyle>
+          <a:lstStyle/>
           <a:p>
             <a:pPr>
               <a:defRPr/>
@@ -5205,24 +5365,24 @@
       </p:sp>
       <p:sp>
         <p:nvSpPr>
-          <p:cNvPr id="8" name="Rectangle 15"/>
+          <p:cNvPr id="8" name="Footer Placeholder 7">
+            <a:extLst>
+              <a:ext uri="{FF2B5EF4-FFF2-40B4-BE49-F238E27FC236}">
+                <a16:creationId xmlns:a16="http://schemas.microsoft.com/office/drawing/2014/main" id="{EFFC062C-C5BE-1935-D6BC-C38B300F748A}"/>
+              </a:ext>
+            </a:extLst>
+          </p:cNvPr>
           <p:cNvSpPr>
-            <a:spLocks noGrp="1" noChangeArrowheads="1"/>
+            <a:spLocks noGrp="1"/>
           </p:cNvSpPr>
           <p:nvPr>
             <p:ph type="ftr" sz="quarter" idx="11"/>
           </p:nvPr>
         </p:nvSpPr>
-        <p:spPr>
-          <a:ln/>
-        </p:spPr>
+        <p:spPr/>
         <p:txBody>
           <a:bodyPr/>
-          <a:lstStyle>
-            <a:lvl1pPr>
-              <a:defRPr/>
-            </a:lvl1pPr>
-          </a:lstStyle>
+          <a:lstStyle/>
           <a:p>
             <a:pPr>
               <a:defRPr/>
@@ -5233,30 +5393,30 @@
       </p:sp>
       <p:sp>
         <p:nvSpPr>
-          <p:cNvPr id="9" name="Rectangle 16"/>
+          <p:cNvPr id="9" name="Slide Number Placeholder 8">
+            <a:extLst>
+              <a:ext uri="{FF2B5EF4-FFF2-40B4-BE49-F238E27FC236}">
+                <a16:creationId xmlns:a16="http://schemas.microsoft.com/office/drawing/2014/main" id="{F2EE2EEA-367F-4D19-CC12-4E68C1D75819}"/>
+              </a:ext>
+            </a:extLst>
+          </p:cNvPr>
           <p:cNvSpPr>
-            <a:spLocks noGrp="1" noChangeArrowheads="1"/>
+            <a:spLocks noGrp="1"/>
           </p:cNvSpPr>
           <p:nvPr>
             <p:ph type="sldNum" sz="quarter" idx="12"/>
           </p:nvPr>
         </p:nvSpPr>
-        <p:spPr>
-          <a:ln/>
-        </p:spPr>
+        <p:spPr/>
         <p:txBody>
           <a:bodyPr/>
-          <a:lstStyle>
-            <a:lvl1pPr>
-              <a:defRPr/>
-            </a:lvl1pPr>
-          </a:lstStyle>
+          <a:lstStyle/>
           <a:p>
             <a:pPr>
               <a:defRPr/>
             </a:pPr>
             <a:fld id="{E8DEFB5A-64A6-F140-A391-B0801BFA2F38}" type="slidenum">
-              <a:rPr lang="en-US"/>
+              <a:rPr lang="en-US" smtClean="0"/>
               <a:pPr>
                 <a:defRPr/>
               </a:pPr>
@@ -5267,6 +5427,11 @@
         </p:txBody>
       </p:sp>
     </p:spTree>
+    <p:extLst>
+      <p:ext uri="{BB962C8B-B14F-4D97-AF65-F5344CB8AC3E}">
+        <p14:creationId xmlns:p14="http://schemas.microsoft.com/office/powerpoint/2010/main" val="3566202634"/>
+      </p:ext>
+    </p:extLst>
   </p:cSld>
   <p:clrMapOvr>
     <a:masterClrMapping/>
@@ -5293,7 +5458,13 @@
       </p:grpSpPr>
       <p:sp>
         <p:nvSpPr>
-          <p:cNvPr id="2" name="Title 1"/>
+          <p:cNvPr id="2" name="Title 1">
+            <a:extLst>
+              <a:ext uri="{FF2B5EF4-FFF2-40B4-BE49-F238E27FC236}">
+                <a16:creationId xmlns:a16="http://schemas.microsoft.com/office/drawing/2014/main" id="{6DA35E21-FC10-5D12-EE3D-24BCFC2E2EF4}"/>
+              </a:ext>
+            </a:extLst>
+          </p:cNvPr>
           <p:cNvSpPr>
             <a:spLocks noGrp="1"/>
           </p:cNvSpPr>
@@ -5315,24 +5486,24 @@
       </p:sp>
       <p:sp>
         <p:nvSpPr>
-          <p:cNvPr id="3" name="Rectangle 14"/>
+          <p:cNvPr id="3" name="Date Placeholder 2">
+            <a:extLst>
+              <a:ext uri="{FF2B5EF4-FFF2-40B4-BE49-F238E27FC236}">
+                <a16:creationId xmlns:a16="http://schemas.microsoft.com/office/drawing/2014/main" id="{661F50E8-E8B6-F3DC-1CE2-3DA4D629D804}"/>
+              </a:ext>
+            </a:extLst>
+          </p:cNvPr>
           <p:cNvSpPr>
-            <a:spLocks noGrp="1" noChangeArrowheads="1"/>
+            <a:spLocks noGrp="1"/>
           </p:cNvSpPr>
           <p:nvPr>
             <p:ph type="dt" sz="half" idx="10"/>
           </p:nvPr>
         </p:nvSpPr>
-        <p:spPr>
-          <a:ln/>
-        </p:spPr>
+        <p:spPr/>
         <p:txBody>
           <a:bodyPr/>
-          <a:lstStyle>
-            <a:lvl1pPr>
-              <a:defRPr/>
-            </a:lvl1pPr>
-          </a:lstStyle>
+          <a:lstStyle/>
           <a:p>
             <a:pPr>
               <a:defRPr/>
@@ -5343,24 +5514,24 @@
       </p:sp>
       <p:sp>
         <p:nvSpPr>
-          <p:cNvPr id="4" name="Rectangle 15"/>
+          <p:cNvPr id="4" name="Footer Placeholder 3">
+            <a:extLst>
+              <a:ext uri="{FF2B5EF4-FFF2-40B4-BE49-F238E27FC236}">
+                <a16:creationId xmlns:a16="http://schemas.microsoft.com/office/drawing/2014/main" id="{EFDA5BA7-A883-88A0-4BB4-13780B7513EE}"/>
+              </a:ext>
+            </a:extLst>
+          </p:cNvPr>
           <p:cNvSpPr>
-            <a:spLocks noGrp="1" noChangeArrowheads="1"/>
+            <a:spLocks noGrp="1"/>
           </p:cNvSpPr>
           <p:nvPr>
             <p:ph type="ftr" sz="quarter" idx="11"/>
           </p:nvPr>
         </p:nvSpPr>
-        <p:spPr>
-          <a:ln/>
-        </p:spPr>
+        <p:spPr/>
         <p:txBody>
           <a:bodyPr/>
-          <a:lstStyle>
-            <a:lvl1pPr>
-              <a:defRPr/>
-            </a:lvl1pPr>
-          </a:lstStyle>
+          <a:lstStyle/>
           <a:p>
             <a:pPr>
               <a:defRPr/>
@@ -5371,30 +5542,30 @@
       </p:sp>
       <p:sp>
         <p:nvSpPr>
-          <p:cNvPr id="5" name="Rectangle 16"/>
+          <p:cNvPr id="5" name="Slide Number Placeholder 4">
+            <a:extLst>
+              <a:ext uri="{FF2B5EF4-FFF2-40B4-BE49-F238E27FC236}">
+                <a16:creationId xmlns:a16="http://schemas.microsoft.com/office/drawing/2014/main" id="{8D6C2D63-5A1E-5689-C033-0A2D5AB17CBA}"/>
+              </a:ext>
+            </a:extLst>
+          </p:cNvPr>
           <p:cNvSpPr>
-            <a:spLocks noGrp="1" noChangeArrowheads="1"/>
+            <a:spLocks noGrp="1"/>
           </p:cNvSpPr>
           <p:nvPr>
             <p:ph type="sldNum" sz="quarter" idx="12"/>
           </p:nvPr>
         </p:nvSpPr>
-        <p:spPr>
-          <a:ln/>
-        </p:spPr>
+        <p:spPr/>
         <p:txBody>
           <a:bodyPr/>
-          <a:lstStyle>
-            <a:lvl1pPr>
-              <a:defRPr/>
-            </a:lvl1pPr>
-          </a:lstStyle>
+          <a:lstStyle/>
           <a:p>
             <a:pPr>
               <a:defRPr/>
             </a:pPr>
             <a:fld id="{4EC0F981-277B-684F-AAEB-A34E77847A0A}" type="slidenum">
-              <a:rPr lang="en-US"/>
+              <a:rPr lang="en-US" smtClean="0"/>
               <a:pPr>
                 <a:defRPr/>
               </a:pPr>
@@ -5405,6 +5576,11 @@
         </p:txBody>
       </p:sp>
     </p:spTree>
+    <p:extLst>
+      <p:ext uri="{BB962C8B-B14F-4D97-AF65-F5344CB8AC3E}">
+        <p14:creationId xmlns:p14="http://schemas.microsoft.com/office/powerpoint/2010/main" val="490252250"/>
+      </p:ext>
+    </p:extLst>
   </p:cSld>
   <p:clrMapOvr>
     <a:masterClrMapping/>
@@ -5431,24 +5607,24 @@
       </p:grpSpPr>
       <p:sp>
         <p:nvSpPr>
-          <p:cNvPr id="2" name="Rectangle 14"/>
+          <p:cNvPr id="2" name="Date Placeholder 1">
+            <a:extLst>
+              <a:ext uri="{FF2B5EF4-FFF2-40B4-BE49-F238E27FC236}">
+                <a16:creationId xmlns:a16="http://schemas.microsoft.com/office/drawing/2014/main" id="{1CA3737F-4D33-6AB4-1A3E-0CF0841646E2}"/>
+              </a:ext>
+            </a:extLst>
+          </p:cNvPr>
           <p:cNvSpPr>
-            <a:spLocks noGrp="1" noChangeArrowheads="1"/>
+            <a:spLocks noGrp="1"/>
           </p:cNvSpPr>
           <p:nvPr>
             <p:ph type="dt" sz="half" idx="10"/>
           </p:nvPr>
         </p:nvSpPr>
-        <p:spPr>
-          <a:ln/>
-        </p:spPr>
+        <p:spPr/>
         <p:txBody>
           <a:bodyPr/>
-          <a:lstStyle>
-            <a:lvl1pPr>
-              <a:defRPr/>
-            </a:lvl1pPr>
-          </a:lstStyle>
+          <a:lstStyle/>
           <a:p>
             <a:pPr>
               <a:defRPr/>
@@ -5459,24 +5635,24 @@
       </p:sp>
       <p:sp>
         <p:nvSpPr>
-          <p:cNvPr id="3" name="Rectangle 15"/>
+          <p:cNvPr id="3" name="Footer Placeholder 2">
+            <a:extLst>
+              <a:ext uri="{FF2B5EF4-FFF2-40B4-BE49-F238E27FC236}">
+                <a16:creationId xmlns:a16="http://schemas.microsoft.com/office/drawing/2014/main" id="{2D3DE37F-D65A-2899-000D-18E1F3593ADA}"/>
+              </a:ext>
+            </a:extLst>
+          </p:cNvPr>
           <p:cNvSpPr>
-            <a:spLocks noGrp="1" noChangeArrowheads="1"/>
+            <a:spLocks noGrp="1"/>
           </p:cNvSpPr>
           <p:nvPr>
             <p:ph type="ftr" sz="quarter" idx="11"/>
           </p:nvPr>
         </p:nvSpPr>
-        <p:spPr>
-          <a:ln/>
-        </p:spPr>
+        <p:spPr/>
         <p:txBody>
           <a:bodyPr/>
-          <a:lstStyle>
-            <a:lvl1pPr>
-              <a:defRPr/>
-            </a:lvl1pPr>
-          </a:lstStyle>
+          <a:lstStyle/>
           <a:p>
             <a:pPr>
               <a:defRPr/>
@@ -5487,30 +5663,30 @@
       </p:sp>
       <p:sp>
         <p:nvSpPr>
-          <p:cNvPr id="4" name="Rectangle 16"/>
+          <p:cNvPr id="4" name="Slide Number Placeholder 3">
+            <a:extLst>
+              <a:ext uri="{FF2B5EF4-FFF2-40B4-BE49-F238E27FC236}">
+                <a16:creationId xmlns:a16="http://schemas.microsoft.com/office/drawing/2014/main" id="{DF46BB49-3268-12E9-9C53-F626748A12C3}"/>
+              </a:ext>
+            </a:extLst>
+          </p:cNvPr>
           <p:cNvSpPr>
-            <a:spLocks noGrp="1" noChangeArrowheads="1"/>
+            <a:spLocks noGrp="1"/>
           </p:cNvSpPr>
           <p:nvPr>
             <p:ph type="sldNum" sz="quarter" idx="12"/>
           </p:nvPr>
         </p:nvSpPr>
-        <p:spPr>
-          <a:ln/>
-        </p:spPr>
+        <p:spPr/>
         <p:txBody>
           <a:bodyPr/>
-          <a:lstStyle>
-            <a:lvl1pPr>
-              <a:defRPr/>
-            </a:lvl1pPr>
-          </a:lstStyle>
+          <a:lstStyle/>
           <a:p>
             <a:pPr>
               <a:defRPr/>
             </a:pPr>
             <a:fld id="{33276C80-C17C-B849-A7BB-D707942CF59E}" type="slidenum">
-              <a:rPr lang="en-US"/>
+              <a:rPr lang="en-US" smtClean="0"/>
               <a:pPr>
                 <a:defRPr/>
               </a:pPr>
@@ -5521,6 +5697,11 @@
         </p:txBody>
       </p:sp>
     </p:spTree>
+    <p:extLst>
+      <p:ext uri="{BB962C8B-B14F-4D97-AF65-F5344CB8AC3E}">
+        <p14:creationId xmlns:p14="http://schemas.microsoft.com/office/powerpoint/2010/main" val="1432887188"/>
+      </p:ext>
+    </p:extLst>
   </p:cSld>
   <p:clrMapOvr>
     <a:masterClrMapping/>
@@ -5547,7 +5728,13 @@
       </p:grpSpPr>
       <p:sp>
         <p:nvSpPr>
-          <p:cNvPr id="2" name="Title 1"/>
+          <p:cNvPr id="2" name="Title 1">
+            <a:extLst>
+              <a:ext uri="{FF2B5EF4-FFF2-40B4-BE49-F238E27FC236}">
+                <a16:creationId xmlns:a16="http://schemas.microsoft.com/office/drawing/2014/main" id="{6F20C210-7F4D-DFF3-243C-2812BEBF2410}"/>
+              </a:ext>
+            </a:extLst>
+          </p:cNvPr>
           <p:cNvSpPr>
             <a:spLocks noGrp="1"/>
           </p:cNvSpPr>
@@ -5557,15 +5744,15 @@
         </p:nvSpPr>
         <p:spPr>
           <a:xfrm>
-            <a:off x="457200" y="273050"/>
-            <a:ext cx="3008313" cy="1162050"/>
+            <a:off x="629841" y="457200"/>
+            <a:ext cx="2949178" cy="1600200"/>
           </a:xfrm>
         </p:spPr>
         <p:txBody>
           <a:bodyPr anchor="b"/>
           <a:lstStyle>
-            <a:lvl1pPr algn="l">
-              <a:defRPr sz="2000" b="1"/>
+            <a:lvl1pPr>
+              <a:defRPr sz="2400"/>
             </a:lvl1pPr>
           </a:lstStyle>
           <a:p>
@@ -5578,7 +5765,13 @@
       </p:sp>
       <p:sp>
         <p:nvSpPr>
-          <p:cNvPr id="3" name="Content Placeholder 2"/>
+          <p:cNvPr id="3" name="Content Placeholder 2">
+            <a:extLst>
+              <a:ext uri="{FF2B5EF4-FFF2-40B4-BE49-F238E27FC236}">
+                <a16:creationId xmlns:a16="http://schemas.microsoft.com/office/drawing/2014/main" id="{38A87CE6-A285-2D8A-40A3-BEB5BB5F57DF}"/>
+              </a:ext>
+            </a:extLst>
+          </p:cNvPr>
           <p:cNvSpPr>
             <a:spLocks noGrp="1"/>
           </p:cNvSpPr>
@@ -5588,39 +5781,39 @@
         </p:nvSpPr>
         <p:spPr>
           <a:xfrm>
-            <a:off x="3575050" y="273050"/>
-            <a:ext cx="5111750" cy="5853113"/>
+            <a:off x="3887391" y="987426"/>
+            <a:ext cx="4629150" cy="4873625"/>
           </a:xfrm>
         </p:spPr>
         <p:txBody>
           <a:bodyPr/>
           <a:lstStyle>
             <a:lvl1pPr>
-              <a:defRPr sz="3200"/>
+              <a:defRPr sz="2400"/>
             </a:lvl1pPr>
             <a:lvl2pPr>
-              <a:defRPr sz="2800"/>
+              <a:defRPr sz="2100"/>
             </a:lvl2pPr>
             <a:lvl3pPr>
-              <a:defRPr sz="2400"/>
+              <a:defRPr sz="1800"/>
             </a:lvl3pPr>
             <a:lvl4pPr>
-              <a:defRPr sz="2000"/>
+              <a:defRPr sz="1500"/>
             </a:lvl4pPr>
             <a:lvl5pPr>
-              <a:defRPr sz="2000"/>
+              <a:defRPr sz="1500"/>
             </a:lvl5pPr>
             <a:lvl6pPr>
-              <a:defRPr sz="2000"/>
+              <a:defRPr sz="1500"/>
             </a:lvl6pPr>
             <a:lvl7pPr>
-              <a:defRPr sz="2000"/>
+              <a:defRPr sz="1500"/>
             </a:lvl7pPr>
             <a:lvl8pPr>
-              <a:defRPr sz="2000"/>
+              <a:defRPr sz="1500"/>
             </a:lvl8pPr>
             <a:lvl9pPr>
-              <a:defRPr sz="2000"/>
+              <a:defRPr sz="1500"/>
             </a:lvl9pPr>
           </a:lstStyle>
           <a:p>
@@ -5662,7 +5855,13 @@
       </p:sp>
       <p:sp>
         <p:nvSpPr>
-          <p:cNvPr id="4" name="Text Placeholder 3"/>
+          <p:cNvPr id="4" name="Text Placeholder 3">
+            <a:extLst>
+              <a:ext uri="{FF2B5EF4-FFF2-40B4-BE49-F238E27FC236}">
+                <a16:creationId xmlns:a16="http://schemas.microsoft.com/office/drawing/2014/main" id="{03E15C7E-E8B8-5215-04FA-98A6674BD8E3}"/>
+              </a:ext>
+            </a:extLst>
+          </p:cNvPr>
           <p:cNvSpPr>
             <a:spLocks noGrp="1"/>
           </p:cNvSpPr>
@@ -5672,8 +5871,8 @@
         </p:nvSpPr>
         <p:spPr>
           <a:xfrm>
-            <a:off x="457200" y="1435100"/>
-            <a:ext cx="3008313" cy="4691063"/>
+            <a:off x="629841" y="2057400"/>
+            <a:ext cx="2949178" cy="3811588"/>
           </a:xfrm>
         </p:spPr>
         <p:txBody>
@@ -5681,39 +5880,39 @@
           <a:lstStyle>
             <a:lvl1pPr marL="0" indent="0">
               <a:buNone/>
-              <a:defRPr sz="1400"/>
+              <a:defRPr sz="1200"/>
             </a:lvl1pPr>
-            <a:lvl2pPr marL="457200" indent="0">
+            <a:lvl2pPr marL="342900" indent="0">
               <a:buNone/>
-              <a:defRPr sz="1200"/>
+              <a:defRPr sz="1050"/>
             </a:lvl2pPr>
-            <a:lvl3pPr marL="914400" indent="0">
-              <a:buNone/>
-              <a:defRPr sz="1000"/>
-            </a:lvl3pPr>
-            <a:lvl4pPr marL="1371600" indent="0">
+            <a:lvl3pPr marL="685800" indent="0">
               <a:buNone/>
               <a:defRPr sz="900"/>
+            </a:lvl3pPr>
+            <a:lvl4pPr marL="1028700" indent="0">
+              <a:buNone/>
+              <a:defRPr sz="750"/>
             </a:lvl4pPr>
-            <a:lvl5pPr marL="1828800" indent="0">
+            <a:lvl5pPr marL="1371600" indent="0">
               <a:buNone/>
-              <a:defRPr sz="900"/>
+              <a:defRPr sz="750"/>
             </a:lvl5pPr>
-            <a:lvl6pPr marL="2286000" indent="0">
+            <a:lvl6pPr marL="1714500" indent="0">
               <a:buNone/>
-              <a:defRPr sz="900"/>
+              <a:defRPr sz="750"/>
             </a:lvl6pPr>
-            <a:lvl7pPr marL="2743200" indent="0">
+            <a:lvl7pPr marL="2057400" indent="0">
               <a:buNone/>
-              <a:defRPr sz="900"/>
+              <a:defRPr sz="750"/>
             </a:lvl7pPr>
-            <a:lvl8pPr marL="3200400" indent="0">
+            <a:lvl8pPr marL="2400300" indent="0">
               <a:buNone/>
-              <a:defRPr sz="900"/>
+              <a:defRPr sz="750"/>
             </a:lvl8pPr>
-            <a:lvl9pPr marL="3657600" indent="0">
+            <a:lvl9pPr marL="2743200" indent="0">
               <a:buNone/>
-              <a:defRPr sz="900"/>
+              <a:defRPr sz="750"/>
             </a:lvl9pPr>
           </a:lstStyle>
           <a:p>
@@ -5727,24 +5926,24 @@
       </p:sp>
       <p:sp>
         <p:nvSpPr>
-          <p:cNvPr id="5" name="Rectangle 14"/>
+          <p:cNvPr id="5" name="Date Placeholder 4">
+            <a:extLst>
+              <a:ext uri="{FF2B5EF4-FFF2-40B4-BE49-F238E27FC236}">
+                <a16:creationId xmlns:a16="http://schemas.microsoft.com/office/drawing/2014/main" id="{926BDF06-6377-FD35-B70E-4876A4C7CA7C}"/>
+              </a:ext>
+            </a:extLst>
+          </p:cNvPr>
           <p:cNvSpPr>
-            <a:spLocks noGrp="1" noChangeArrowheads="1"/>
+            <a:spLocks noGrp="1"/>
           </p:cNvSpPr>
           <p:nvPr>
             <p:ph type="dt" sz="half" idx="10"/>
           </p:nvPr>
         </p:nvSpPr>
-        <p:spPr>
-          <a:ln/>
-        </p:spPr>
+        <p:spPr/>
         <p:txBody>
           <a:bodyPr/>
-          <a:lstStyle>
-            <a:lvl1pPr>
-              <a:defRPr/>
-            </a:lvl1pPr>
-          </a:lstStyle>
+          <a:lstStyle/>
           <a:p>
             <a:pPr>
               <a:defRPr/>
@@ -5755,24 +5954,24 @@
       </p:sp>
       <p:sp>
         <p:nvSpPr>
-          <p:cNvPr id="6" name="Rectangle 15"/>
+          <p:cNvPr id="6" name="Footer Placeholder 5">
+            <a:extLst>
+              <a:ext uri="{FF2B5EF4-FFF2-40B4-BE49-F238E27FC236}">
+                <a16:creationId xmlns:a16="http://schemas.microsoft.com/office/drawing/2014/main" id="{0074F404-605B-5F97-5859-8C6731A12D55}"/>
+              </a:ext>
+            </a:extLst>
+          </p:cNvPr>
           <p:cNvSpPr>
-            <a:spLocks noGrp="1" noChangeArrowheads="1"/>
+            <a:spLocks noGrp="1"/>
           </p:cNvSpPr>
           <p:nvPr>
             <p:ph type="ftr" sz="quarter" idx="11"/>
           </p:nvPr>
         </p:nvSpPr>
-        <p:spPr>
-          <a:ln/>
-        </p:spPr>
+        <p:spPr/>
         <p:txBody>
           <a:bodyPr/>
-          <a:lstStyle>
-            <a:lvl1pPr>
-              <a:defRPr/>
-            </a:lvl1pPr>
-          </a:lstStyle>
+          <a:lstStyle/>
           <a:p>
             <a:pPr>
               <a:defRPr/>
@@ -5783,30 +5982,30 @@
       </p:sp>
       <p:sp>
         <p:nvSpPr>
-          <p:cNvPr id="7" name="Rectangle 16"/>
+          <p:cNvPr id="7" name="Slide Number Placeholder 6">
+            <a:extLst>
+              <a:ext uri="{FF2B5EF4-FFF2-40B4-BE49-F238E27FC236}">
+                <a16:creationId xmlns:a16="http://schemas.microsoft.com/office/drawing/2014/main" id="{D4E7336B-D60E-34EC-83DE-4618A079AFB4}"/>
+              </a:ext>
+            </a:extLst>
+          </p:cNvPr>
           <p:cNvSpPr>
-            <a:spLocks noGrp="1" noChangeArrowheads="1"/>
+            <a:spLocks noGrp="1"/>
           </p:cNvSpPr>
           <p:nvPr>
             <p:ph type="sldNum" sz="quarter" idx="12"/>
           </p:nvPr>
         </p:nvSpPr>
-        <p:spPr>
-          <a:ln/>
-        </p:spPr>
+        <p:spPr/>
         <p:txBody>
           <a:bodyPr/>
-          <a:lstStyle>
-            <a:lvl1pPr>
-              <a:defRPr/>
-            </a:lvl1pPr>
-          </a:lstStyle>
+          <a:lstStyle/>
           <a:p>
             <a:pPr>
               <a:defRPr/>
             </a:pPr>
             <a:fld id="{4E9B9732-B1FD-164D-AD68-D75168F368FF}" type="slidenum">
-              <a:rPr lang="en-US"/>
+              <a:rPr lang="en-US" smtClean="0"/>
               <a:pPr>
                 <a:defRPr/>
               </a:pPr>
@@ -5817,6 +6016,11 @@
         </p:txBody>
       </p:sp>
     </p:spTree>
+    <p:extLst>
+      <p:ext uri="{BB962C8B-B14F-4D97-AF65-F5344CB8AC3E}">
+        <p14:creationId xmlns:p14="http://schemas.microsoft.com/office/powerpoint/2010/main" val="1231498561"/>
+      </p:ext>
+    </p:extLst>
   </p:cSld>
   <p:clrMapOvr>
     <a:masterClrMapping/>
@@ -5843,7 +6047,13 @@
       </p:grpSpPr>
       <p:sp>
         <p:nvSpPr>
-          <p:cNvPr id="2" name="Title 1"/>
+          <p:cNvPr id="2" name="Title 1">
+            <a:extLst>
+              <a:ext uri="{FF2B5EF4-FFF2-40B4-BE49-F238E27FC236}">
+                <a16:creationId xmlns:a16="http://schemas.microsoft.com/office/drawing/2014/main" id="{213C0974-FA6F-6A07-1305-E65FADDAE48F}"/>
+              </a:ext>
+            </a:extLst>
+          </p:cNvPr>
           <p:cNvSpPr>
             <a:spLocks noGrp="1"/>
           </p:cNvSpPr>
@@ -5853,15 +6063,15 @@
         </p:nvSpPr>
         <p:spPr>
           <a:xfrm>
-            <a:off x="1792288" y="4800600"/>
-            <a:ext cx="5486400" cy="566738"/>
+            <a:off x="629841" y="457200"/>
+            <a:ext cx="2949178" cy="1600200"/>
           </a:xfrm>
         </p:spPr>
         <p:txBody>
           <a:bodyPr anchor="b"/>
           <a:lstStyle>
-            <a:lvl1pPr algn="l">
-              <a:defRPr sz="2000" b="1"/>
+            <a:lvl1pPr>
+              <a:defRPr sz="2400"/>
             </a:lvl1pPr>
           </a:lstStyle>
           <a:p>
@@ -5874,7 +6084,13 @@
       </p:sp>
       <p:sp>
         <p:nvSpPr>
-          <p:cNvPr id="3" name="Picture Placeholder 2"/>
+          <p:cNvPr id="3" name="Picture Placeholder 2">
+            <a:extLst>
+              <a:ext uri="{FF2B5EF4-FFF2-40B4-BE49-F238E27FC236}">
+                <a16:creationId xmlns:a16="http://schemas.microsoft.com/office/drawing/2014/main" id="{A734B0F5-ACC9-F9E3-D2E3-2676C36D15F3}"/>
+              </a:ext>
+            </a:extLst>
+          </p:cNvPr>
           <p:cNvSpPr>
             <a:spLocks noGrp="1"/>
           </p:cNvSpPr>
@@ -5884,8 +6100,8 @@
         </p:nvSpPr>
         <p:spPr>
           <a:xfrm>
-            <a:off x="1792288" y="612775"/>
-            <a:ext cx="5486400" cy="4114800"/>
+            <a:off x="3887391" y="987426"/>
+            <a:ext cx="4629150" cy="4873625"/>
           </a:xfrm>
         </p:spPr>
         <p:txBody>
@@ -5893,50 +6109,55 @@
           <a:lstStyle>
             <a:lvl1pPr marL="0" indent="0">
               <a:buNone/>
-              <a:defRPr sz="3200"/>
+              <a:defRPr sz="2400"/>
             </a:lvl1pPr>
-            <a:lvl2pPr marL="457200" indent="0">
+            <a:lvl2pPr marL="342900" indent="0">
               <a:buNone/>
-              <a:defRPr sz="2800"/>
+              <a:defRPr sz="2100"/>
             </a:lvl2pPr>
-            <a:lvl3pPr marL="914400" indent="0">
+            <a:lvl3pPr marL="685800" indent="0">
               <a:buNone/>
-              <a:defRPr sz="2400"/>
+              <a:defRPr sz="1800"/>
             </a:lvl3pPr>
-            <a:lvl4pPr marL="1371600" indent="0">
+            <a:lvl4pPr marL="1028700" indent="0">
               <a:buNone/>
-              <a:defRPr sz="2000"/>
+              <a:defRPr sz="1500"/>
             </a:lvl4pPr>
-            <a:lvl5pPr marL="1828800" indent="0">
+            <a:lvl5pPr marL="1371600" indent="0">
               <a:buNone/>
-              <a:defRPr sz="2000"/>
+              <a:defRPr sz="1500"/>
             </a:lvl5pPr>
-            <a:lvl6pPr marL="2286000" indent="0">
+            <a:lvl6pPr marL="1714500" indent="0">
               <a:buNone/>
-              <a:defRPr sz="2000"/>
+              <a:defRPr sz="1500"/>
             </a:lvl6pPr>
-            <a:lvl7pPr marL="2743200" indent="0">
+            <a:lvl7pPr marL="2057400" indent="0">
               <a:buNone/>
-              <a:defRPr sz="2000"/>
+              <a:defRPr sz="1500"/>
             </a:lvl7pPr>
-            <a:lvl8pPr marL="3200400" indent="0">
+            <a:lvl8pPr marL="2400300" indent="0">
               <a:buNone/>
-              <a:defRPr sz="2000"/>
+              <a:defRPr sz="1500"/>
             </a:lvl8pPr>
-            <a:lvl9pPr marL="3657600" indent="0">
+            <a:lvl9pPr marL="2743200" indent="0">
               <a:buNone/>
-              <a:defRPr sz="2000"/>
+              <a:defRPr sz="1500"/>
             </a:lvl9pPr>
           </a:lstStyle>
           <a:p>
-            <a:pPr lvl="0"/>
-            <a:endParaRPr lang="en-US" noProof="0"/>
-          </a:p>
-        </p:txBody>
-      </p:sp>
-      <p:sp>
-        <p:nvSpPr>
-          <p:cNvPr id="4" name="Text Placeholder 3"/>
+            <a:endParaRPr lang="en-US"/>
+          </a:p>
+        </p:txBody>
+      </p:sp>
+      <p:sp>
+        <p:nvSpPr>
+          <p:cNvPr id="4" name="Text Placeholder 3">
+            <a:extLst>
+              <a:ext uri="{FF2B5EF4-FFF2-40B4-BE49-F238E27FC236}">
+                <a16:creationId xmlns:a16="http://schemas.microsoft.com/office/drawing/2014/main" id="{116D17B5-2EDD-2866-A4F9-26CB1B1486D8}"/>
+              </a:ext>
+            </a:extLst>
+          </p:cNvPr>
           <p:cNvSpPr>
             <a:spLocks noGrp="1"/>
           </p:cNvSpPr>
@@ -5946,8 +6167,8 @@
         </p:nvSpPr>
         <p:spPr>
           <a:xfrm>
-            <a:off x="1792288" y="5367338"/>
-            <a:ext cx="5486400" cy="804862"/>
+            <a:off x="629841" y="2057400"/>
+            <a:ext cx="2949178" cy="3811588"/>
           </a:xfrm>
         </p:spPr>
         <p:txBody>
@@ -5955,39 +6176,39 @@
           <a:lstStyle>
             <a:lvl1pPr marL="0" indent="0">
               <a:buNone/>
-              <a:defRPr sz="1400"/>
+              <a:defRPr sz="1200"/>
             </a:lvl1pPr>
-            <a:lvl2pPr marL="457200" indent="0">
+            <a:lvl2pPr marL="342900" indent="0">
               <a:buNone/>
-              <a:defRPr sz="1200"/>
+              <a:defRPr sz="1050"/>
             </a:lvl2pPr>
-            <a:lvl3pPr marL="914400" indent="0">
-              <a:buNone/>
-              <a:defRPr sz="1000"/>
-            </a:lvl3pPr>
-            <a:lvl4pPr marL="1371600" indent="0">
+            <a:lvl3pPr marL="685800" indent="0">
               <a:buNone/>
               <a:defRPr sz="900"/>
+            </a:lvl3pPr>
+            <a:lvl4pPr marL="1028700" indent="0">
+              <a:buNone/>
+              <a:defRPr sz="750"/>
             </a:lvl4pPr>
-            <a:lvl5pPr marL="1828800" indent="0">
+            <a:lvl5pPr marL="1371600" indent="0">
               <a:buNone/>
-              <a:defRPr sz="900"/>
+              <a:defRPr sz="750"/>
             </a:lvl5pPr>
-            <a:lvl6pPr marL="2286000" indent="0">
+            <a:lvl6pPr marL="1714500" indent="0">
               <a:buNone/>
-              <a:defRPr sz="900"/>
+              <a:defRPr sz="750"/>
             </a:lvl6pPr>
-            <a:lvl7pPr marL="2743200" indent="0">
+            <a:lvl7pPr marL="2057400" indent="0">
               <a:buNone/>
-              <a:defRPr sz="900"/>
+              <a:defRPr sz="750"/>
             </a:lvl7pPr>
-            <a:lvl8pPr marL="3200400" indent="0">
+            <a:lvl8pPr marL="2400300" indent="0">
               <a:buNone/>
-              <a:defRPr sz="900"/>
+              <a:defRPr sz="750"/>
             </a:lvl8pPr>
-            <a:lvl9pPr marL="3657600" indent="0">
+            <a:lvl9pPr marL="2743200" indent="0">
               <a:buNone/>
-              <a:defRPr sz="900"/>
+              <a:defRPr sz="750"/>
             </a:lvl9pPr>
           </a:lstStyle>
           <a:p>
@@ -6001,24 +6222,24 @@
       </p:sp>
       <p:sp>
         <p:nvSpPr>
-          <p:cNvPr id="5" name="Rectangle 14"/>
+          <p:cNvPr id="5" name="Date Placeholder 4">
+            <a:extLst>
+              <a:ext uri="{FF2B5EF4-FFF2-40B4-BE49-F238E27FC236}">
+                <a16:creationId xmlns:a16="http://schemas.microsoft.com/office/drawing/2014/main" id="{DA9CAB28-7182-25B6-5B87-70BE4BCC4EC9}"/>
+              </a:ext>
+            </a:extLst>
+          </p:cNvPr>
           <p:cNvSpPr>
-            <a:spLocks noGrp="1" noChangeArrowheads="1"/>
+            <a:spLocks noGrp="1"/>
           </p:cNvSpPr>
           <p:nvPr>
             <p:ph type="dt" sz="half" idx="10"/>
           </p:nvPr>
         </p:nvSpPr>
-        <p:spPr>
-          <a:ln/>
-        </p:spPr>
+        <p:spPr/>
         <p:txBody>
           <a:bodyPr/>
-          <a:lstStyle>
-            <a:lvl1pPr>
-              <a:defRPr/>
-            </a:lvl1pPr>
-          </a:lstStyle>
+          <a:lstStyle/>
           <a:p>
             <a:pPr>
               <a:defRPr/>
@@ -6029,24 +6250,24 @@
       </p:sp>
       <p:sp>
         <p:nvSpPr>
-          <p:cNvPr id="6" name="Rectangle 15"/>
+          <p:cNvPr id="6" name="Footer Placeholder 5">
+            <a:extLst>
+              <a:ext uri="{FF2B5EF4-FFF2-40B4-BE49-F238E27FC236}">
+                <a16:creationId xmlns:a16="http://schemas.microsoft.com/office/drawing/2014/main" id="{6AD042EF-E8F4-1BC2-2459-49011BF119FE}"/>
+              </a:ext>
+            </a:extLst>
+          </p:cNvPr>
           <p:cNvSpPr>
-            <a:spLocks noGrp="1" noChangeArrowheads="1"/>
+            <a:spLocks noGrp="1"/>
           </p:cNvSpPr>
           <p:nvPr>
             <p:ph type="ftr" sz="quarter" idx="11"/>
           </p:nvPr>
         </p:nvSpPr>
-        <p:spPr>
-          <a:ln/>
-        </p:spPr>
+        <p:spPr/>
         <p:txBody>
           <a:bodyPr/>
-          <a:lstStyle>
-            <a:lvl1pPr>
-              <a:defRPr/>
-            </a:lvl1pPr>
-          </a:lstStyle>
+          <a:lstStyle/>
           <a:p>
             <a:pPr>
               <a:defRPr/>
@@ -6057,30 +6278,30 @@
       </p:sp>
       <p:sp>
         <p:nvSpPr>
-          <p:cNvPr id="7" name="Rectangle 16"/>
+          <p:cNvPr id="7" name="Slide Number Placeholder 6">
+            <a:extLst>
+              <a:ext uri="{FF2B5EF4-FFF2-40B4-BE49-F238E27FC236}">
+                <a16:creationId xmlns:a16="http://schemas.microsoft.com/office/drawing/2014/main" id="{EE56B845-1534-1DA0-1F2E-12195EA83AF1}"/>
+              </a:ext>
+            </a:extLst>
+          </p:cNvPr>
           <p:cNvSpPr>
-            <a:spLocks noGrp="1" noChangeArrowheads="1"/>
+            <a:spLocks noGrp="1"/>
           </p:cNvSpPr>
           <p:nvPr>
             <p:ph type="sldNum" sz="quarter" idx="12"/>
           </p:nvPr>
         </p:nvSpPr>
-        <p:spPr>
-          <a:ln/>
-        </p:spPr>
+        <p:spPr/>
         <p:txBody>
           <a:bodyPr/>
-          <a:lstStyle>
-            <a:lvl1pPr>
-              <a:defRPr/>
-            </a:lvl1pPr>
-          </a:lstStyle>
+          <a:lstStyle/>
           <a:p>
             <a:pPr>
               <a:defRPr/>
             </a:pPr>
             <a:fld id="{B1F60BCE-8921-4E48-960B-3B67C08157ED}" type="slidenum">
-              <a:rPr lang="en-US"/>
+              <a:rPr lang="en-US" smtClean="0"/>
               <a:pPr>
                 <a:defRPr/>
               </a:pPr>
@@ -6091,6 +6312,11 @@
         </p:txBody>
       </p:sp>
     </p:spTree>
+    <p:extLst>
+      <p:ext uri="{BB962C8B-B14F-4D97-AF65-F5344CB8AC3E}">
+        <p14:creationId xmlns:p14="http://schemas.microsoft.com/office/powerpoint/2010/main" val="3999189628"/>
+      </p:ext>
+    </p:extLst>
   </p:cSld>
   <p:clrMapOvr>
     <a:masterClrMapping/>
@@ -6101,21 +6327,10 @@
 <file path=ppt/slideMasters/slideMaster1.xml><?xml version="1.0" encoding="utf-8"?>
 <p:sldMaster xmlns:a="http://schemas.openxmlformats.org/drawingml/2006/main" xmlns:r="http://schemas.openxmlformats.org/officeDocument/2006/relationships" xmlns:p="http://schemas.openxmlformats.org/presentationml/2006/main">
   <p:cSld>
-    <p:bg bwMode="invGray">
-      <p:bgPr>
-        <a:gradFill rotWithShape="0">
-          <a:gsLst>
-            <a:gs pos="0">
-              <a:schemeClr val="bg2"/>
-            </a:gs>
-            <a:gs pos="100000">
-              <a:schemeClr val="bg1"/>
-            </a:gs>
-          </a:gsLst>
-          <a:lin ang="0" scaled="1"/>
-        </a:gradFill>
-        <a:effectLst/>
-      </p:bgPr>
+    <p:bg>
+      <p:bgRef idx="1001">
+        <a:schemeClr val="bg1"/>
+      </p:bgRef>
     </p:bg>
     <p:spTree>
       <p:nvGrpSpPr>
@@ -6133,39 +6348,35 @@
       </p:grpSpPr>
       <p:sp>
         <p:nvSpPr>
-          <p:cNvPr id="1026" name="Rectangle 12"/>
+          <p:cNvPr id="2" name="Title Placeholder 1">
+            <a:extLst>
+              <a:ext uri="{FF2B5EF4-FFF2-40B4-BE49-F238E27FC236}">
+                <a16:creationId xmlns:a16="http://schemas.microsoft.com/office/drawing/2014/main" id="{330DCED0-D408-7820-DBBE-CDC4DD5C6CAC}"/>
+              </a:ext>
+            </a:extLst>
+          </p:cNvPr>
           <p:cNvSpPr>
-            <a:spLocks noGrp="1" noChangeArrowheads="1"/>
+            <a:spLocks noGrp="1"/>
           </p:cNvSpPr>
           <p:nvPr>
             <p:ph type="title"/>
           </p:nvPr>
         </p:nvSpPr>
-        <p:spPr bwMode="auto">
-          <a:xfrm>
-            <a:off x="0" y="0"/>
-            <a:ext cx="7772400" cy="1143000"/>
+        <p:spPr>
+          <a:xfrm>
+            <a:off x="628650" y="365126"/>
+            <a:ext cx="7886700" cy="1325563"/>
           </a:xfrm>
           <a:prstGeom prst="rect">
             <a:avLst/>
           </a:prstGeom>
-          <a:noFill/>
-          <a:ln w="9525">
-            <a:noFill/>
-            <a:miter lim="800000"/>
-            <a:headEnd/>
-            <a:tailEnd/>
-          </a:ln>
-        </p:spPr>
-        <p:txBody>
-          <a:bodyPr vert="horz" wrap="square" lIns="91440" tIns="45720" rIns="91440" bIns="45720" numCol="1" anchor="ctr" anchorCtr="0" compatLnSpc="1">
-            <a:prstTxWarp prst="textNoShape">
-              <a:avLst/>
-            </a:prstTxWarp>
+        </p:spPr>
+        <p:txBody>
+          <a:bodyPr vert="horz" lIns="91440" tIns="45720" rIns="91440" bIns="45720" rtlCol="0" anchor="ctr">
+            <a:normAutofit/>
           </a:bodyPr>
           <a:lstStyle/>
           <a:p>
-            <a:pPr lvl="0"/>
             <a:r>
               <a:rPr lang="en-US"/>
               <a:t>Click to edit Master title style</a:t>
@@ -6175,35 +6386,32 @@
       </p:sp>
       <p:sp>
         <p:nvSpPr>
-          <p:cNvPr id="1027" name="Rectangle 13"/>
+          <p:cNvPr id="3" name="Text Placeholder 2">
+            <a:extLst>
+              <a:ext uri="{FF2B5EF4-FFF2-40B4-BE49-F238E27FC236}">
+                <a16:creationId xmlns:a16="http://schemas.microsoft.com/office/drawing/2014/main" id="{2BE47D9C-2137-79DE-254D-EDC2BA83D9A6}"/>
+              </a:ext>
+            </a:extLst>
+          </p:cNvPr>
           <p:cNvSpPr>
-            <a:spLocks noGrp="1" noChangeArrowheads="1"/>
+            <a:spLocks noGrp="1"/>
           </p:cNvSpPr>
           <p:nvPr>
             <p:ph type="body" idx="1"/>
           </p:nvPr>
         </p:nvSpPr>
-        <p:spPr bwMode="auto">
-          <a:xfrm>
-            <a:off x="685800" y="1981200"/>
-            <a:ext cx="7772400" cy="4114800"/>
+        <p:spPr>
+          <a:xfrm>
+            <a:off x="628650" y="1825625"/>
+            <a:ext cx="7886700" cy="4351338"/>
           </a:xfrm>
           <a:prstGeom prst="rect">
             <a:avLst/>
           </a:prstGeom>
-          <a:noFill/>
-          <a:ln w="9525">
-            <a:noFill/>
-            <a:miter lim="800000"/>
-            <a:headEnd/>
-            <a:tailEnd/>
-          </a:ln>
-        </p:spPr>
-        <p:txBody>
-          <a:bodyPr vert="horz" wrap="square" lIns="91440" tIns="45720" rIns="91440" bIns="45720" numCol="1" anchor="t" anchorCtr="0" compatLnSpc="1">
-            <a:prstTxWarp prst="textNoShape">
-              <a:avLst/>
-            </a:prstTxWarp>
+        </p:spPr>
+        <p:txBody>
+          <a:bodyPr vert="horz" lIns="91440" tIns="45720" rIns="91440" bIns="45720" rtlCol="0">
+            <a:normAutofit/>
           </a:bodyPr>
           <a:lstStyle/>
           <a:p>
@@ -6245,41 +6453,39 @@
       </p:sp>
       <p:sp>
         <p:nvSpPr>
-          <p:cNvPr id="3086" name="Rectangle 14"/>
+          <p:cNvPr id="4" name="Date Placeholder 3">
+            <a:extLst>
+              <a:ext uri="{FF2B5EF4-FFF2-40B4-BE49-F238E27FC236}">
+                <a16:creationId xmlns:a16="http://schemas.microsoft.com/office/drawing/2014/main" id="{3592D513-0A22-FDFC-AADE-321D5320E27C}"/>
+              </a:ext>
+            </a:extLst>
+          </p:cNvPr>
           <p:cNvSpPr>
-            <a:spLocks noGrp="1" noChangeArrowheads="1"/>
+            <a:spLocks noGrp="1"/>
           </p:cNvSpPr>
           <p:nvPr>
             <p:ph type="dt" sz="half" idx="2"/>
           </p:nvPr>
         </p:nvSpPr>
-        <p:spPr bwMode="auto">
-          <a:xfrm>
-            <a:off x="685800" y="6248400"/>
-            <a:ext cx="1905000" cy="457200"/>
+        <p:spPr>
+          <a:xfrm>
+            <a:off x="628650" y="6356351"/>
+            <a:ext cx="2057400" cy="365125"/>
           </a:xfrm>
           <a:prstGeom prst="rect">
             <a:avLst/>
           </a:prstGeom>
-          <a:noFill/>
-          <a:ln w="9525">
-            <a:noFill/>
-            <a:miter lim="800000"/>
-            <a:headEnd/>
-            <a:tailEnd/>
-          </a:ln>
-          <a:effectLst/>
-        </p:spPr>
-        <p:txBody>
-          <a:bodyPr vert="horz" wrap="square" lIns="91440" tIns="45720" rIns="91440" bIns="45720" numCol="1" anchor="b" anchorCtr="0" compatLnSpc="1">
-            <a:prstTxWarp prst="textNoShape">
-              <a:avLst/>
-            </a:prstTxWarp>
-          </a:bodyPr>
+        </p:spPr>
+        <p:txBody>
+          <a:bodyPr vert="horz" lIns="91440" tIns="45720" rIns="91440" bIns="45720" rtlCol="0" anchor="ctr"/>
           <a:lstStyle>
-            <a:lvl1pPr eaLnBrk="1" hangingPunct="1">
-              <a:defRPr sz="1400">
-                <a:latin typeface="+mn-lt"/>
+            <a:lvl1pPr algn="l">
+              <a:defRPr sz="900">
+                <a:solidFill>
+                  <a:schemeClr val="tx1">
+                    <a:tint val="82000"/>
+                  </a:schemeClr>
+                </a:solidFill>
               </a:defRPr>
             </a:lvl1pPr>
           </a:lstStyle>
@@ -6293,41 +6499,39 @@
       </p:sp>
       <p:sp>
         <p:nvSpPr>
-          <p:cNvPr id="3087" name="Rectangle 15"/>
+          <p:cNvPr id="5" name="Footer Placeholder 4">
+            <a:extLst>
+              <a:ext uri="{FF2B5EF4-FFF2-40B4-BE49-F238E27FC236}">
+                <a16:creationId xmlns:a16="http://schemas.microsoft.com/office/drawing/2014/main" id="{D3A668E3-1EF7-07F8-ADD3-54AF4A25967F}"/>
+              </a:ext>
+            </a:extLst>
+          </p:cNvPr>
           <p:cNvSpPr>
-            <a:spLocks noGrp="1" noChangeArrowheads="1"/>
+            <a:spLocks noGrp="1"/>
           </p:cNvSpPr>
           <p:nvPr>
             <p:ph type="ftr" sz="quarter" idx="3"/>
           </p:nvPr>
         </p:nvSpPr>
-        <p:spPr bwMode="auto">
-          <a:xfrm>
-            <a:off x="3124200" y="6248400"/>
-            <a:ext cx="2895600" cy="457200"/>
+        <p:spPr>
+          <a:xfrm>
+            <a:off x="3028950" y="6356351"/>
+            <a:ext cx="3086100" cy="365125"/>
           </a:xfrm>
           <a:prstGeom prst="rect">
             <a:avLst/>
           </a:prstGeom>
-          <a:noFill/>
-          <a:ln w="9525">
-            <a:noFill/>
-            <a:miter lim="800000"/>
-            <a:headEnd/>
-            <a:tailEnd/>
-          </a:ln>
-          <a:effectLst/>
-        </p:spPr>
-        <p:txBody>
-          <a:bodyPr vert="horz" wrap="square" lIns="91440" tIns="45720" rIns="91440" bIns="45720" numCol="1" anchor="b" anchorCtr="0" compatLnSpc="1">
-            <a:prstTxWarp prst="textNoShape">
-              <a:avLst/>
-            </a:prstTxWarp>
-          </a:bodyPr>
+        </p:spPr>
+        <p:txBody>
+          <a:bodyPr vert="horz" lIns="91440" tIns="45720" rIns="91440" bIns="45720" rtlCol="0" anchor="ctr"/>
           <a:lstStyle>
-            <a:lvl1pPr algn="ctr" eaLnBrk="1" hangingPunct="1">
-              <a:defRPr sz="1400">
-                <a:latin typeface="+mn-lt"/>
+            <a:lvl1pPr algn="ctr">
+              <a:defRPr sz="900">
+                <a:solidFill>
+                  <a:schemeClr val="tx1">
+                    <a:tint val="82000"/>
+                  </a:schemeClr>
+                </a:solidFill>
               </a:defRPr>
             </a:lvl1pPr>
           </a:lstStyle>
@@ -6341,41 +6545,39 @@
       </p:sp>
       <p:sp>
         <p:nvSpPr>
-          <p:cNvPr id="3088" name="Rectangle 16"/>
+          <p:cNvPr id="6" name="Slide Number Placeholder 5">
+            <a:extLst>
+              <a:ext uri="{FF2B5EF4-FFF2-40B4-BE49-F238E27FC236}">
+                <a16:creationId xmlns:a16="http://schemas.microsoft.com/office/drawing/2014/main" id="{B8DCCF90-DD48-16B5-04AE-36D206ACD32C}"/>
+              </a:ext>
+            </a:extLst>
+          </p:cNvPr>
           <p:cNvSpPr>
-            <a:spLocks noGrp="1" noChangeArrowheads="1"/>
+            <a:spLocks noGrp="1"/>
           </p:cNvSpPr>
           <p:nvPr>
             <p:ph type="sldNum" sz="quarter" idx="4"/>
           </p:nvPr>
         </p:nvSpPr>
-        <p:spPr bwMode="auto">
-          <a:xfrm>
-            <a:off x="6553200" y="6248400"/>
-            <a:ext cx="1905000" cy="457200"/>
+        <p:spPr>
+          <a:xfrm>
+            <a:off x="6457950" y="6356351"/>
+            <a:ext cx="2057400" cy="365125"/>
           </a:xfrm>
           <a:prstGeom prst="rect">
             <a:avLst/>
           </a:prstGeom>
-          <a:noFill/>
-          <a:ln w="9525">
-            <a:noFill/>
-            <a:miter lim="800000"/>
-            <a:headEnd/>
-            <a:tailEnd/>
-          </a:ln>
-          <a:effectLst/>
-        </p:spPr>
-        <p:txBody>
-          <a:bodyPr vert="horz" wrap="square" lIns="91440" tIns="45720" rIns="91440" bIns="45720" numCol="1" anchor="b" anchorCtr="0" compatLnSpc="1">
-            <a:prstTxWarp prst="textNoShape">
-              <a:avLst/>
-            </a:prstTxWarp>
-          </a:bodyPr>
+        </p:spPr>
+        <p:txBody>
+          <a:bodyPr vert="horz" lIns="91440" tIns="45720" rIns="91440" bIns="45720" rtlCol="0" anchor="ctr"/>
           <a:lstStyle>
-            <a:lvl1pPr algn="r" eaLnBrk="1" hangingPunct="1">
-              <a:defRPr sz="1400">
-                <a:latin typeface="+mn-lt"/>
+            <a:lvl1pPr algn="r">
+              <a:defRPr sz="900">
+                <a:solidFill>
+                  <a:schemeClr val="tx1">
+                    <a:tint val="82000"/>
+                  </a:schemeClr>
+                </a:solidFill>
               </a:defRPr>
             </a:lvl1pPr>
           </a:lstStyle>
@@ -6384,7 +6586,7 @@
               <a:defRPr/>
             </a:pPr>
             <a:fld id="{2CFD5FCD-E7F1-EF43-8B4F-0EEE40AC401C}" type="slidenum">
-              <a:rPr lang="en-US"/>
+              <a:rPr lang="en-US" smtClean="0"/>
               <a:pPr>
                 <a:defRPr/>
               </a:pPr>
@@ -6395,313 +6597,57 @@
         </p:txBody>
       </p:sp>
     </p:spTree>
+    <p:extLst>
+      <p:ext uri="{BB962C8B-B14F-4D97-AF65-F5344CB8AC3E}">
+        <p14:creationId xmlns:p14="http://schemas.microsoft.com/office/powerpoint/2010/main" val="1740069417"/>
+      </p:ext>
+    </p:extLst>
   </p:cSld>
-  <p:clrMap bg1="dk2" tx1="lt1" bg2="dk1" tx2="lt2" accent1="accent1" accent2="accent2" accent3="accent3" accent4="accent4" accent5="accent5" accent6="accent6" hlink="hlink" folHlink="folHlink"/>
+  <p:clrMap bg1="lt1" tx1="dk1" bg2="lt2" tx2="dk2" accent1="accent1" accent2="accent2" accent3="accent3" accent4="accent4" accent5="accent5" accent6="accent6" hlink="hlink" folHlink="folHlink"/>
   <p:sldLayoutIdLst>
-    <p:sldLayoutId id="2147483672" r:id="rId1"/>
-    <p:sldLayoutId id="2147483662" r:id="rId2"/>
-    <p:sldLayoutId id="2147483663" r:id="rId3"/>
-    <p:sldLayoutId id="2147483664" r:id="rId4"/>
-    <p:sldLayoutId id="2147483665" r:id="rId5"/>
-    <p:sldLayoutId id="2147483666" r:id="rId6"/>
-    <p:sldLayoutId id="2147483667" r:id="rId7"/>
-    <p:sldLayoutId id="2147483668" r:id="rId8"/>
-    <p:sldLayoutId id="2147483669" r:id="rId9"/>
-    <p:sldLayoutId id="2147483670" r:id="rId10"/>
-    <p:sldLayoutId id="2147483671" r:id="rId11"/>
+    <p:sldLayoutId id="2147483674" r:id="rId1"/>
+    <p:sldLayoutId id="2147483675" r:id="rId2"/>
+    <p:sldLayoutId id="2147483676" r:id="rId3"/>
+    <p:sldLayoutId id="2147483677" r:id="rId4"/>
+    <p:sldLayoutId id="2147483678" r:id="rId5"/>
+    <p:sldLayoutId id="2147483679" r:id="rId6"/>
+    <p:sldLayoutId id="2147483680" r:id="rId7"/>
+    <p:sldLayoutId id="2147483681" r:id="rId8"/>
+    <p:sldLayoutId id="2147483682" r:id="rId9"/>
+    <p:sldLayoutId id="2147483683" r:id="rId10"/>
+    <p:sldLayoutId id="2147483684" r:id="rId11"/>
   </p:sldLayoutIdLst>
   <p:txStyles>
     <p:titleStyle>
-      <a:lvl1pPr algn="ctr" rtl="0" eaLnBrk="0" fontAlgn="base" hangingPunct="0">
+      <a:lvl1pPr algn="l" defTabSz="685800" rtl="0" eaLnBrk="1" latinLnBrk="0" hangingPunct="1">
+        <a:lnSpc>
+          <a:spcPct val="90000"/>
+        </a:lnSpc>
         <a:spcBef>
           <a:spcPct val="0"/>
         </a:spcBef>
-        <a:spcAft>
-          <a:spcPct val="0"/>
-        </a:spcAft>
-        <a:defRPr sz="4400">
-          <a:solidFill>
-            <a:schemeClr val="tx2"/>
-          </a:solidFill>
-          <a:latin typeface="+mj-lt"/>
-          <a:ea typeface="ＭＳ Ｐゴシック" charset="-128"/>
-          <a:cs typeface="ＭＳ Ｐゴシック" charset="-128"/>
-        </a:defRPr>
-      </a:lvl1pPr>
-      <a:lvl2pPr algn="ctr" rtl="0" eaLnBrk="0" fontAlgn="base" hangingPunct="0">
-        <a:spcBef>
-          <a:spcPct val="0"/>
-        </a:spcBef>
-        <a:spcAft>
-          <a:spcPct val="0"/>
-        </a:spcAft>
-        <a:defRPr sz="4400">
-          <a:solidFill>
-            <a:schemeClr val="tx2"/>
-          </a:solidFill>
-          <a:latin typeface="Times New Roman" charset="0"/>
-          <a:ea typeface="ＭＳ Ｐゴシック" charset="-128"/>
-          <a:cs typeface="ＭＳ Ｐゴシック" charset="-128"/>
-        </a:defRPr>
-      </a:lvl2pPr>
-      <a:lvl3pPr algn="ctr" rtl="0" eaLnBrk="0" fontAlgn="base" hangingPunct="0">
-        <a:spcBef>
-          <a:spcPct val="0"/>
-        </a:spcBef>
-        <a:spcAft>
-          <a:spcPct val="0"/>
-        </a:spcAft>
-        <a:defRPr sz="4400">
-          <a:solidFill>
-            <a:schemeClr val="tx2"/>
-          </a:solidFill>
-          <a:latin typeface="Times New Roman" charset="0"/>
-          <a:ea typeface="ＭＳ Ｐゴシック" charset="-128"/>
-          <a:cs typeface="ＭＳ Ｐゴシック" charset="-128"/>
-        </a:defRPr>
-      </a:lvl3pPr>
-      <a:lvl4pPr algn="ctr" rtl="0" eaLnBrk="0" fontAlgn="base" hangingPunct="0">
-        <a:spcBef>
-          <a:spcPct val="0"/>
-        </a:spcBef>
-        <a:spcAft>
-          <a:spcPct val="0"/>
-        </a:spcAft>
-        <a:defRPr sz="4400">
-          <a:solidFill>
-            <a:schemeClr val="tx2"/>
-          </a:solidFill>
-          <a:latin typeface="Times New Roman" charset="0"/>
-          <a:ea typeface="ＭＳ Ｐゴシック" charset="-128"/>
-          <a:cs typeface="ＭＳ Ｐゴシック" charset="-128"/>
-        </a:defRPr>
-      </a:lvl4pPr>
-      <a:lvl5pPr algn="ctr" rtl="0" eaLnBrk="0" fontAlgn="base" hangingPunct="0">
-        <a:spcBef>
-          <a:spcPct val="0"/>
-        </a:spcBef>
-        <a:spcAft>
-          <a:spcPct val="0"/>
-        </a:spcAft>
-        <a:defRPr sz="4400">
-          <a:solidFill>
-            <a:schemeClr val="tx2"/>
-          </a:solidFill>
-          <a:latin typeface="Times New Roman" charset="0"/>
-          <a:ea typeface="ＭＳ Ｐゴシック" charset="-128"/>
-          <a:cs typeface="ＭＳ Ｐゴシック" charset="-128"/>
-        </a:defRPr>
-      </a:lvl5pPr>
-      <a:lvl6pPr marL="457200" algn="ctr" rtl="0" fontAlgn="base">
-        <a:spcBef>
-          <a:spcPct val="0"/>
-        </a:spcBef>
-        <a:spcAft>
-          <a:spcPct val="0"/>
-        </a:spcAft>
-        <a:defRPr sz="4400">
-          <a:solidFill>
-            <a:schemeClr val="tx2"/>
-          </a:solidFill>
-          <a:latin typeface="Times New Roman" charset="0"/>
-        </a:defRPr>
-      </a:lvl6pPr>
-      <a:lvl7pPr marL="914400" algn="ctr" rtl="0" fontAlgn="base">
-        <a:spcBef>
-          <a:spcPct val="0"/>
-        </a:spcBef>
-        <a:spcAft>
-          <a:spcPct val="0"/>
-        </a:spcAft>
-        <a:defRPr sz="4400">
-          <a:solidFill>
-            <a:schemeClr val="tx2"/>
-          </a:solidFill>
-          <a:latin typeface="Times New Roman" charset="0"/>
-        </a:defRPr>
-      </a:lvl7pPr>
-      <a:lvl8pPr marL="1371600" algn="ctr" rtl="0" fontAlgn="base">
-        <a:spcBef>
-          <a:spcPct val="0"/>
-        </a:spcBef>
-        <a:spcAft>
-          <a:spcPct val="0"/>
-        </a:spcAft>
-        <a:defRPr sz="4400">
-          <a:solidFill>
-            <a:schemeClr val="tx2"/>
-          </a:solidFill>
-          <a:latin typeface="Times New Roman" charset="0"/>
-        </a:defRPr>
-      </a:lvl8pPr>
-      <a:lvl9pPr marL="1828800" algn="ctr" rtl="0" fontAlgn="base">
-        <a:spcBef>
-          <a:spcPct val="0"/>
-        </a:spcBef>
-        <a:spcAft>
-          <a:spcPct val="0"/>
-        </a:spcAft>
-        <a:defRPr sz="4400">
-          <a:solidFill>
-            <a:schemeClr val="tx2"/>
-          </a:solidFill>
-          <a:latin typeface="Times New Roman" charset="0"/>
-        </a:defRPr>
-      </a:lvl9pPr>
-    </p:titleStyle>
-    <p:bodyStyle>
-      <a:lvl1pPr marL="342900" indent="-342900" algn="l" rtl="0" eaLnBrk="0" fontAlgn="base" hangingPunct="0">
-        <a:spcBef>
-          <a:spcPct val="20000"/>
-        </a:spcBef>
-        <a:spcAft>
-          <a:spcPct val="0"/>
-        </a:spcAft>
-        <a:buChar char="•"/>
-        <a:defRPr sz="3200">
+        <a:buNone/>
+        <a:defRPr sz="3300" kern="1200">
           <a:solidFill>
             <a:schemeClr val="tx1"/>
           </a:solidFill>
-          <a:latin typeface="+mn-lt"/>
-          <a:ea typeface="ＭＳ Ｐゴシック" charset="-128"/>
-          <a:cs typeface="ＭＳ Ｐゴシック" charset="-128"/>
+          <a:latin typeface="+mj-lt"/>
+          <a:ea typeface="+mj-ea"/>
+          <a:cs typeface="+mj-cs"/>
         </a:defRPr>
       </a:lvl1pPr>
-      <a:lvl2pPr marL="742950" indent="-285750" algn="l" rtl="0" eaLnBrk="0" fontAlgn="base" hangingPunct="0">
+    </p:titleStyle>
+    <p:bodyStyle>
+      <a:lvl1pPr marL="171450" indent="-171450" algn="l" defTabSz="685800" rtl="0" eaLnBrk="1" latinLnBrk="0" hangingPunct="1">
+        <a:lnSpc>
+          <a:spcPct val="90000"/>
+        </a:lnSpc>
         <a:spcBef>
-          <a:spcPct val="20000"/>
+          <a:spcPts val="750"/>
         </a:spcBef>
-        <a:spcAft>
-          <a:spcPct val="0"/>
-        </a:spcAft>
-        <a:buChar char="–"/>
-        <a:defRPr sz="2800">
-          <a:solidFill>
-            <a:schemeClr val="tx1"/>
-          </a:solidFill>
-          <a:latin typeface="+mn-lt"/>
-          <a:ea typeface="ＭＳ Ｐゴシック" charset="-128"/>
-        </a:defRPr>
-      </a:lvl2pPr>
-      <a:lvl3pPr marL="1143000" indent="-228600" algn="l" rtl="0" eaLnBrk="0" fontAlgn="base" hangingPunct="0">
-        <a:spcBef>
-          <a:spcPct val="20000"/>
-        </a:spcBef>
-        <a:spcAft>
-          <a:spcPct val="0"/>
-        </a:spcAft>
+        <a:buFont typeface="Arial" panose="020B0604020202020204" pitchFamily="34" charset="0"/>
         <a:buChar char="•"/>
-        <a:defRPr sz="2400">
-          <a:solidFill>
-            <a:schemeClr val="tx1"/>
-          </a:solidFill>
-          <a:latin typeface="+mn-lt"/>
-          <a:ea typeface="ＭＳ Ｐゴシック" charset="-128"/>
-        </a:defRPr>
-      </a:lvl3pPr>
-      <a:lvl4pPr marL="1600200" indent="-228600" algn="l" rtl="0" eaLnBrk="0" fontAlgn="base" hangingPunct="0">
-        <a:spcBef>
-          <a:spcPct val="20000"/>
-        </a:spcBef>
-        <a:spcAft>
-          <a:spcPct val="0"/>
-        </a:spcAft>
-        <a:buChar char="–"/>
-        <a:defRPr sz="2000">
-          <a:solidFill>
-            <a:schemeClr val="tx1"/>
-          </a:solidFill>
-          <a:latin typeface="+mn-lt"/>
-          <a:ea typeface="ＭＳ Ｐゴシック" charset="-128"/>
-        </a:defRPr>
-      </a:lvl4pPr>
-      <a:lvl5pPr marL="2057400" indent="-228600" algn="l" rtl="0" eaLnBrk="0" fontAlgn="base" hangingPunct="0">
-        <a:spcBef>
-          <a:spcPct val="20000"/>
-        </a:spcBef>
-        <a:spcAft>
-          <a:spcPct val="0"/>
-        </a:spcAft>
-        <a:buChar char="»"/>
-        <a:defRPr sz="2000">
-          <a:solidFill>
-            <a:schemeClr val="tx1"/>
-          </a:solidFill>
-          <a:latin typeface="+mn-lt"/>
-          <a:ea typeface="ＭＳ Ｐゴシック" charset="-128"/>
-        </a:defRPr>
-      </a:lvl5pPr>
-      <a:lvl6pPr marL="2514600" indent="-228600" algn="l" rtl="0" fontAlgn="base">
-        <a:spcBef>
-          <a:spcPct val="20000"/>
-        </a:spcBef>
-        <a:spcAft>
-          <a:spcPct val="0"/>
-        </a:spcAft>
-        <a:buChar char="»"/>
-        <a:defRPr sz="2000">
-          <a:solidFill>
-            <a:schemeClr val="tx1"/>
-          </a:solidFill>
-          <a:latin typeface="+mn-lt"/>
-          <a:ea typeface="ＭＳ Ｐゴシック" charset="-128"/>
-        </a:defRPr>
-      </a:lvl6pPr>
-      <a:lvl7pPr marL="2971800" indent="-228600" algn="l" rtl="0" fontAlgn="base">
-        <a:spcBef>
-          <a:spcPct val="20000"/>
-        </a:spcBef>
-        <a:spcAft>
-          <a:spcPct val="0"/>
-        </a:spcAft>
-        <a:buChar char="»"/>
-        <a:defRPr sz="2000">
-          <a:solidFill>
-            <a:schemeClr val="tx1"/>
-          </a:solidFill>
-          <a:latin typeface="+mn-lt"/>
-          <a:ea typeface="ＭＳ Ｐゴシック" charset="-128"/>
-        </a:defRPr>
-      </a:lvl7pPr>
-      <a:lvl8pPr marL="3429000" indent="-228600" algn="l" rtl="0" fontAlgn="base">
-        <a:spcBef>
-          <a:spcPct val="20000"/>
-        </a:spcBef>
-        <a:spcAft>
-          <a:spcPct val="0"/>
-        </a:spcAft>
-        <a:buChar char="»"/>
-        <a:defRPr sz="2000">
-          <a:solidFill>
-            <a:schemeClr val="tx1"/>
-          </a:solidFill>
-          <a:latin typeface="+mn-lt"/>
-          <a:ea typeface="ＭＳ Ｐゴシック" charset="-128"/>
-        </a:defRPr>
-      </a:lvl8pPr>
-      <a:lvl9pPr marL="3886200" indent="-228600" algn="l" rtl="0" fontAlgn="base">
-        <a:spcBef>
-          <a:spcPct val="20000"/>
-        </a:spcBef>
-        <a:spcAft>
-          <a:spcPct val="0"/>
-        </a:spcAft>
-        <a:buChar char="»"/>
-        <a:defRPr sz="2000">
-          <a:solidFill>
-            <a:schemeClr val="tx1"/>
-          </a:solidFill>
-          <a:latin typeface="+mn-lt"/>
-          <a:ea typeface="ＭＳ Ｐゴシック" charset="-128"/>
-        </a:defRPr>
-      </a:lvl9pPr>
-    </p:bodyStyle>
-    <p:otherStyle>
-      <a:defPPr>
-        <a:defRPr lang="en-US"/>
-      </a:defPPr>
-      <a:lvl1pPr marL="0" algn="l" defTabSz="457200" rtl="0" eaLnBrk="1" latinLnBrk="0" hangingPunct="1">
-        <a:defRPr sz="1800" kern="1200">
+        <a:defRPr sz="2100" kern="1200">
           <a:solidFill>
             <a:schemeClr val="tx1"/>
           </a:solidFill>
@@ -6710,7 +6656,15 @@
           <a:cs typeface="+mn-cs"/>
         </a:defRPr>
       </a:lvl1pPr>
-      <a:lvl2pPr marL="457200" algn="l" defTabSz="457200" rtl="0" eaLnBrk="1" latinLnBrk="0" hangingPunct="1">
+      <a:lvl2pPr marL="514350" indent="-171450" algn="l" defTabSz="685800" rtl="0" eaLnBrk="1" latinLnBrk="0" hangingPunct="1">
+        <a:lnSpc>
+          <a:spcPct val="90000"/>
+        </a:lnSpc>
+        <a:spcBef>
+          <a:spcPts val="375"/>
+        </a:spcBef>
+        <a:buFont typeface="Arial" panose="020B0604020202020204" pitchFamily="34" charset="0"/>
+        <a:buChar char="•"/>
         <a:defRPr sz="1800" kern="1200">
           <a:solidFill>
             <a:schemeClr val="tx1"/>
@@ -6720,8 +6674,16 @@
           <a:cs typeface="+mn-cs"/>
         </a:defRPr>
       </a:lvl2pPr>
-      <a:lvl3pPr marL="914400" algn="l" defTabSz="457200" rtl="0" eaLnBrk="1" latinLnBrk="0" hangingPunct="1">
-        <a:defRPr sz="1800" kern="1200">
+      <a:lvl3pPr marL="857250" indent="-171450" algn="l" defTabSz="685800" rtl="0" eaLnBrk="1" latinLnBrk="0" hangingPunct="1">
+        <a:lnSpc>
+          <a:spcPct val="90000"/>
+        </a:lnSpc>
+        <a:spcBef>
+          <a:spcPts val="375"/>
+        </a:spcBef>
+        <a:buFont typeface="Arial" panose="020B0604020202020204" pitchFamily="34" charset="0"/>
+        <a:buChar char="•"/>
+        <a:defRPr sz="1500" kern="1200">
           <a:solidFill>
             <a:schemeClr val="tx1"/>
           </a:solidFill>
@@ -6730,8 +6692,16 @@
           <a:cs typeface="+mn-cs"/>
         </a:defRPr>
       </a:lvl3pPr>
-      <a:lvl4pPr marL="1371600" algn="l" defTabSz="457200" rtl="0" eaLnBrk="1" latinLnBrk="0" hangingPunct="1">
-        <a:defRPr sz="1800" kern="1200">
+      <a:lvl4pPr marL="1200150" indent="-171450" algn="l" defTabSz="685800" rtl="0" eaLnBrk="1" latinLnBrk="0" hangingPunct="1">
+        <a:lnSpc>
+          <a:spcPct val="90000"/>
+        </a:lnSpc>
+        <a:spcBef>
+          <a:spcPts val="375"/>
+        </a:spcBef>
+        <a:buFont typeface="Arial" panose="020B0604020202020204" pitchFamily="34" charset="0"/>
+        <a:buChar char="•"/>
+        <a:defRPr sz="1350" kern="1200">
           <a:solidFill>
             <a:schemeClr val="tx1"/>
           </a:solidFill>
@@ -6740,8 +6710,16 @@
           <a:cs typeface="+mn-cs"/>
         </a:defRPr>
       </a:lvl4pPr>
-      <a:lvl5pPr marL="1828800" algn="l" defTabSz="457200" rtl="0" eaLnBrk="1" latinLnBrk="0" hangingPunct="1">
-        <a:defRPr sz="1800" kern="1200">
+      <a:lvl5pPr marL="1543050" indent="-171450" algn="l" defTabSz="685800" rtl="0" eaLnBrk="1" latinLnBrk="0" hangingPunct="1">
+        <a:lnSpc>
+          <a:spcPct val="90000"/>
+        </a:lnSpc>
+        <a:spcBef>
+          <a:spcPts val="375"/>
+        </a:spcBef>
+        <a:buFont typeface="Arial" panose="020B0604020202020204" pitchFamily="34" charset="0"/>
+        <a:buChar char="•"/>
+        <a:defRPr sz="1350" kern="1200">
           <a:solidFill>
             <a:schemeClr val="tx1"/>
           </a:solidFill>
@@ -6750,8 +6728,16 @@
           <a:cs typeface="+mn-cs"/>
         </a:defRPr>
       </a:lvl5pPr>
-      <a:lvl6pPr marL="2286000" algn="l" defTabSz="457200" rtl="0" eaLnBrk="1" latinLnBrk="0" hangingPunct="1">
-        <a:defRPr sz="1800" kern="1200">
+      <a:lvl6pPr marL="1885950" indent="-171450" algn="l" defTabSz="685800" rtl="0" eaLnBrk="1" latinLnBrk="0" hangingPunct="1">
+        <a:lnSpc>
+          <a:spcPct val="90000"/>
+        </a:lnSpc>
+        <a:spcBef>
+          <a:spcPts val="375"/>
+        </a:spcBef>
+        <a:buFont typeface="Arial" panose="020B0604020202020204" pitchFamily="34" charset="0"/>
+        <a:buChar char="•"/>
+        <a:defRPr sz="1350" kern="1200">
           <a:solidFill>
             <a:schemeClr val="tx1"/>
           </a:solidFill>
@@ -6760,8 +6746,16 @@
           <a:cs typeface="+mn-cs"/>
         </a:defRPr>
       </a:lvl6pPr>
-      <a:lvl7pPr marL="2743200" algn="l" defTabSz="457200" rtl="0" eaLnBrk="1" latinLnBrk="0" hangingPunct="1">
-        <a:defRPr sz="1800" kern="1200">
+      <a:lvl7pPr marL="2228850" indent="-171450" algn="l" defTabSz="685800" rtl="0" eaLnBrk="1" latinLnBrk="0" hangingPunct="1">
+        <a:lnSpc>
+          <a:spcPct val="90000"/>
+        </a:lnSpc>
+        <a:spcBef>
+          <a:spcPts val="375"/>
+        </a:spcBef>
+        <a:buFont typeface="Arial" panose="020B0604020202020204" pitchFamily="34" charset="0"/>
+        <a:buChar char="•"/>
+        <a:defRPr sz="1350" kern="1200">
           <a:solidFill>
             <a:schemeClr val="tx1"/>
           </a:solidFill>
@@ -6770,8 +6764,16 @@
           <a:cs typeface="+mn-cs"/>
         </a:defRPr>
       </a:lvl7pPr>
-      <a:lvl8pPr marL="3200400" algn="l" defTabSz="457200" rtl="0" eaLnBrk="1" latinLnBrk="0" hangingPunct="1">
-        <a:defRPr sz="1800" kern="1200">
+      <a:lvl8pPr marL="2571750" indent="-171450" algn="l" defTabSz="685800" rtl="0" eaLnBrk="1" latinLnBrk="0" hangingPunct="1">
+        <a:lnSpc>
+          <a:spcPct val="90000"/>
+        </a:lnSpc>
+        <a:spcBef>
+          <a:spcPts val="375"/>
+        </a:spcBef>
+        <a:buFont typeface="Arial" panose="020B0604020202020204" pitchFamily="34" charset="0"/>
+        <a:buChar char="•"/>
+        <a:defRPr sz="1350" kern="1200">
           <a:solidFill>
             <a:schemeClr val="tx1"/>
           </a:solidFill>
@@ -6780,8 +6782,111 @@
           <a:cs typeface="+mn-cs"/>
         </a:defRPr>
       </a:lvl8pPr>
-      <a:lvl9pPr marL="3657600" algn="l" defTabSz="457200" rtl="0" eaLnBrk="1" latinLnBrk="0" hangingPunct="1">
-        <a:defRPr sz="1800" kern="1200">
+      <a:lvl9pPr marL="2914650" indent="-171450" algn="l" defTabSz="685800" rtl="0" eaLnBrk="1" latinLnBrk="0" hangingPunct="1">
+        <a:lnSpc>
+          <a:spcPct val="90000"/>
+        </a:lnSpc>
+        <a:spcBef>
+          <a:spcPts val="375"/>
+        </a:spcBef>
+        <a:buFont typeface="Arial" panose="020B0604020202020204" pitchFamily="34" charset="0"/>
+        <a:buChar char="•"/>
+        <a:defRPr sz="1350" kern="1200">
+          <a:solidFill>
+            <a:schemeClr val="tx1"/>
+          </a:solidFill>
+          <a:latin typeface="+mn-lt"/>
+          <a:ea typeface="+mn-ea"/>
+          <a:cs typeface="+mn-cs"/>
+        </a:defRPr>
+      </a:lvl9pPr>
+    </p:bodyStyle>
+    <p:otherStyle>
+      <a:defPPr>
+        <a:defRPr lang="en-US"/>
+      </a:defPPr>
+      <a:lvl1pPr marL="0" algn="l" defTabSz="685800" rtl="0" eaLnBrk="1" latinLnBrk="0" hangingPunct="1">
+        <a:defRPr sz="1350" kern="1200">
+          <a:solidFill>
+            <a:schemeClr val="tx1"/>
+          </a:solidFill>
+          <a:latin typeface="+mn-lt"/>
+          <a:ea typeface="+mn-ea"/>
+          <a:cs typeface="+mn-cs"/>
+        </a:defRPr>
+      </a:lvl1pPr>
+      <a:lvl2pPr marL="342900" algn="l" defTabSz="685800" rtl="0" eaLnBrk="1" latinLnBrk="0" hangingPunct="1">
+        <a:defRPr sz="1350" kern="1200">
+          <a:solidFill>
+            <a:schemeClr val="tx1"/>
+          </a:solidFill>
+          <a:latin typeface="+mn-lt"/>
+          <a:ea typeface="+mn-ea"/>
+          <a:cs typeface="+mn-cs"/>
+        </a:defRPr>
+      </a:lvl2pPr>
+      <a:lvl3pPr marL="685800" algn="l" defTabSz="685800" rtl="0" eaLnBrk="1" latinLnBrk="0" hangingPunct="1">
+        <a:defRPr sz="1350" kern="1200">
+          <a:solidFill>
+            <a:schemeClr val="tx1"/>
+          </a:solidFill>
+          <a:latin typeface="+mn-lt"/>
+          <a:ea typeface="+mn-ea"/>
+          <a:cs typeface="+mn-cs"/>
+        </a:defRPr>
+      </a:lvl3pPr>
+      <a:lvl4pPr marL="1028700" algn="l" defTabSz="685800" rtl="0" eaLnBrk="1" latinLnBrk="0" hangingPunct="1">
+        <a:defRPr sz="1350" kern="1200">
+          <a:solidFill>
+            <a:schemeClr val="tx1"/>
+          </a:solidFill>
+          <a:latin typeface="+mn-lt"/>
+          <a:ea typeface="+mn-ea"/>
+          <a:cs typeface="+mn-cs"/>
+        </a:defRPr>
+      </a:lvl4pPr>
+      <a:lvl5pPr marL="1371600" algn="l" defTabSz="685800" rtl="0" eaLnBrk="1" latinLnBrk="0" hangingPunct="1">
+        <a:defRPr sz="1350" kern="1200">
+          <a:solidFill>
+            <a:schemeClr val="tx1"/>
+          </a:solidFill>
+          <a:latin typeface="+mn-lt"/>
+          <a:ea typeface="+mn-ea"/>
+          <a:cs typeface="+mn-cs"/>
+        </a:defRPr>
+      </a:lvl5pPr>
+      <a:lvl6pPr marL="1714500" algn="l" defTabSz="685800" rtl="0" eaLnBrk="1" latinLnBrk="0" hangingPunct="1">
+        <a:defRPr sz="1350" kern="1200">
+          <a:solidFill>
+            <a:schemeClr val="tx1"/>
+          </a:solidFill>
+          <a:latin typeface="+mn-lt"/>
+          <a:ea typeface="+mn-ea"/>
+          <a:cs typeface="+mn-cs"/>
+        </a:defRPr>
+      </a:lvl6pPr>
+      <a:lvl7pPr marL="2057400" algn="l" defTabSz="685800" rtl="0" eaLnBrk="1" latinLnBrk="0" hangingPunct="1">
+        <a:defRPr sz="1350" kern="1200">
+          <a:solidFill>
+            <a:schemeClr val="tx1"/>
+          </a:solidFill>
+          <a:latin typeface="+mn-lt"/>
+          <a:ea typeface="+mn-ea"/>
+          <a:cs typeface="+mn-cs"/>
+        </a:defRPr>
+      </a:lvl7pPr>
+      <a:lvl8pPr marL="2400300" algn="l" defTabSz="685800" rtl="0" eaLnBrk="1" latinLnBrk="0" hangingPunct="1">
+        <a:defRPr sz="1350" kern="1200">
+          <a:solidFill>
+            <a:schemeClr val="tx1"/>
+          </a:solidFill>
+          <a:latin typeface="+mn-lt"/>
+          <a:ea typeface="+mn-ea"/>
+          <a:cs typeface="+mn-cs"/>
+        </a:defRPr>
+      </a:lvl8pPr>
+      <a:lvl9pPr marL="2743200" algn="l" defTabSz="685800" rtl="0" eaLnBrk="1" latinLnBrk="0" hangingPunct="1">
+        <a:defRPr sz="1350" kern="1200">
           <a:solidFill>
             <a:schemeClr val="tx1"/>
           </a:solidFill>
@@ -6918,7 +7023,7 @@
         <p:spPr>
           <a:xfrm>
             <a:off x="323528" y="-171400"/>
-            <a:ext cx="8568952" cy="1535832"/>
+            <a:ext cx="8568952" cy="1152128"/>
           </a:xfrm>
         </p:spPr>
         <p:txBody>
@@ -7071,35 +7176,6 @@
       </p:grpSpPr>
       <p:sp>
         <p:nvSpPr>
-          <p:cNvPr id="9" name="Rectangle 2"/>
-          <p:cNvSpPr>
-            <a:spLocks noGrp="1" noChangeArrowheads="1"/>
-          </p:cNvSpPr>
-          <p:nvPr>
-            <p:ph type="ctrTitle"/>
-          </p:nvPr>
-        </p:nvSpPr>
-        <p:spPr>
-          <a:xfrm>
-            <a:off x="323528" y="-171400"/>
-            <a:ext cx="8568952" cy="1535832"/>
-          </a:xfrm>
-        </p:spPr>
-        <p:txBody>
-          <a:bodyPr/>
-          <a:lstStyle/>
-          <a:p>
-            <a:pPr algn="l" eaLnBrk="1" hangingPunct="1"/>
-            <a:r>
-              <a:rPr lang="en-US" sz="3200" b="1" dirty="0"/>
-              <a:t>Transcription, Regulation, Epigenetics</a:t>
-            </a:r>
-            <a:endParaRPr lang="en-US" sz="3200" dirty="0"/>
-          </a:p>
-        </p:txBody>
-      </p:sp>
-      <p:sp>
-        <p:nvSpPr>
           <p:cNvPr id="6" name="TextBox 5"/>
           <p:cNvSpPr txBox="1"/>
           <p:nvPr/>
@@ -7238,6 +7314,62 @@
               <a:buChar char="•"/>
             </a:pPr>
             <a:endParaRPr lang="en-US" sz="2000" dirty="0"/>
+          </a:p>
+        </p:txBody>
+      </p:sp>
+      <p:sp>
+        <p:nvSpPr>
+          <p:cNvPr id="4" name="Rectangle 2">
+            <a:extLst>
+              <a:ext uri="{FF2B5EF4-FFF2-40B4-BE49-F238E27FC236}">
+                <a16:creationId xmlns:a16="http://schemas.microsoft.com/office/drawing/2014/main" id="{6D8D9888-F9F7-0473-7ABE-CD72CA225CDE}"/>
+              </a:ext>
+            </a:extLst>
+          </p:cNvPr>
+          <p:cNvSpPr txBox="1">
+            <a:spLocks noChangeArrowheads="1"/>
+          </p:cNvSpPr>
+          <p:nvPr/>
+        </p:nvSpPr>
+        <p:spPr>
+          <a:xfrm>
+            <a:off x="323528" y="-171400"/>
+            <a:ext cx="8568952" cy="1152128"/>
+          </a:xfrm>
+          <a:prstGeom prst="rect">
+            <a:avLst/>
+          </a:prstGeom>
+        </p:spPr>
+        <p:txBody>
+          <a:bodyPr vert="horz" lIns="91440" tIns="45720" rIns="91440" bIns="45720" rtlCol="0" anchor="b">
+            <a:normAutofit/>
+          </a:bodyPr>
+          <a:lstStyle>
+            <a:lvl1pPr algn="ctr" defTabSz="685800" rtl="0" eaLnBrk="1" latinLnBrk="0" hangingPunct="1">
+              <a:lnSpc>
+                <a:spcPct val="90000"/>
+              </a:lnSpc>
+              <a:spcBef>
+                <a:spcPct val="0"/>
+              </a:spcBef>
+              <a:buNone/>
+              <a:defRPr sz="4500" kern="1200">
+                <a:solidFill>
+                  <a:schemeClr val="tx1"/>
+                </a:solidFill>
+                <a:latin typeface="+mj-lt"/>
+                <a:ea typeface="+mj-ea"/>
+                <a:cs typeface="+mj-cs"/>
+              </a:defRPr>
+            </a:lvl1pPr>
+          </a:lstStyle>
+          <a:p>
+            <a:pPr algn="l"/>
+            <a:r>
+              <a:rPr lang="en-US" sz="3200" b="1"/>
+              <a:t>Transcription, Regulation, Epigenetics</a:t>
+            </a:r>
+            <a:endParaRPr lang="en-US" sz="3200" dirty="0"/>
           </a:p>
         </p:txBody>
       </p:sp>
@@ -7284,7 +7416,7 @@
         <p:spPr>
           <a:xfrm>
             <a:off x="323528" y="-171400"/>
-            <a:ext cx="8568952" cy="1535832"/>
+            <a:ext cx="8568952" cy="1296144"/>
           </a:xfrm>
         </p:spPr>
         <p:txBody>
@@ -7515,7 +7647,7 @@
         <p:spPr>
           <a:xfrm>
             <a:off x="323528" y="-171400"/>
-            <a:ext cx="8568952" cy="1535832"/>
+            <a:ext cx="8568952" cy="1368151"/>
           </a:xfrm>
         </p:spPr>
         <p:txBody>
@@ -7972,39 +8104,6 @@
       </p:grpSpPr>
       <p:sp>
         <p:nvSpPr>
-          <p:cNvPr id="9" name="Rectangle 2"/>
-          <p:cNvSpPr>
-            <a:spLocks noGrp="1" noChangeArrowheads="1"/>
-          </p:cNvSpPr>
-          <p:nvPr>
-            <p:ph type="ctrTitle"/>
-          </p:nvPr>
-        </p:nvSpPr>
-        <p:spPr>
-          <a:xfrm>
-            <a:off x="323528" y="-171400"/>
-            <a:ext cx="8568952" cy="1535832"/>
-          </a:xfrm>
-        </p:spPr>
-        <p:txBody>
-          <a:bodyPr/>
-          <a:lstStyle/>
-          <a:p>
-            <a:pPr algn="l" eaLnBrk="1" hangingPunct="1"/>
-            <a:r>
-              <a:rPr lang="en-US" sz="3200" b="1" dirty="0"/>
-              <a:t>RNA-</a:t>
-            </a:r>
-            <a:r>
-              <a:rPr lang="en-US" sz="3200" b="1" dirty="0" err="1"/>
-              <a:t>Seq</a:t>
-            </a:r>
-            <a:endParaRPr lang="en-US" sz="3200" dirty="0"/>
-          </a:p>
-        </p:txBody>
-      </p:sp>
-      <p:sp>
-        <p:nvSpPr>
           <p:cNvPr id="5" name="TextBox 4"/>
           <p:cNvSpPr txBox="1"/>
           <p:nvPr/>
@@ -8441,6 +8540,87 @@
           <a:p>
             <a:pPr lvl="1"/>
             <a:endParaRPr lang="en-US" sz="2000" dirty="0"/>
+          </a:p>
+        </p:txBody>
+      </p:sp>
+      <p:sp>
+        <p:nvSpPr>
+          <p:cNvPr id="3" name="Title 2">
+            <a:extLst>
+              <a:ext uri="{FF2B5EF4-FFF2-40B4-BE49-F238E27FC236}">
+                <a16:creationId xmlns:a16="http://schemas.microsoft.com/office/drawing/2014/main" id="{BCA728B9-0848-BE4C-8B2F-C86270497E5E}"/>
+              </a:ext>
+            </a:extLst>
+          </p:cNvPr>
+          <p:cNvSpPr>
+            <a:spLocks noGrp="1"/>
+          </p:cNvSpPr>
+          <p:nvPr>
+            <p:ph type="ctrTitle"/>
+          </p:nvPr>
+        </p:nvSpPr>
+        <p:spPr/>
+        <p:txBody>
+          <a:bodyPr/>
+          <a:lstStyle/>
+          <a:p>
+            <a:endParaRPr lang="en-US"/>
+          </a:p>
+        </p:txBody>
+      </p:sp>
+      <p:sp>
+        <p:nvSpPr>
+          <p:cNvPr id="4" name="Rectangle 2">
+            <a:extLst>
+              <a:ext uri="{FF2B5EF4-FFF2-40B4-BE49-F238E27FC236}">
+                <a16:creationId xmlns:a16="http://schemas.microsoft.com/office/drawing/2014/main" id="{2C215752-700B-23DD-BDA9-DD706C362AC0}"/>
+              </a:ext>
+            </a:extLst>
+          </p:cNvPr>
+          <p:cNvSpPr txBox="1">
+            <a:spLocks noChangeArrowheads="1"/>
+          </p:cNvSpPr>
+          <p:nvPr/>
+        </p:nvSpPr>
+        <p:spPr>
+          <a:xfrm>
+            <a:off x="323528" y="-171400"/>
+            <a:ext cx="8568952" cy="1368151"/>
+          </a:xfrm>
+          <a:prstGeom prst="rect">
+            <a:avLst/>
+          </a:prstGeom>
+        </p:spPr>
+        <p:txBody>
+          <a:bodyPr vert="horz" lIns="91440" tIns="45720" rIns="91440" bIns="45720" rtlCol="0" anchor="b">
+            <a:normAutofit/>
+          </a:bodyPr>
+          <a:lstStyle>
+            <a:lvl1pPr algn="ctr" defTabSz="685800" rtl="0" eaLnBrk="1" latinLnBrk="0" hangingPunct="1">
+              <a:lnSpc>
+                <a:spcPct val="90000"/>
+              </a:lnSpc>
+              <a:spcBef>
+                <a:spcPct val="0"/>
+              </a:spcBef>
+              <a:buNone/>
+              <a:defRPr sz="4500" kern="1200">
+                <a:solidFill>
+                  <a:schemeClr val="tx1"/>
+                </a:solidFill>
+                <a:latin typeface="+mj-lt"/>
+                <a:ea typeface="+mj-ea"/>
+                <a:cs typeface="+mj-cs"/>
+              </a:defRPr>
+            </a:lvl1pPr>
+          </a:lstStyle>
+          <a:p>
+            <a:pPr algn="l"/>
+            <a:r>
+              <a:rPr lang="en-US" sz="3200" b="1"/>
+              <a:t>RNA-Seq</a:t>
+            </a:r>
+            <a:endParaRPr lang="en-US" sz="3200" dirty="0"/>
           </a:p>
         </p:txBody>
       </p:sp>
@@ -8476,39 +8656,6 @@
       </p:grpSpPr>
       <p:sp>
         <p:nvSpPr>
-          <p:cNvPr id="9" name="Rectangle 2"/>
-          <p:cNvSpPr>
-            <a:spLocks noGrp="1" noChangeArrowheads="1"/>
-          </p:cNvSpPr>
-          <p:nvPr>
-            <p:ph type="ctrTitle"/>
-          </p:nvPr>
-        </p:nvSpPr>
-        <p:spPr>
-          <a:xfrm>
-            <a:off x="323528" y="-171400"/>
-            <a:ext cx="8568952" cy="1535832"/>
-          </a:xfrm>
-        </p:spPr>
-        <p:txBody>
-          <a:bodyPr/>
-          <a:lstStyle/>
-          <a:p>
-            <a:pPr algn="l" eaLnBrk="1" hangingPunct="1"/>
-            <a:r>
-              <a:rPr lang="en-US" sz="3200" b="1" dirty="0"/>
-              <a:t>RNA-</a:t>
-            </a:r>
-            <a:r>
-              <a:rPr lang="en-US" sz="3200" b="1" dirty="0" err="1"/>
-              <a:t>Seq</a:t>
-            </a:r>
-            <a:endParaRPr lang="en-US" sz="3200" dirty="0"/>
-          </a:p>
-        </p:txBody>
-      </p:sp>
-      <p:sp>
-        <p:nvSpPr>
           <p:cNvPr id="27" name="TextBox 26"/>
           <p:cNvSpPr txBox="1"/>
           <p:nvPr/>
@@ -8538,15 +8685,7 @@
             </a:pPr>
             <a:r>
               <a:rPr lang="en-US" sz="2000" dirty="0"/>
-              <a:t>NGS reads are mapped to the genome sequence using mRNA specific variants (e.g. </a:t>
-            </a:r>
-            <a:r>
-              <a:rPr lang="en-US" sz="2000"/>
-              <a:t>HiSAT2) </a:t>
-            </a:r>
-            <a:r>
-              <a:rPr lang="en-US" sz="2000" dirty="0"/>
-              <a:t>of the Burrows-Wheeler Transform since RNA-Seq reads will not contain intron sequences</a:t>
+              <a:t>NGS reads are mapped to the genome sequence using mRNA specific variants (e.g. HiSAT2) of the Burrows-Wheeler Transform since RNA-Seq reads will not contain intron sequences</a:t>
             </a:r>
           </a:p>
           <a:p>
@@ -8587,6 +8726,62 @@
               <a:buChar char="•"/>
             </a:pPr>
             <a:endParaRPr lang="en-US" sz="2000" dirty="0"/>
+          </a:p>
+        </p:txBody>
+      </p:sp>
+      <p:sp>
+        <p:nvSpPr>
+          <p:cNvPr id="4" name="Rectangle 2">
+            <a:extLst>
+              <a:ext uri="{FF2B5EF4-FFF2-40B4-BE49-F238E27FC236}">
+                <a16:creationId xmlns:a16="http://schemas.microsoft.com/office/drawing/2014/main" id="{680D5F7A-CD8B-6C74-116B-BF239057EEC3}"/>
+              </a:ext>
+            </a:extLst>
+          </p:cNvPr>
+          <p:cNvSpPr txBox="1">
+            <a:spLocks noChangeArrowheads="1"/>
+          </p:cNvSpPr>
+          <p:nvPr/>
+        </p:nvSpPr>
+        <p:spPr>
+          <a:xfrm>
+            <a:off x="323528" y="-171400"/>
+            <a:ext cx="8568952" cy="1368151"/>
+          </a:xfrm>
+          <a:prstGeom prst="rect">
+            <a:avLst/>
+          </a:prstGeom>
+        </p:spPr>
+        <p:txBody>
+          <a:bodyPr vert="horz" lIns="91440" tIns="45720" rIns="91440" bIns="45720" rtlCol="0" anchor="b">
+            <a:normAutofit/>
+          </a:bodyPr>
+          <a:lstStyle>
+            <a:lvl1pPr algn="ctr" defTabSz="685800" rtl="0" eaLnBrk="1" latinLnBrk="0" hangingPunct="1">
+              <a:lnSpc>
+                <a:spcPct val="90000"/>
+              </a:lnSpc>
+              <a:spcBef>
+                <a:spcPct val="0"/>
+              </a:spcBef>
+              <a:buNone/>
+              <a:defRPr sz="4500" kern="1200">
+                <a:solidFill>
+                  <a:schemeClr val="tx1"/>
+                </a:solidFill>
+                <a:latin typeface="+mj-lt"/>
+                <a:ea typeface="+mj-ea"/>
+                <a:cs typeface="+mj-cs"/>
+              </a:defRPr>
+            </a:lvl1pPr>
+          </a:lstStyle>
+          <a:p>
+            <a:pPr algn="l"/>
+            <a:r>
+              <a:rPr lang="en-US" sz="3200" b="1"/>
+              <a:t>RNA-Seq</a:t>
+            </a:r>
+            <a:endParaRPr lang="en-US" sz="3200" dirty="0"/>
           </a:p>
         </p:txBody>
       </p:sp>
@@ -8620,39 +8815,6 @@
           <a:chExt cx="0" cy="0"/>
         </a:xfrm>
       </p:grpSpPr>
-      <p:sp>
-        <p:nvSpPr>
-          <p:cNvPr id="9" name="Rectangle 2"/>
-          <p:cNvSpPr>
-            <a:spLocks noGrp="1" noChangeArrowheads="1"/>
-          </p:cNvSpPr>
-          <p:nvPr>
-            <p:ph type="ctrTitle"/>
-          </p:nvPr>
-        </p:nvSpPr>
-        <p:spPr>
-          <a:xfrm>
-            <a:off x="323528" y="-171400"/>
-            <a:ext cx="8568952" cy="1535832"/>
-          </a:xfrm>
-        </p:spPr>
-        <p:txBody>
-          <a:bodyPr/>
-          <a:lstStyle/>
-          <a:p>
-            <a:pPr algn="l" eaLnBrk="1" hangingPunct="1"/>
-            <a:r>
-              <a:rPr lang="en-US" sz="3200" b="1" dirty="0"/>
-              <a:t>RNA-</a:t>
-            </a:r>
-            <a:r>
-              <a:rPr lang="en-US" sz="3200" b="1" dirty="0" err="1"/>
-              <a:t>Seq</a:t>
-            </a:r>
-            <a:endParaRPr lang="en-US" sz="3200" dirty="0"/>
-          </a:p>
-        </p:txBody>
-      </p:sp>
       <p:pic>
         <p:nvPicPr>
           <p:cNvPr id="4" name="Picture 3" descr="RNA-seq.tiff"/>
@@ -8752,6 +8914,62 @@
               </a:rPr>
               <a:t>intron</a:t>
             </a:r>
+          </a:p>
+        </p:txBody>
+      </p:sp>
+      <p:sp>
+        <p:nvSpPr>
+          <p:cNvPr id="7" name="Rectangle 2">
+            <a:extLst>
+              <a:ext uri="{FF2B5EF4-FFF2-40B4-BE49-F238E27FC236}">
+                <a16:creationId xmlns:a16="http://schemas.microsoft.com/office/drawing/2014/main" id="{AB53FC0D-5F33-214D-2A20-CDD6E6537C9D}"/>
+              </a:ext>
+            </a:extLst>
+          </p:cNvPr>
+          <p:cNvSpPr txBox="1">
+            <a:spLocks noChangeArrowheads="1"/>
+          </p:cNvSpPr>
+          <p:nvPr/>
+        </p:nvSpPr>
+        <p:spPr>
+          <a:xfrm>
+            <a:off x="323528" y="-171400"/>
+            <a:ext cx="8568952" cy="1368151"/>
+          </a:xfrm>
+          <a:prstGeom prst="rect">
+            <a:avLst/>
+          </a:prstGeom>
+        </p:spPr>
+        <p:txBody>
+          <a:bodyPr vert="horz" lIns="91440" tIns="45720" rIns="91440" bIns="45720" rtlCol="0" anchor="b">
+            <a:normAutofit/>
+          </a:bodyPr>
+          <a:lstStyle>
+            <a:lvl1pPr algn="ctr" defTabSz="685800" rtl="0" eaLnBrk="1" latinLnBrk="0" hangingPunct="1">
+              <a:lnSpc>
+                <a:spcPct val="90000"/>
+              </a:lnSpc>
+              <a:spcBef>
+                <a:spcPct val="0"/>
+              </a:spcBef>
+              <a:buNone/>
+              <a:defRPr sz="4500" kern="1200">
+                <a:solidFill>
+                  <a:schemeClr val="tx1"/>
+                </a:solidFill>
+                <a:latin typeface="+mj-lt"/>
+                <a:ea typeface="+mj-ea"/>
+                <a:cs typeface="+mj-cs"/>
+              </a:defRPr>
+            </a:lvl1pPr>
+          </a:lstStyle>
+          <a:p>
+            <a:pPr algn="l"/>
+            <a:r>
+              <a:rPr lang="en-US" sz="3200" b="1"/>
+              <a:t>RNA-Seq</a:t>
+            </a:r>
+            <a:endParaRPr lang="en-US" sz="3200" dirty="0"/>
           </a:p>
         </p:txBody>
       </p:sp>
@@ -8787,47 +9005,14 @@
       </p:grpSpPr>
       <p:sp>
         <p:nvSpPr>
-          <p:cNvPr id="9" name="Rectangle 2"/>
-          <p:cNvSpPr>
-            <a:spLocks noGrp="1" noChangeArrowheads="1"/>
-          </p:cNvSpPr>
-          <p:nvPr>
-            <p:ph type="ctrTitle"/>
-          </p:nvPr>
-        </p:nvSpPr>
-        <p:spPr>
-          <a:xfrm>
-            <a:off x="323528" y="-171400"/>
-            <a:ext cx="8568952" cy="1535832"/>
-          </a:xfrm>
-        </p:spPr>
-        <p:txBody>
-          <a:bodyPr/>
-          <a:lstStyle/>
-          <a:p>
-            <a:pPr algn="l" eaLnBrk="1" hangingPunct="1"/>
-            <a:r>
-              <a:rPr lang="en-US" sz="3200" b="1" dirty="0"/>
-              <a:t>RNA-</a:t>
-            </a:r>
-            <a:r>
-              <a:rPr lang="en-US" sz="3200" b="1" dirty="0" err="1"/>
-              <a:t>Seq</a:t>
-            </a:r>
-            <a:endParaRPr lang="en-US" sz="3200" dirty="0"/>
-          </a:p>
-        </p:txBody>
-      </p:sp>
-      <p:sp>
-        <p:nvSpPr>
           <p:cNvPr id="26" name="TextBox 25"/>
           <p:cNvSpPr txBox="1"/>
           <p:nvPr/>
         </p:nvSpPr>
         <p:spPr>
           <a:xfrm>
-            <a:off x="395536" y="908720"/>
-            <a:ext cx="8352928" cy="6986528"/>
+            <a:off x="431540" y="764704"/>
+            <a:ext cx="8352928" cy="7294305"/>
           </a:xfrm>
           <a:prstGeom prst="rect">
             <a:avLst/>
@@ -8849,15 +9034,7 @@
             </a:pPr>
             <a:r>
               <a:rPr lang="en-US" sz="2000" dirty="0"/>
-              <a:t>Since each RNA-</a:t>
-            </a:r>
-            <a:r>
-              <a:rPr lang="en-US" sz="2000" dirty="0" err="1"/>
-              <a:t>Seq</a:t>
-            </a:r>
-            <a:r>
-              <a:rPr lang="en-US" sz="2000" dirty="0"/>
-              <a:t> mate pair is generated from a single mRNA fragment, a mate-pair is the base unit for measurement of transcript abundance</a:t>
+              <a:t>Since each mate pair is generated from a single mRNA fragment, a mate-pair is the base unit for measurement of transcript abundance</a:t>
             </a:r>
           </a:p>
           <a:p>
@@ -9041,6 +9218,62 @@
               <a:buChar char="•"/>
             </a:pPr>
             <a:endParaRPr lang="en-US" sz="2000" dirty="0"/>
+          </a:p>
+        </p:txBody>
+      </p:sp>
+      <p:sp>
+        <p:nvSpPr>
+          <p:cNvPr id="4" name="Rectangle 2">
+            <a:extLst>
+              <a:ext uri="{FF2B5EF4-FFF2-40B4-BE49-F238E27FC236}">
+                <a16:creationId xmlns:a16="http://schemas.microsoft.com/office/drawing/2014/main" id="{6254BA5E-EC6B-BB25-C7BD-A1019C19321F}"/>
+              </a:ext>
+            </a:extLst>
+          </p:cNvPr>
+          <p:cNvSpPr txBox="1">
+            <a:spLocks noChangeArrowheads="1"/>
+          </p:cNvSpPr>
+          <p:nvPr/>
+        </p:nvSpPr>
+        <p:spPr>
+          <a:xfrm>
+            <a:off x="323528" y="-171399"/>
+            <a:ext cx="8568952" cy="1080120"/>
+          </a:xfrm>
+          <a:prstGeom prst="rect">
+            <a:avLst/>
+          </a:prstGeom>
+        </p:spPr>
+        <p:txBody>
+          <a:bodyPr vert="horz" lIns="91440" tIns="45720" rIns="91440" bIns="45720" rtlCol="0" anchor="b">
+            <a:normAutofit/>
+          </a:bodyPr>
+          <a:lstStyle>
+            <a:lvl1pPr algn="ctr" defTabSz="685800" rtl="0" eaLnBrk="1" latinLnBrk="0" hangingPunct="1">
+              <a:lnSpc>
+                <a:spcPct val="90000"/>
+              </a:lnSpc>
+              <a:spcBef>
+                <a:spcPct val="0"/>
+              </a:spcBef>
+              <a:buNone/>
+              <a:defRPr sz="4500" kern="1200">
+                <a:solidFill>
+                  <a:schemeClr val="tx1"/>
+                </a:solidFill>
+                <a:latin typeface="+mj-lt"/>
+                <a:ea typeface="+mj-ea"/>
+                <a:cs typeface="+mj-cs"/>
+              </a:defRPr>
+            </a:lvl1pPr>
+          </a:lstStyle>
+          <a:p>
+            <a:pPr algn="l"/>
+            <a:r>
+              <a:rPr lang="en-US" sz="3200" b="1"/>
+              <a:t>RNA-Seq</a:t>
+            </a:r>
+            <a:endParaRPr lang="en-US" sz="3200" dirty="0"/>
           </a:p>
         </p:txBody>
       </p:sp>
@@ -9087,7 +9320,7 @@
         <p:spPr>
           <a:xfrm>
             <a:off x="323528" y="-171400"/>
-            <a:ext cx="8568952" cy="1535832"/>
+            <a:ext cx="8568952" cy="1152128"/>
           </a:xfrm>
         </p:spPr>
         <p:txBody>
@@ -9354,7 +9587,7 @@
         <p:spPr>
           <a:xfrm>
             <a:off x="323528" y="-171400"/>
-            <a:ext cx="8568952" cy="1535832"/>
+            <a:ext cx="8568952" cy="1152128"/>
           </a:xfrm>
         </p:spPr>
         <p:txBody>
@@ -9856,7 +10089,7 @@
         <p:spPr>
           <a:xfrm>
             <a:off x="323528" y="-171400"/>
-            <a:ext cx="8568952" cy="1535832"/>
+            <a:ext cx="8568952" cy="1207560"/>
           </a:xfrm>
         </p:spPr>
         <p:txBody>
@@ -10176,7 +10409,7 @@
         <p:spPr>
           <a:xfrm>
             <a:off x="323528" y="-171400"/>
-            <a:ext cx="8568952" cy="1535832"/>
+            <a:ext cx="8568952" cy="1133931"/>
           </a:xfrm>
         </p:spPr>
         <p:txBody>
@@ -10462,7 +10695,7 @@
             <a:r>
               <a:rPr lang="en-US" sz="1600" i="1" dirty="0">
                 <a:solidFill>
-                  <a:srgbClr val="000000"/>
+                  <a:schemeClr val="bg1"/>
                 </a:solidFill>
               </a:rPr>
               <a:t>exon</a:t>
@@ -10498,7 +10731,7 @@
             <a:r>
               <a:rPr lang="en-US" sz="1600" i="1" dirty="0">
                 <a:solidFill>
-                  <a:srgbClr val="000000"/>
+                  <a:schemeClr val="bg1"/>
                 </a:solidFill>
               </a:rPr>
               <a:t>exon</a:t>
@@ -10534,7 +10767,7 @@
             <a:r>
               <a:rPr lang="en-US" sz="1600" i="1" dirty="0">
                 <a:solidFill>
-                  <a:srgbClr val="000000"/>
+                  <a:schemeClr val="bg1"/>
                 </a:solidFill>
               </a:rPr>
               <a:t>exon</a:t>
@@ -10700,7 +10933,11 @@
           <a:lstStyle/>
           <a:p>
             <a:r>
-              <a:rPr lang="en-US" sz="1600" i="1" dirty="0"/>
+              <a:rPr lang="en-US" sz="1600" i="1" dirty="0">
+                <a:solidFill>
+                  <a:schemeClr val="bg1"/>
+                </a:solidFill>
+              </a:rPr>
               <a:t>TF</a:t>
             </a:r>
           </a:p>
@@ -10749,7 +10986,7 @@
         <p:spPr>
           <a:xfrm>
             <a:off x="323528" y="-171400"/>
-            <a:ext cx="8568952" cy="1535832"/>
+            <a:ext cx="8568952" cy="1137607"/>
           </a:xfrm>
         </p:spPr>
         <p:txBody>
@@ -10958,7 +11195,7 @@
         <p:spPr>
           <a:xfrm>
             <a:off x="323528" y="-171400"/>
-            <a:ext cx="8568952" cy="1535832"/>
+            <a:ext cx="8568952" cy="1056898"/>
           </a:xfrm>
         </p:spPr>
         <p:txBody>
@@ -11074,8 +11311,8 @@
         </p:nvSpPr>
         <p:spPr>
           <a:xfrm>
-            <a:off x="323528" y="4206567"/>
-            <a:ext cx="3456384" cy="2246769"/>
+            <a:off x="346236" y="3915057"/>
+            <a:ext cx="3584256" cy="2246769"/>
           </a:xfrm>
           <a:prstGeom prst="rect">
             <a:avLst/>
@@ -11180,8 +11417,8 @@
         </p:nvSpPr>
         <p:spPr>
           <a:xfrm>
-            <a:off x="5148064" y="4206567"/>
-            <a:ext cx="3456384" cy="2246769"/>
+            <a:off x="5164206" y="3965313"/>
+            <a:ext cx="3584257" cy="2246769"/>
           </a:xfrm>
           <a:prstGeom prst="rect">
             <a:avLst/>
@@ -11328,7 +11565,7 @@
         <p:spPr>
           <a:xfrm>
             <a:off x="3995936" y="4998655"/>
-            <a:ext cx="936104" cy="338554"/>
+            <a:ext cx="1008112" cy="338554"/>
           </a:xfrm>
           <a:prstGeom prst="rect">
             <a:avLst/>
@@ -11359,7 +11596,7 @@
         </p:nvSpPr>
         <p:spPr>
           <a:xfrm>
-            <a:off x="1547664" y="3774519"/>
+            <a:off x="1547664" y="3607281"/>
             <a:ext cx="1440160" cy="338554"/>
           </a:xfrm>
           <a:prstGeom prst="rect">
@@ -11379,7 +11616,10 @@
             <a:r>
               <a:rPr lang="en-US" sz="1600" b="1" dirty="0">
                 <a:solidFill>
-                  <a:srgbClr val="FFFF00"/>
+                  <a:schemeClr val="tx2">
+                    <a:lumMod val="75000"/>
+                    <a:lumOff val="25000"/>
+                  </a:schemeClr>
                 </a:solidFill>
               </a:rPr>
               <a:t>SAMPLE</a:t>
@@ -11395,7 +11635,7 @@
         </p:nvSpPr>
         <p:spPr>
           <a:xfrm>
-            <a:off x="5508104" y="3774519"/>
+            <a:off x="5508104" y="3607281"/>
             <a:ext cx="2880320" cy="338554"/>
           </a:xfrm>
           <a:prstGeom prst="rect">
@@ -11415,7 +11655,10 @@
             <a:r>
               <a:rPr lang="en-US" sz="1600" b="1" dirty="0">
                 <a:solidFill>
-                  <a:srgbClr val="FFFF00"/>
+                  <a:schemeClr val="tx2">
+                    <a:lumMod val="75000"/>
+                    <a:lumOff val="25000"/>
+                  </a:schemeClr>
                 </a:solidFill>
               </a:rPr>
               <a:t>TECHNICAL CONTROL</a:t>
@@ -11466,7 +11709,7 @@
         <p:spPr>
           <a:xfrm>
             <a:off x="323528" y="-171400"/>
-            <a:ext cx="8568952" cy="1535832"/>
+            <a:ext cx="8568952" cy="1224136"/>
           </a:xfrm>
         </p:spPr>
         <p:txBody>
@@ -11622,7 +11865,7 @@
         <p:spPr>
           <a:xfrm>
             <a:off x="323528" y="-171400"/>
-            <a:ext cx="8568952" cy="1535832"/>
+            <a:ext cx="8568952" cy="1130642"/>
           </a:xfrm>
         </p:spPr>
         <p:txBody>
@@ -11898,7 +12141,7 @@
         <p:spPr>
           <a:xfrm>
             <a:off x="3995936" y="5157192"/>
-            <a:ext cx="936104" cy="338554"/>
+            <a:ext cx="1152128" cy="338554"/>
           </a:xfrm>
           <a:prstGeom prst="rect">
             <a:avLst/>
@@ -11949,7 +12192,10 @@
             <a:r>
               <a:rPr lang="en-US" sz="1600" b="1" dirty="0">
                 <a:solidFill>
-                  <a:srgbClr val="FFFF00"/>
+                  <a:schemeClr val="tx2">
+                    <a:lumMod val="75000"/>
+                    <a:lumOff val="25000"/>
+                  </a:schemeClr>
                 </a:solidFill>
               </a:rPr>
               <a:t>SAMPLE</a:t>
@@ -11985,7 +12231,10 @@
             <a:r>
               <a:rPr lang="en-US" sz="1600" b="1" dirty="0">
                 <a:solidFill>
-                  <a:srgbClr val="FFFF00"/>
+                  <a:schemeClr val="tx2">
+                    <a:lumMod val="75000"/>
+                    <a:lumOff val="25000"/>
+                  </a:schemeClr>
                 </a:solidFill>
               </a:rPr>
               <a:t>TECHNICAL CONTROL</a:t>
@@ -12002,7 +12251,7 @@
         <p:spPr>
           <a:xfrm>
             <a:off x="3131840" y="5733256"/>
-            <a:ext cx="3024336" cy="338554"/>
+            <a:ext cx="3024336" cy="584775"/>
           </a:xfrm>
           <a:prstGeom prst="rect">
             <a:avLst/>
@@ -12021,7 +12270,10 @@
             <a:r>
               <a:rPr lang="en-US" sz="1600" dirty="0">
                 <a:solidFill>
-                  <a:srgbClr val="FFFF00"/>
+                  <a:schemeClr val="tx2">
+                    <a:lumMod val="75000"/>
+                    <a:lumOff val="25000"/>
+                  </a:schemeClr>
                 </a:solidFill>
               </a:rPr>
               <a:t>32.5 / 3.1 = 10.45 fold enrichment</a:t>
@@ -12072,7 +12324,7 @@
         <p:spPr>
           <a:xfrm>
             <a:off x="323528" y="-171400"/>
-            <a:ext cx="8568952" cy="1535832"/>
+            <a:ext cx="8568952" cy="1224136"/>
           </a:xfrm>
         </p:spPr>
         <p:txBody>
@@ -12275,8 +12527,8 @@
         </p:nvSpPr>
         <p:spPr>
           <a:xfrm>
-            <a:off x="323528" y="-171400"/>
-            <a:ext cx="8568952" cy="1535832"/>
+            <a:off x="316963" y="-156322"/>
+            <a:ext cx="8568952" cy="1130641"/>
           </a:xfrm>
         </p:spPr>
         <p:txBody>
@@ -12587,7 +12839,7 @@
             <a:r>
               <a:rPr lang="en-US" sz="1600" i="1" dirty="0">
                 <a:solidFill>
-                  <a:srgbClr val="000000"/>
+                  <a:schemeClr val="bg1"/>
                 </a:solidFill>
               </a:rPr>
               <a:t>exon</a:t>
@@ -12623,7 +12875,7 @@
             <a:r>
               <a:rPr lang="en-US" sz="1600" i="1" dirty="0">
                 <a:solidFill>
-                  <a:srgbClr val="000000"/>
+                  <a:schemeClr val="bg1"/>
                 </a:solidFill>
               </a:rPr>
               <a:t>exon</a:t>
@@ -12659,7 +12911,7 @@
             <a:r>
               <a:rPr lang="en-US" sz="1600" i="1" dirty="0">
                 <a:solidFill>
-                  <a:srgbClr val="000000"/>
+                  <a:schemeClr val="bg1"/>
                 </a:solidFill>
               </a:rPr>
               <a:t>exon</a:t>
@@ -12825,7 +13077,11 @@
           <a:lstStyle/>
           <a:p>
             <a:r>
-              <a:rPr lang="en-US" sz="1600" i="1" dirty="0"/>
+              <a:rPr lang="en-US" sz="1600" i="1" dirty="0">
+                <a:solidFill>
+                  <a:schemeClr val="bg1"/>
+                </a:solidFill>
+              </a:rPr>
               <a:t>TF</a:t>
             </a:r>
           </a:p>
@@ -13122,7 +13378,7 @@
         <p:spPr>
           <a:xfrm>
             <a:off x="323528" y="-171400"/>
-            <a:ext cx="8568952" cy="1535832"/>
+            <a:ext cx="8568952" cy="1224136"/>
           </a:xfrm>
         </p:spPr>
         <p:txBody>
@@ -13407,7 +13663,7 @@
         <p:spPr>
           <a:xfrm>
             <a:off x="3995936" y="3933056"/>
-            <a:ext cx="936104" cy="338554"/>
+            <a:ext cx="1008112" cy="338554"/>
           </a:xfrm>
           <a:prstGeom prst="rect">
             <a:avLst/>
@@ -13458,7 +13714,10 @@
             <a:r>
               <a:rPr lang="en-US" sz="1600" b="1" dirty="0">
                 <a:solidFill>
-                  <a:srgbClr val="FFFF00"/>
+                  <a:schemeClr val="tx2">
+                    <a:lumMod val="75000"/>
+                    <a:lumOff val="25000"/>
+                  </a:schemeClr>
                 </a:solidFill>
               </a:rPr>
               <a:t>SAMPLE</a:t>
@@ -13494,7 +13753,10 @@
             <a:r>
               <a:rPr lang="en-US" sz="1600" b="1" dirty="0">
                 <a:solidFill>
-                  <a:srgbClr val="FFFF00"/>
+                  <a:schemeClr val="tx2">
+                    <a:lumMod val="75000"/>
+                    <a:lumOff val="25000"/>
+                  </a:schemeClr>
                 </a:solidFill>
               </a:rPr>
               <a:t>TECHNICAL CONTROL</a:t>
@@ -13643,7 +13905,7 @@
         <p:spPr>
           <a:xfrm>
             <a:off x="323528" y="-171400"/>
-            <a:ext cx="8568952" cy="1535832"/>
+            <a:ext cx="8568952" cy="1211362"/>
           </a:xfrm>
         </p:spPr>
         <p:txBody>
@@ -13672,7 +13934,7 @@
         <p:spPr>
           <a:xfrm>
             <a:off x="3473670" y="1311151"/>
-            <a:ext cx="4986762" cy="461665"/>
+            <a:ext cx="3768980" cy="369332"/>
           </a:xfrm>
           <a:prstGeom prst="rect">
             <a:avLst/>
@@ -13693,9 +13955,9 @@
               <a:t>A</a:t>
             </a:r>
             <a:r>
-              <a:rPr lang="en-US" dirty="0">
+              <a:rPr lang="en-US" b="1" dirty="0">
                 <a:solidFill>
-                  <a:srgbClr val="FFFF00"/>
+                  <a:srgbClr val="C00000"/>
                 </a:solidFill>
                 <a:latin typeface="Courier New"/>
                 <a:cs typeface="Courier New"/>
@@ -13710,9 +13972,9 @@
               <a:t>GACTACG</a:t>
             </a:r>
             <a:r>
-              <a:rPr lang="en-US" dirty="0">
+              <a:rPr lang="en-US" b="1" dirty="0">
                 <a:solidFill>
-                  <a:srgbClr val="FFFF00"/>
+                  <a:srgbClr val="C00000"/>
                 </a:solidFill>
                 <a:latin typeface="Courier New"/>
                 <a:cs typeface="Courier New"/>
@@ -13727,9 +13989,9 @@
               <a:t>CTTGCC</a:t>
             </a:r>
             <a:r>
-              <a:rPr lang="en-US" dirty="0">
+              <a:rPr lang="en-US" b="1" dirty="0">
                 <a:solidFill>
-                  <a:srgbClr val="FFFF00"/>
+                  <a:srgbClr val="C00000"/>
                 </a:solidFill>
                 <a:latin typeface="Courier New"/>
                 <a:cs typeface="Courier New"/>
@@ -13818,7 +14080,7 @@
         </p:nvSpPr>
         <p:spPr>
           <a:xfrm>
-            <a:off x="3743844" y="1220716"/>
+            <a:off x="3595791" y="1196752"/>
             <a:ext cx="400145" cy="307777"/>
           </a:xfrm>
           <a:prstGeom prst="rect">
@@ -13833,9 +14095,9 @@
           <a:lstStyle/>
           <a:p>
             <a:r>
-              <a:rPr lang="en-US" sz="1400" dirty="0">
+              <a:rPr lang="en-US" sz="1400" b="1" dirty="0">
                 <a:solidFill>
-                  <a:srgbClr val="FFFF00"/>
+                  <a:srgbClr val="C00000"/>
                 </a:solidFill>
                 <a:latin typeface="Courier New"/>
                 <a:cs typeface="Courier New"/>
@@ -13853,7 +14115,7 @@
         </p:nvSpPr>
         <p:spPr>
           <a:xfrm>
-            <a:off x="5220072" y="1196752"/>
+            <a:off x="4675911" y="1196752"/>
             <a:ext cx="400145" cy="307777"/>
           </a:xfrm>
           <a:prstGeom prst="rect">
@@ -13868,9 +14130,9 @@
           <a:lstStyle/>
           <a:p>
             <a:r>
-              <a:rPr lang="en-US" sz="1400" dirty="0">
+              <a:rPr lang="en-US" sz="1400" b="1" dirty="0">
                 <a:solidFill>
-                  <a:srgbClr val="FFFF00"/>
+                  <a:srgbClr val="C00000"/>
                 </a:solidFill>
                 <a:latin typeface="Courier New"/>
                 <a:cs typeface="Courier New"/>
@@ -13888,7 +14150,7 @@
         </p:nvSpPr>
         <p:spPr>
           <a:xfrm>
-            <a:off x="6476111" y="1196752"/>
+            <a:off x="5652120" y="1196752"/>
             <a:ext cx="400145" cy="307777"/>
           </a:xfrm>
           <a:prstGeom prst="rect">
@@ -13903,9 +14165,9 @@
           <a:lstStyle/>
           <a:p>
             <a:r>
-              <a:rPr lang="en-US" sz="1400" dirty="0">
+              <a:rPr lang="en-US" sz="1400" b="1" dirty="0">
                 <a:solidFill>
-                  <a:srgbClr val="FFFF00"/>
+                  <a:srgbClr val="C00000"/>
                 </a:solidFill>
                 <a:latin typeface="Courier New"/>
                 <a:cs typeface="Courier New"/>
@@ -14026,7 +14288,7 @@
         </p:nvSpPr>
         <p:spPr>
           <a:xfrm>
-            <a:off x="107504" y="6156592"/>
+            <a:off x="107504" y="5941148"/>
             <a:ext cx="9036496" cy="584776"/>
           </a:xfrm>
           <a:prstGeom prst="rect">
@@ -14999,47 +15261,78 @@
       </p:grpSpPr>
       <p:sp>
         <p:nvSpPr>
-          <p:cNvPr id="9" name="Rectangle 2"/>
-          <p:cNvSpPr>
-            <a:spLocks noGrp="1" noChangeArrowheads="1"/>
-          </p:cNvSpPr>
-          <p:nvPr>
-            <p:ph type="ctrTitle"/>
-          </p:nvPr>
-        </p:nvSpPr>
-        <p:spPr>
-          <a:xfrm>
-            <a:off x="323528" y="-171400"/>
-            <a:ext cx="8568952" cy="1535832"/>
-          </a:xfrm>
-        </p:spPr>
-        <p:txBody>
-          <a:bodyPr/>
-          <a:lstStyle/>
-          <a:p>
-            <a:pPr algn="l" eaLnBrk="1" hangingPunct="1"/>
-            <a:r>
-              <a:rPr lang="en-US" sz="3200" b="1" dirty="0"/>
-              <a:t>Bisulfite-</a:t>
-            </a:r>
-            <a:r>
-              <a:rPr lang="en-US" sz="3200" b="1" dirty="0" err="1"/>
-              <a:t>Seq</a:t>
-            </a:r>
-            <a:endParaRPr lang="en-US" sz="3200" dirty="0"/>
-          </a:p>
-        </p:txBody>
-      </p:sp>
-      <p:sp>
-        <p:nvSpPr>
-          <p:cNvPr id="2" name="TextBox 1"/>
+          <p:cNvPr id="12" name="TextBox 11"/>
           <p:cNvSpPr txBox="1"/>
           <p:nvPr/>
         </p:nvSpPr>
         <p:spPr>
           <a:xfrm>
-            <a:off x="3473670" y="1311151"/>
+            <a:off x="3473670" y="2103239"/>
             <a:ext cx="4986762" cy="461665"/>
+          </a:xfrm>
+          <a:prstGeom prst="rect">
+            <a:avLst/>
+          </a:prstGeom>
+          <a:noFill/>
+        </p:spPr>
+        <p:txBody>
+          <a:bodyPr wrap="none" rtlCol="0">
+            <a:spAutoFit/>
+          </a:bodyPr>
+          <a:lstStyle/>
+          <a:p>
+            <a:r>
+              <a:rPr lang="en-US" dirty="0">
+                <a:latin typeface="Courier New"/>
+                <a:cs typeface="Courier New"/>
+              </a:rPr>
+              <a:t>ACGATTATGCTTTGTTCAGTTAATTG</a:t>
+            </a:r>
+          </a:p>
+        </p:txBody>
+      </p:sp>
+      <p:sp>
+        <p:nvSpPr>
+          <p:cNvPr id="14" name="TextBox 13"/>
+          <p:cNvSpPr txBox="1"/>
+          <p:nvPr/>
+        </p:nvSpPr>
+        <p:spPr>
+          <a:xfrm>
+            <a:off x="3473670" y="2967335"/>
+            <a:ext cx="4986762" cy="461665"/>
+          </a:xfrm>
+          <a:prstGeom prst="rect">
+            <a:avLst/>
+          </a:prstGeom>
+          <a:noFill/>
+        </p:spPr>
+        <p:txBody>
+          <a:bodyPr wrap="none" rtlCol="0">
+            <a:spAutoFit/>
+          </a:bodyPr>
+          <a:lstStyle/>
+          <a:p>
+            <a:r>
+              <a:rPr lang="en-US" dirty="0">
+                <a:latin typeface="Courier New"/>
+                <a:cs typeface="Courier New"/>
+              </a:rPr>
+              <a:t>ACGACTACGCCTTGCCCAGTCAACTG</a:t>
+            </a:r>
+          </a:p>
+        </p:txBody>
+      </p:sp>
+      <p:sp>
+        <p:nvSpPr>
+          <p:cNvPr id="15" name="TextBox 14"/>
+          <p:cNvSpPr txBox="1"/>
+          <p:nvPr/>
+        </p:nvSpPr>
+        <p:spPr>
+          <a:xfrm>
+            <a:off x="3473670" y="3861048"/>
+            <a:ext cx="3768980" cy="369332"/>
           </a:xfrm>
           <a:prstGeom prst="rect">
             <a:avLst/>
@@ -15060,9 +15353,9 @@
               <a:t>A</a:t>
             </a:r>
             <a:r>
-              <a:rPr lang="en-US" dirty="0">
+              <a:rPr lang="en-US" b="1" dirty="0">
                 <a:solidFill>
-                  <a:srgbClr val="FFFF00"/>
+                  <a:srgbClr val="C00000"/>
                 </a:solidFill>
                 <a:latin typeface="Courier New"/>
                 <a:cs typeface="Courier New"/>
@@ -15077,9 +15370,9 @@
               <a:t>GACTACG</a:t>
             </a:r>
             <a:r>
-              <a:rPr lang="en-US" dirty="0">
+              <a:rPr lang="en-US" b="1" dirty="0">
                 <a:solidFill>
-                  <a:srgbClr val="FFFF00"/>
+                  <a:srgbClr val="C00000"/>
                 </a:solidFill>
                 <a:latin typeface="Courier New"/>
                 <a:cs typeface="Courier New"/>
@@ -15094,9 +15387,9 @@
               <a:t>CTTGCC</a:t>
             </a:r>
             <a:r>
-              <a:rPr lang="en-US" dirty="0">
+              <a:rPr lang="en-US" b="1" dirty="0">
                 <a:solidFill>
-                  <a:srgbClr val="FFFF00"/>
+                  <a:srgbClr val="C00000"/>
                 </a:solidFill>
                 <a:latin typeface="Courier New"/>
                 <a:cs typeface="Courier New"/>
@@ -15115,14 +15408,14 @@
       </p:sp>
       <p:sp>
         <p:nvSpPr>
-          <p:cNvPr id="12" name="TextBox 11"/>
+          <p:cNvPr id="3" name="TextBox 2"/>
           <p:cNvSpPr txBox="1"/>
           <p:nvPr/>
         </p:nvSpPr>
         <p:spPr>
           <a:xfrm>
-            <a:off x="3473670" y="2103239"/>
-            <a:ext cx="4986762" cy="461665"/>
+            <a:off x="705922" y="1340768"/>
+            <a:ext cx="2569934" cy="461665"/>
           </a:xfrm>
           <a:prstGeom prst="rect">
             <a:avLst/>
@@ -15136,25 +15429,22 @@
           <a:lstStyle/>
           <a:p>
             <a:r>
-              <a:rPr lang="en-US" dirty="0">
-                <a:latin typeface="Courier New"/>
-                <a:cs typeface="Courier New"/>
-              </a:rPr>
-              <a:t>ACGATTATGCTTTGTTCAGTTAATTG</a:t>
-            </a:r>
-          </a:p>
-        </p:txBody>
-      </p:sp>
-      <p:sp>
-        <p:nvSpPr>
-          <p:cNvPr id="14" name="TextBox 13"/>
+              <a:rPr lang="en-US" dirty="0"/>
+              <a:t>in the sample DNA</a:t>
+            </a:r>
+          </a:p>
+        </p:txBody>
+      </p:sp>
+      <p:sp>
+        <p:nvSpPr>
+          <p:cNvPr id="19" name="TextBox 18"/>
           <p:cNvSpPr txBox="1"/>
           <p:nvPr/>
         </p:nvSpPr>
         <p:spPr>
           <a:xfrm>
-            <a:off x="3473670" y="2967335"/>
-            <a:ext cx="4986762" cy="461665"/>
+            <a:off x="1007540" y="2103239"/>
+            <a:ext cx="2313454" cy="461665"/>
           </a:xfrm>
           <a:prstGeom prst="rect">
             <a:avLst/>
@@ -15168,25 +15458,30 @@
           <a:lstStyle/>
           <a:p>
             <a:r>
-              <a:rPr lang="en-US" dirty="0">
-                <a:latin typeface="Courier New"/>
-                <a:cs typeface="Courier New"/>
-              </a:rPr>
-              <a:t>ACGACTACGCCTTGCCCAGTCAACTG</a:t>
-            </a:r>
-          </a:p>
-        </p:txBody>
-      </p:sp>
-      <p:sp>
-        <p:nvSpPr>
-          <p:cNvPr id="15" name="TextBox 14"/>
+              <a:rPr lang="en-US" dirty="0"/>
+              <a:t>bisulfite </a:t>
+            </a:r>
+            <a:r>
+              <a:rPr lang="en-US" dirty="0" err="1"/>
+              <a:t>seq</a:t>
+            </a:r>
+            <a:r>
+              <a:rPr lang="en-US" dirty="0"/>
+              <a:t> data</a:t>
+            </a:r>
+          </a:p>
+        </p:txBody>
+      </p:sp>
+      <p:sp>
+        <p:nvSpPr>
+          <p:cNvPr id="20" name="TextBox 19"/>
           <p:cNvSpPr txBox="1"/>
           <p:nvPr/>
         </p:nvSpPr>
         <p:spPr>
           <a:xfrm>
-            <a:off x="3473670" y="3861048"/>
-            <a:ext cx="4986762" cy="461665"/>
+            <a:off x="410969" y="2967335"/>
+            <a:ext cx="2864887" cy="461665"/>
           </a:xfrm>
           <a:prstGeom prst="rect">
             <a:avLst/>
@@ -15200,76 +15495,30 @@
           <a:lstStyle/>
           <a:p>
             <a:r>
-              <a:rPr lang="en-US" dirty="0">
-                <a:latin typeface="Courier New"/>
-                <a:cs typeface="Courier New"/>
-              </a:rPr>
-              <a:t>A</a:t>
-            </a:r>
-            <a:r>
-              <a:rPr lang="en-US" dirty="0">
-                <a:solidFill>
-                  <a:srgbClr val="FFFF00"/>
-                </a:solidFill>
-                <a:latin typeface="Courier New"/>
-                <a:cs typeface="Courier New"/>
-              </a:rPr>
-              <a:t>C</a:t>
-            </a:r>
-            <a:r>
-              <a:rPr lang="en-US" dirty="0">
-                <a:latin typeface="Courier New"/>
-                <a:cs typeface="Courier New"/>
-              </a:rPr>
-              <a:t>GACTACG</a:t>
-            </a:r>
-            <a:r>
-              <a:rPr lang="en-US" dirty="0">
-                <a:solidFill>
-                  <a:srgbClr val="FFFF00"/>
-                </a:solidFill>
-                <a:latin typeface="Courier New"/>
-                <a:cs typeface="Courier New"/>
-              </a:rPr>
-              <a:t>C</a:t>
-            </a:r>
-            <a:r>
-              <a:rPr lang="en-US" dirty="0">
-                <a:latin typeface="Courier New"/>
-                <a:cs typeface="Courier New"/>
-              </a:rPr>
-              <a:t>CTTGCC</a:t>
-            </a:r>
-            <a:r>
-              <a:rPr lang="en-US" dirty="0">
-                <a:solidFill>
-                  <a:srgbClr val="FFFF00"/>
-                </a:solidFill>
-                <a:latin typeface="Courier New"/>
-                <a:cs typeface="Courier New"/>
-              </a:rPr>
-              <a:t>C</a:t>
-            </a:r>
-            <a:r>
-              <a:rPr lang="en-US" dirty="0">
-                <a:latin typeface="Courier New"/>
-                <a:cs typeface="Courier New"/>
-              </a:rPr>
-              <a:t>AGTCAACTG</a:t>
-            </a:r>
-          </a:p>
-        </p:txBody>
-      </p:sp>
-      <p:sp>
-        <p:nvSpPr>
-          <p:cNvPr id="16" name="TextBox 15"/>
+              <a:rPr lang="en-US" dirty="0"/>
+              <a:t>input control </a:t>
+            </a:r>
+            <a:r>
+              <a:rPr lang="en-US" dirty="0" err="1"/>
+              <a:t>seq</a:t>
+            </a:r>
+            <a:r>
+              <a:rPr lang="en-US" dirty="0"/>
+              <a:t> data</a:t>
+            </a:r>
+          </a:p>
+        </p:txBody>
+      </p:sp>
+      <p:sp>
+        <p:nvSpPr>
+          <p:cNvPr id="21" name="TextBox 20"/>
           <p:cNvSpPr txBox="1"/>
           <p:nvPr/>
         </p:nvSpPr>
         <p:spPr>
           <a:xfrm>
-            <a:off x="3743844" y="1220716"/>
-            <a:ext cx="400145" cy="307777"/>
+            <a:off x="1691680" y="3861048"/>
+            <a:ext cx="1518114" cy="461665"/>
           </a:xfrm>
           <a:prstGeom prst="rect">
             <a:avLst/>
@@ -15283,9 +15532,38 @@
           <a:lstStyle/>
           <a:p>
             <a:r>
-              <a:rPr lang="en-US" sz="1400" dirty="0">
+              <a:rPr lang="en-US" dirty="0"/>
+              <a:t>conclusion</a:t>
+            </a:r>
+          </a:p>
+        </p:txBody>
+      </p:sp>
+      <p:sp>
+        <p:nvSpPr>
+          <p:cNvPr id="25" name="TextBox 24"/>
+          <p:cNvSpPr txBox="1"/>
+          <p:nvPr/>
+        </p:nvSpPr>
+        <p:spPr>
+          <a:xfrm>
+            <a:off x="3563888" y="3697287"/>
+            <a:ext cx="400145" cy="307777"/>
+          </a:xfrm>
+          <a:prstGeom prst="rect">
+            <a:avLst/>
+          </a:prstGeom>
+          <a:noFill/>
+        </p:spPr>
+        <p:txBody>
+          <a:bodyPr wrap="none" rtlCol="0">
+            <a:spAutoFit/>
+          </a:bodyPr>
+          <a:lstStyle/>
+          <a:p>
+            <a:r>
+              <a:rPr lang="en-US" sz="1400" b="1" dirty="0">
                 <a:solidFill>
-                  <a:srgbClr val="FFFF00"/>
+                  <a:srgbClr val="C00000"/>
                 </a:solidFill>
                 <a:latin typeface="Courier New"/>
                 <a:cs typeface="Courier New"/>
@@ -15297,13 +15575,13 @@
       </p:sp>
       <p:sp>
         <p:nvSpPr>
-          <p:cNvPr id="17" name="TextBox 16"/>
+          <p:cNvPr id="26" name="TextBox 25"/>
           <p:cNvSpPr txBox="1"/>
           <p:nvPr/>
         </p:nvSpPr>
         <p:spPr>
           <a:xfrm>
-            <a:off x="5220072" y="1196752"/>
+            <a:off x="4675911" y="3697287"/>
             <a:ext cx="400145" cy="307777"/>
           </a:xfrm>
           <a:prstGeom prst="rect">
@@ -15318,9 +15596,9 @@
           <a:lstStyle/>
           <a:p>
             <a:r>
-              <a:rPr lang="en-US" sz="1400" dirty="0">
+              <a:rPr lang="en-US" sz="1400" b="1" dirty="0">
                 <a:solidFill>
-                  <a:srgbClr val="FFFF00"/>
+                  <a:srgbClr val="C00000"/>
                 </a:solidFill>
                 <a:latin typeface="Courier New"/>
                 <a:cs typeface="Courier New"/>
@@ -15332,13 +15610,13 @@
       </p:sp>
       <p:sp>
         <p:nvSpPr>
-          <p:cNvPr id="18" name="TextBox 17"/>
+          <p:cNvPr id="27" name="TextBox 26"/>
           <p:cNvSpPr txBox="1"/>
           <p:nvPr/>
         </p:nvSpPr>
         <p:spPr>
           <a:xfrm>
-            <a:off x="6476111" y="1196752"/>
+            <a:off x="5612015" y="3697287"/>
             <a:ext cx="400145" cy="307777"/>
           </a:xfrm>
           <a:prstGeom prst="rect">
@@ -15353,9 +15631,9 @@
           <a:lstStyle/>
           <a:p>
             <a:r>
-              <a:rPr lang="en-US" sz="1400" dirty="0">
+              <a:rPr lang="en-US" sz="1400" b="1" dirty="0">
                 <a:solidFill>
-                  <a:srgbClr val="FFFF00"/>
+                  <a:srgbClr val="C00000"/>
                 </a:solidFill>
                 <a:latin typeface="Courier New"/>
                 <a:cs typeface="Courier New"/>
@@ -15365,252 +15643,17 @@
           </a:p>
         </p:txBody>
       </p:sp>
-      <p:sp>
-        <p:nvSpPr>
-          <p:cNvPr id="3" name="TextBox 2"/>
-          <p:cNvSpPr txBox="1"/>
-          <p:nvPr/>
-        </p:nvSpPr>
-        <p:spPr>
-          <a:xfrm>
-            <a:off x="705922" y="1340768"/>
-            <a:ext cx="2569934" cy="461665"/>
-          </a:xfrm>
-          <a:prstGeom prst="rect">
-            <a:avLst/>
-          </a:prstGeom>
-          <a:noFill/>
-        </p:spPr>
-        <p:txBody>
-          <a:bodyPr wrap="none" rtlCol="0">
-            <a:spAutoFit/>
-          </a:bodyPr>
-          <a:lstStyle/>
-          <a:p>
-            <a:r>
-              <a:rPr lang="en-US" dirty="0"/>
-              <a:t>in the sample DNA</a:t>
-            </a:r>
-          </a:p>
-        </p:txBody>
-      </p:sp>
-      <p:sp>
-        <p:nvSpPr>
-          <p:cNvPr id="19" name="TextBox 18"/>
-          <p:cNvSpPr txBox="1"/>
-          <p:nvPr/>
-        </p:nvSpPr>
-        <p:spPr>
-          <a:xfrm>
-            <a:off x="1007540" y="2103239"/>
-            <a:ext cx="2313454" cy="461665"/>
-          </a:xfrm>
-          <a:prstGeom prst="rect">
-            <a:avLst/>
-          </a:prstGeom>
-          <a:noFill/>
-        </p:spPr>
-        <p:txBody>
-          <a:bodyPr wrap="none" rtlCol="0">
-            <a:spAutoFit/>
-          </a:bodyPr>
-          <a:lstStyle/>
-          <a:p>
-            <a:r>
-              <a:rPr lang="en-US" dirty="0"/>
-              <a:t>bisulfite </a:t>
-            </a:r>
-            <a:r>
-              <a:rPr lang="en-US" dirty="0" err="1"/>
-              <a:t>seq</a:t>
-            </a:r>
-            <a:r>
-              <a:rPr lang="en-US" dirty="0"/>
-              <a:t> data</a:t>
-            </a:r>
-          </a:p>
-        </p:txBody>
-      </p:sp>
-      <p:sp>
-        <p:nvSpPr>
-          <p:cNvPr id="20" name="TextBox 19"/>
-          <p:cNvSpPr txBox="1"/>
-          <p:nvPr/>
-        </p:nvSpPr>
-        <p:spPr>
-          <a:xfrm>
-            <a:off x="410969" y="2967335"/>
-            <a:ext cx="2864887" cy="461665"/>
-          </a:xfrm>
-          <a:prstGeom prst="rect">
-            <a:avLst/>
-          </a:prstGeom>
-          <a:noFill/>
-        </p:spPr>
-        <p:txBody>
-          <a:bodyPr wrap="none" rtlCol="0">
-            <a:spAutoFit/>
-          </a:bodyPr>
-          <a:lstStyle/>
-          <a:p>
-            <a:r>
-              <a:rPr lang="en-US" dirty="0"/>
-              <a:t>input control </a:t>
-            </a:r>
-            <a:r>
-              <a:rPr lang="en-US" dirty="0" err="1"/>
-              <a:t>seq</a:t>
-            </a:r>
-            <a:r>
-              <a:rPr lang="en-US" dirty="0"/>
-              <a:t> data</a:t>
-            </a:r>
-          </a:p>
-        </p:txBody>
-      </p:sp>
-      <p:sp>
-        <p:nvSpPr>
-          <p:cNvPr id="21" name="TextBox 20"/>
-          <p:cNvSpPr txBox="1"/>
-          <p:nvPr/>
-        </p:nvSpPr>
-        <p:spPr>
-          <a:xfrm>
-            <a:off x="1691680" y="3861048"/>
-            <a:ext cx="1518114" cy="461665"/>
-          </a:xfrm>
-          <a:prstGeom prst="rect">
-            <a:avLst/>
-          </a:prstGeom>
-          <a:noFill/>
-        </p:spPr>
-        <p:txBody>
-          <a:bodyPr wrap="none" rtlCol="0">
-            <a:spAutoFit/>
-          </a:bodyPr>
-          <a:lstStyle/>
-          <a:p>
-            <a:r>
-              <a:rPr lang="en-US" dirty="0"/>
-              <a:t>conclusion</a:t>
-            </a:r>
-          </a:p>
-        </p:txBody>
-      </p:sp>
-      <p:sp>
-        <p:nvSpPr>
-          <p:cNvPr id="25" name="TextBox 24"/>
-          <p:cNvSpPr txBox="1"/>
-          <p:nvPr/>
-        </p:nvSpPr>
-        <p:spPr>
-          <a:xfrm>
-            <a:off x="3739807" y="3657006"/>
-            <a:ext cx="400145" cy="307777"/>
-          </a:xfrm>
-          <a:prstGeom prst="rect">
-            <a:avLst/>
-          </a:prstGeom>
-          <a:noFill/>
-        </p:spPr>
-        <p:txBody>
-          <a:bodyPr wrap="none" rtlCol="0">
-            <a:spAutoFit/>
-          </a:bodyPr>
-          <a:lstStyle/>
-          <a:p>
-            <a:r>
-              <a:rPr lang="en-US" sz="1400" dirty="0">
-                <a:solidFill>
-                  <a:srgbClr val="FFFF00"/>
-                </a:solidFill>
-                <a:latin typeface="Courier New"/>
-                <a:cs typeface="Courier New"/>
-              </a:rPr>
-              <a:t>Me</a:t>
-            </a:r>
-          </a:p>
-        </p:txBody>
-      </p:sp>
-      <p:sp>
-        <p:nvSpPr>
-          <p:cNvPr id="26" name="TextBox 25"/>
-          <p:cNvSpPr txBox="1"/>
-          <p:nvPr/>
-        </p:nvSpPr>
-        <p:spPr>
-          <a:xfrm>
-            <a:off x="5220072" y="3657006"/>
-            <a:ext cx="400145" cy="307777"/>
-          </a:xfrm>
-          <a:prstGeom prst="rect">
-            <a:avLst/>
-          </a:prstGeom>
-          <a:noFill/>
-        </p:spPr>
-        <p:txBody>
-          <a:bodyPr wrap="none" rtlCol="0">
-            <a:spAutoFit/>
-          </a:bodyPr>
-          <a:lstStyle/>
-          <a:p>
-            <a:r>
-              <a:rPr lang="en-US" sz="1400" dirty="0">
-                <a:solidFill>
-                  <a:srgbClr val="FFFF00"/>
-                </a:solidFill>
-                <a:latin typeface="Courier New"/>
-                <a:cs typeface="Courier New"/>
-              </a:rPr>
-              <a:t>Me</a:t>
-            </a:r>
-          </a:p>
-        </p:txBody>
-      </p:sp>
-      <p:sp>
-        <p:nvSpPr>
-          <p:cNvPr id="27" name="TextBox 26"/>
-          <p:cNvSpPr txBox="1"/>
-          <p:nvPr/>
-        </p:nvSpPr>
-        <p:spPr>
-          <a:xfrm>
-            <a:off x="6476111" y="3657006"/>
-            <a:ext cx="400145" cy="307777"/>
-          </a:xfrm>
-          <a:prstGeom prst="rect">
-            <a:avLst/>
-          </a:prstGeom>
-          <a:noFill/>
-        </p:spPr>
-        <p:txBody>
-          <a:bodyPr wrap="none" rtlCol="0">
-            <a:spAutoFit/>
-          </a:bodyPr>
-          <a:lstStyle/>
-          <a:p>
-            <a:r>
-              <a:rPr lang="en-US" sz="1400" dirty="0">
-                <a:solidFill>
-                  <a:srgbClr val="FFFF00"/>
-                </a:solidFill>
-                <a:latin typeface="Courier New"/>
-                <a:cs typeface="Courier New"/>
-              </a:rPr>
-              <a:t>Me</a:t>
-            </a:r>
-          </a:p>
-        </p:txBody>
-      </p:sp>
       <p:cxnSp>
         <p:nvCxnSpPr>
           <p:cNvPr id="28" name="Straight Connector 27"/>
-          <p:cNvCxnSpPr/>
+          <p:cNvCxnSpPr>
+            <a:cxnSpLocks/>
+          </p:cNvCxnSpPr>
           <p:nvPr/>
         </p:nvCxnSpPr>
         <p:spPr bwMode="auto">
           <a:xfrm>
-            <a:off x="3851920" y="2564904"/>
+            <a:off x="3779912" y="2492896"/>
             <a:ext cx="0" cy="504056"/>
           </a:xfrm>
           <a:prstGeom prst="line">
@@ -15619,9 +15662,9 @@
           <a:solidFill>
             <a:schemeClr val="accent1"/>
           </a:solidFill>
-          <a:ln w="9525" cap="flat" cmpd="sng" algn="ctr">
+          <a:ln w="19050" cap="flat" cmpd="sng" algn="ctr">
             <a:solidFill>
-              <a:srgbClr val="FFFF00"/>
+              <a:srgbClr val="C00000"/>
             </a:solidFill>
             <a:prstDash val="solid"/>
             <a:round/>
@@ -15634,12 +15677,14 @@
       <p:cxnSp>
         <p:nvCxnSpPr>
           <p:cNvPr id="30" name="Straight Connector 29"/>
-          <p:cNvCxnSpPr/>
+          <p:cNvCxnSpPr>
+            <a:cxnSpLocks/>
+          </p:cNvCxnSpPr>
           <p:nvPr/>
         </p:nvCxnSpPr>
         <p:spPr bwMode="auto">
           <a:xfrm>
-            <a:off x="4392044" y="3429000"/>
+            <a:off x="4139952" y="3429000"/>
             <a:ext cx="0" cy="504056"/>
           </a:xfrm>
           <a:prstGeom prst="line">
@@ -15663,12 +15708,14 @@
       <p:cxnSp>
         <p:nvCxnSpPr>
           <p:cNvPr id="31" name="Straight Connector 30"/>
-          <p:cNvCxnSpPr/>
+          <p:cNvCxnSpPr>
+            <a:cxnSpLocks/>
+          </p:cNvCxnSpPr>
           <p:nvPr/>
         </p:nvCxnSpPr>
         <p:spPr bwMode="auto">
           <a:xfrm>
-            <a:off x="4572000" y="2564904"/>
+            <a:off x="4283968" y="2492896"/>
             <a:ext cx="0" cy="504056"/>
           </a:xfrm>
           <a:prstGeom prst="line">
@@ -15692,12 +15739,14 @@
       <p:cxnSp>
         <p:nvCxnSpPr>
           <p:cNvPr id="32" name="Straight Connector 31"/>
-          <p:cNvCxnSpPr/>
+          <p:cNvCxnSpPr>
+            <a:cxnSpLocks/>
+          </p:cNvCxnSpPr>
           <p:nvPr/>
         </p:nvCxnSpPr>
         <p:spPr bwMode="auto">
           <a:xfrm>
-            <a:off x="4572000" y="3429000"/>
+            <a:off x="4283968" y="3429000"/>
             <a:ext cx="0" cy="504056"/>
           </a:xfrm>
           <a:prstGeom prst="line">
@@ -15721,12 +15770,14 @@
       <p:cxnSp>
         <p:nvCxnSpPr>
           <p:cNvPr id="33" name="Straight Connector 32"/>
-          <p:cNvCxnSpPr/>
+          <p:cNvCxnSpPr>
+            <a:cxnSpLocks/>
+          </p:cNvCxnSpPr>
           <p:nvPr/>
         </p:nvCxnSpPr>
         <p:spPr bwMode="auto">
           <a:xfrm>
-            <a:off x="4932040" y="2564904"/>
+            <a:off x="4572000" y="2492896"/>
             <a:ext cx="0" cy="504056"/>
           </a:xfrm>
           <a:prstGeom prst="line">
@@ -15750,12 +15801,14 @@
       <p:cxnSp>
         <p:nvCxnSpPr>
           <p:cNvPr id="34" name="Straight Connector 33"/>
-          <p:cNvCxnSpPr/>
+          <p:cNvCxnSpPr>
+            <a:cxnSpLocks/>
+          </p:cNvCxnSpPr>
           <p:nvPr/>
         </p:nvCxnSpPr>
         <p:spPr bwMode="auto">
           <a:xfrm>
-            <a:off x="4932040" y="3429000"/>
+            <a:off x="4572000" y="3429000"/>
             <a:ext cx="0" cy="504056"/>
           </a:xfrm>
           <a:prstGeom prst="line">
@@ -15779,12 +15832,14 @@
       <p:cxnSp>
         <p:nvCxnSpPr>
           <p:cNvPr id="35" name="Straight Connector 34"/>
-          <p:cNvCxnSpPr/>
+          <p:cNvCxnSpPr>
+            <a:cxnSpLocks/>
+          </p:cNvCxnSpPr>
           <p:nvPr/>
         </p:nvCxnSpPr>
         <p:spPr bwMode="auto">
           <a:xfrm>
-            <a:off x="5484144" y="2564904"/>
+            <a:off x="5004048" y="2492896"/>
             <a:ext cx="0" cy="504056"/>
           </a:xfrm>
           <a:prstGeom prst="line">
@@ -15808,12 +15863,14 @@
       <p:cxnSp>
         <p:nvCxnSpPr>
           <p:cNvPr id="37" name="Straight Connector 36"/>
-          <p:cNvCxnSpPr/>
+          <p:cNvCxnSpPr>
+            <a:cxnSpLocks/>
+          </p:cNvCxnSpPr>
           <p:nvPr/>
         </p:nvCxnSpPr>
         <p:spPr bwMode="auto">
           <a:xfrm>
-            <a:off x="5660504" y="2564904"/>
+            <a:off x="5148064" y="2492896"/>
             <a:ext cx="0" cy="504056"/>
           </a:xfrm>
           <a:prstGeom prst="line">
@@ -15837,12 +15894,14 @@
       <p:cxnSp>
         <p:nvCxnSpPr>
           <p:cNvPr id="38" name="Straight Connector 37"/>
-          <p:cNvCxnSpPr/>
+          <p:cNvCxnSpPr>
+            <a:cxnSpLocks/>
+          </p:cNvCxnSpPr>
           <p:nvPr/>
         </p:nvCxnSpPr>
         <p:spPr bwMode="auto">
           <a:xfrm>
-            <a:off x="5844184" y="2564904"/>
+            <a:off x="5292080" y="2492896"/>
             <a:ext cx="0" cy="504056"/>
           </a:xfrm>
           <a:prstGeom prst="line">
@@ -15866,12 +15925,14 @@
       <p:cxnSp>
         <p:nvCxnSpPr>
           <p:cNvPr id="39" name="Straight Connector 38"/>
-          <p:cNvCxnSpPr/>
+          <p:cNvCxnSpPr>
+            <a:cxnSpLocks/>
+          </p:cNvCxnSpPr>
           <p:nvPr/>
         </p:nvCxnSpPr>
         <p:spPr bwMode="auto">
           <a:xfrm>
-            <a:off x="5652120" y="3429000"/>
+            <a:off x="5148064" y="3429000"/>
             <a:ext cx="0" cy="504056"/>
           </a:xfrm>
           <a:prstGeom prst="line">
@@ -15895,12 +15956,14 @@
       <p:cxnSp>
         <p:nvCxnSpPr>
           <p:cNvPr id="40" name="Straight Connector 39"/>
-          <p:cNvCxnSpPr/>
+          <p:cNvCxnSpPr>
+            <a:cxnSpLocks/>
+          </p:cNvCxnSpPr>
           <p:nvPr/>
         </p:nvCxnSpPr>
         <p:spPr bwMode="auto">
           <a:xfrm>
-            <a:off x="5844184" y="3429000"/>
+            <a:off x="5292080" y="3429000"/>
             <a:ext cx="0" cy="504056"/>
           </a:xfrm>
           <a:prstGeom prst="line">
@@ -15924,12 +15987,14 @@
       <p:cxnSp>
         <p:nvCxnSpPr>
           <p:cNvPr id="41" name="Straight Connector 40"/>
-          <p:cNvCxnSpPr/>
+          <p:cNvCxnSpPr>
+            <a:cxnSpLocks/>
+          </p:cNvCxnSpPr>
           <p:nvPr/>
         </p:nvCxnSpPr>
         <p:spPr bwMode="auto">
           <a:xfrm>
-            <a:off x="6228184" y="2552806"/>
+            <a:off x="5508104" y="2492896"/>
             <a:ext cx="0" cy="504056"/>
           </a:xfrm>
           <a:prstGeom prst="line">
@@ -15953,12 +16018,14 @@
       <p:cxnSp>
         <p:nvCxnSpPr>
           <p:cNvPr id="42" name="Straight Connector 41"/>
-          <p:cNvCxnSpPr/>
+          <p:cNvCxnSpPr>
+            <a:cxnSpLocks/>
+          </p:cNvCxnSpPr>
           <p:nvPr/>
         </p:nvCxnSpPr>
         <p:spPr bwMode="auto">
           <a:xfrm>
-            <a:off x="6404544" y="2564904"/>
+            <a:off x="5684464" y="2504994"/>
             <a:ext cx="0" cy="504056"/>
           </a:xfrm>
           <a:prstGeom prst="line">
@@ -15982,12 +16049,14 @@
       <p:cxnSp>
         <p:nvCxnSpPr>
           <p:cNvPr id="43" name="Straight Connector 42"/>
-          <p:cNvCxnSpPr/>
+          <p:cNvCxnSpPr>
+            <a:cxnSpLocks/>
+          </p:cNvCxnSpPr>
           <p:nvPr/>
         </p:nvCxnSpPr>
         <p:spPr bwMode="auto">
           <a:xfrm>
-            <a:off x="6228184" y="3429000"/>
+            <a:off x="5508104" y="3429000"/>
             <a:ext cx="0" cy="504056"/>
           </a:xfrm>
           <a:prstGeom prst="line">
@@ -16011,12 +16080,14 @@
       <p:cxnSp>
         <p:nvCxnSpPr>
           <p:cNvPr id="44" name="Straight Connector 43"/>
-          <p:cNvCxnSpPr/>
+          <p:cNvCxnSpPr>
+            <a:cxnSpLocks/>
+          </p:cNvCxnSpPr>
           <p:nvPr/>
         </p:nvCxnSpPr>
         <p:spPr bwMode="auto">
           <a:xfrm>
-            <a:off x="6396288" y="3429000"/>
+            <a:off x="5684464" y="3429000"/>
             <a:ext cx="0" cy="504056"/>
           </a:xfrm>
           <a:prstGeom prst="line">
@@ -16040,12 +16111,14 @@
       <p:cxnSp>
         <p:nvCxnSpPr>
           <p:cNvPr id="45" name="Straight Connector 44"/>
-          <p:cNvCxnSpPr/>
+          <p:cNvCxnSpPr>
+            <a:cxnSpLocks/>
+          </p:cNvCxnSpPr>
           <p:nvPr/>
         </p:nvCxnSpPr>
         <p:spPr bwMode="auto">
           <a:xfrm>
-            <a:off x="7128348" y="2552922"/>
+            <a:off x="6180264" y="2480914"/>
             <a:ext cx="0" cy="504056"/>
           </a:xfrm>
           <a:prstGeom prst="line">
@@ -16069,12 +16142,14 @@
       <p:cxnSp>
         <p:nvCxnSpPr>
           <p:cNvPr id="46" name="Straight Connector 45"/>
-          <p:cNvCxnSpPr/>
+          <p:cNvCxnSpPr>
+            <a:cxnSpLocks/>
+          </p:cNvCxnSpPr>
           <p:nvPr/>
         </p:nvCxnSpPr>
         <p:spPr bwMode="auto">
           <a:xfrm>
-            <a:off x="7308304" y="2552922"/>
+            <a:off x="6360220" y="2480914"/>
             <a:ext cx="0" cy="504056"/>
           </a:xfrm>
           <a:prstGeom prst="line">
@@ -16098,12 +16173,14 @@
       <p:cxnSp>
         <p:nvCxnSpPr>
           <p:cNvPr id="47" name="Straight Connector 46"/>
-          <p:cNvCxnSpPr/>
+          <p:cNvCxnSpPr>
+            <a:cxnSpLocks/>
+          </p:cNvCxnSpPr>
           <p:nvPr/>
         </p:nvCxnSpPr>
         <p:spPr bwMode="auto">
           <a:xfrm>
-            <a:off x="7128220" y="3429000"/>
+            <a:off x="6180264" y="3429000"/>
             <a:ext cx="0" cy="504056"/>
           </a:xfrm>
           <a:prstGeom prst="line">
@@ -16127,12 +16204,14 @@
       <p:cxnSp>
         <p:nvCxnSpPr>
           <p:cNvPr id="48" name="Straight Connector 47"/>
-          <p:cNvCxnSpPr/>
+          <p:cNvCxnSpPr>
+            <a:cxnSpLocks/>
+          </p:cNvCxnSpPr>
           <p:nvPr/>
         </p:nvCxnSpPr>
         <p:spPr bwMode="auto">
           <a:xfrm>
-            <a:off x="7316560" y="3429000"/>
+            <a:off x="6360220" y="3429000"/>
             <a:ext cx="0" cy="504056"/>
           </a:xfrm>
           <a:prstGeom prst="line">
@@ -16156,12 +16235,14 @@
       <p:cxnSp>
         <p:nvCxnSpPr>
           <p:cNvPr id="49" name="Straight Connector 48"/>
-          <p:cNvCxnSpPr/>
+          <p:cNvCxnSpPr>
+            <a:cxnSpLocks/>
+          </p:cNvCxnSpPr>
           <p:nvPr/>
         </p:nvCxnSpPr>
         <p:spPr bwMode="auto">
           <a:xfrm>
-            <a:off x="7860408" y="2564904"/>
+            <a:off x="6768308" y="2492896"/>
             <a:ext cx="0" cy="504056"/>
           </a:xfrm>
           <a:prstGeom prst="line">
@@ -16185,12 +16266,14 @@
       <p:cxnSp>
         <p:nvCxnSpPr>
           <p:cNvPr id="50" name="Straight Connector 49"/>
-          <p:cNvCxnSpPr/>
+          <p:cNvCxnSpPr>
+            <a:cxnSpLocks/>
+          </p:cNvCxnSpPr>
           <p:nvPr/>
         </p:nvCxnSpPr>
         <p:spPr bwMode="auto">
           <a:xfrm>
-            <a:off x="8040364" y="2552922"/>
+            <a:off x="6948264" y="2480914"/>
             <a:ext cx="0" cy="504056"/>
           </a:xfrm>
           <a:prstGeom prst="line">
@@ -16214,12 +16297,14 @@
       <p:cxnSp>
         <p:nvCxnSpPr>
           <p:cNvPr id="51" name="Straight Connector 50"/>
-          <p:cNvCxnSpPr/>
+          <p:cNvCxnSpPr>
+            <a:cxnSpLocks/>
+          </p:cNvCxnSpPr>
           <p:nvPr/>
         </p:nvCxnSpPr>
         <p:spPr bwMode="auto">
           <a:xfrm>
-            <a:off x="7860408" y="3429000"/>
+            <a:off x="6768308" y="3429000"/>
             <a:ext cx="0" cy="504056"/>
           </a:xfrm>
           <a:prstGeom prst="line">
@@ -16243,12 +16328,14 @@
       <p:cxnSp>
         <p:nvCxnSpPr>
           <p:cNvPr id="52" name="Straight Connector 51"/>
-          <p:cNvCxnSpPr/>
+          <p:cNvCxnSpPr>
+            <a:cxnSpLocks/>
+          </p:cNvCxnSpPr>
           <p:nvPr/>
         </p:nvCxnSpPr>
         <p:spPr bwMode="auto">
           <a:xfrm>
-            <a:off x="8048748" y="3429000"/>
+            <a:off x="6948264" y="3429000"/>
             <a:ext cx="0" cy="504056"/>
           </a:xfrm>
           <a:prstGeom prst="line">
@@ -16277,7 +16364,7 @@
         </p:nvSpPr>
         <p:spPr>
           <a:xfrm>
-            <a:off x="107504" y="6156592"/>
+            <a:off x="107504" y="5949280"/>
             <a:ext cx="9036496" cy="584776"/>
           </a:xfrm>
           <a:prstGeom prst="rect">
@@ -16362,12 +16449,14 @@
       <p:cxnSp>
         <p:nvCxnSpPr>
           <p:cNvPr id="57" name="Straight Connector 56"/>
-          <p:cNvCxnSpPr/>
+          <p:cNvCxnSpPr>
+            <a:cxnSpLocks/>
+          </p:cNvCxnSpPr>
           <p:nvPr/>
         </p:nvCxnSpPr>
         <p:spPr bwMode="auto">
           <a:xfrm>
-            <a:off x="3851920" y="3429000"/>
+            <a:off x="3779912" y="3429000"/>
             <a:ext cx="0" cy="288032"/>
           </a:xfrm>
           <a:prstGeom prst="line">
@@ -16376,9 +16465,9 @@
           <a:solidFill>
             <a:schemeClr val="accent1"/>
           </a:solidFill>
-          <a:ln w="9525" cap="flat" cmpd="sng" algn="ctr">
+          <a:ln w="19050" cap="flat" cmpd="sng" algn="ctr">
             <a:solidFill>
-              <a:srgbClr val="FFFF00"/>
+              <a:srgbClr val="C00000"/>
             </a:solidFill>
             <a:prstDash val="solid"/>
             <a:round/>
@@ -16391,12 +16480,14 @@
       <p:cxnSp>
         <p:nvCxnSpPr>
           <p:cNvPr id="58" name="Straight Connector 57"/>
-          <p:cNvCxnSpPr/>
+          <p:cNvCxnSpPr>
+            <a:cxnSpLocks/>
+          </p:cNvCxnSpPr>
           <p:nvPr/>
         </p:nvCxnSpPr>
         <p:spPr bwMode="auto">
           <a:xfrm>
-            <a:off x="5484144" y="3429000"/>
+            <a:off x="5004048" y="3429000"/>
             <a:ext cx="0" cy="288032"/>
           </a:xfrm>
           <a:prstGeom prst="line">
@@ -16420,12 +16511,14 @@
       <p:cxnSp>
         <p:nvCxnSpPr>
           <p:cNvPr id="59" name="Straight Connector 58"/>
-          <p:cNvCxnSpPr/>
+          <p:cNvCxnSpPr>
+            <a:cxnSpLocks/>
+          </p:cNvCxnSpPr>
           <p:nvPr/>
         </p:nvCxnSpPr>
         <p:spPr bwMode="auto">
           <a:xfrm>
-            <a:off x="5316040" y="3429000"/>
+            <a:off x="4860032" y="3429000"/>
             <a:ext cx="0" cy="288032"/>
           </a:xfrm>
           <a:prstGeom prst="line">
@@ -16434,9 +16527,9 @@
           <a:solidFill>
             <a:schemeClr val="accent1"/>
           </a:solidFill>
-          <a:ln w="9525" cap="flat" cmpd="sng" algn="ctr">
+          <a:ln w="19050" cap="flat" cmpd="sng" algn="ctr">
             <a:solidFill>
-              <a:srgbClr val="FFFF00"/>
+              <a:srgbClr val="C00000"/>
             </a:solidFill>
             <a:prstDash val="solid"/>
             <a:round/>
@@ -16449,12 +16542,14 @@
       <p:cxnSp>
         <p:nvCxnSpPr>
           <p:cNvPr id="60" name="Straight Connector 59"/>
-          <p:cNvCxnSpPr/>
+          <p:cNvCxnSpPr>
+            <a:cxnSpLocks/>
+          </p:cNvCxnSpPr>
           <p:nvPr/>
         </p:nvCxnSpPr>
         <p:spPr bwMode="auto">
           <a:xfrm>
-            <a:off x="6600204" y="3429000"/>
+            <a:off x="5796136" y="3429000"/>
             <a:ext cx="0" cy="288032"/>
           </a:xfrm>
           <a:prstGeom prst="line">
@@ -16463,9 +16558,9 @@
           <a:solidFill>
             <a:schemeClr val="accent1"/>
           </a:solidFill>
-          <a:ln w="9525" cap="flat" cmpd="sng" algn="ctr">
+          <a:ln w="19050" cap="flat" cmpd="sng" algn="ctr">
             <a:solidFill>
-              <a:srgbClr val="FFFF00"/>
+              <a:srgbClr val="C00000"/>
             </a:solidFill>
             <a:prstDash val="solid"/>
             <a:round/>
@@ -16478,12 +16573,14 @@
       <p:cxnSp>
         <p:nvCxnSpPr>
           <p:cNvPr id="61" name="Straight Connector 60"/>
-          <p:cNvCxnSpPr/>
+          <p:cNvCxnSpPr>
+            <a:cxnSpLocks/>
+          </p:cNvCxnSpPr>
           <p:nvPr/>
         </p:nvCxnSpPr>
         <p:spPr bwMode="auto">
           <a:xfrm>
-            <a:off x="4404024" y="2564904"/>
+            <a:off x="4139952" y="2492896"/>
             <a:ext cx="0" cy="504056"/>
           </a:xfrm>
           <a:prstGeom prst="line">
@@ -16507,12 +16604,14 @@
       <p:cxnSp>
         <p:nvCxnSpPr>
           <p:cNvPr id="62" name="Straight Connector 61"/>
-          <p:cNvCxnSpPr/>
+          <p:cNvCxnSpPr>
+            <a:cxnSpLocks/>
+          </p:cNvCxnSpPr>
           <p:nvPr/>
         </p:nvCxnSpPr>
         <p:spPr bwMode="auto">
           <a:xfrm>
-            <a:off x="5292080" y="2564904"/>
+            <a:off x="4860032" y="2492896"/>
             <a:ext cx="0" cy="504056"/>
           </a:xfrm>
           <a:prstGeom prst="line">
@@ -16521,9 +16620,9 @@
           <a:solidFill>
             <a:schemeClr val="accent1"/>
           </a:solidFill>
-          <a:ln w="9525" cap="flat" cmpd="sng" algn="ctr">
+          <a:ln w="19050" cap="flat" cmpd="sng" algn="ctr">
             <a:solidFill>
-              <a:srgbClr val="FFFF00"/>
+              <a:srgbClr val="C00000"/>
             </a:solidFill>
             <a:prstDash val="solid"/>
             <a:round/>
@@ -16536,12 +16635,14 @@
       <p:cxnSp>
         <p:nvCxnSpPr>
           <p:cNvPr id="63" name="Straight Connector 62"/>
-          <p:cNvCxnSpPr/>
+          <p:cNvCxnSpPr>
+            <a:cxnSpLocks/>
+          </p:cNvCxnSpPr>
           <p:nvPr/>
         </p:nvCxnSpPr>
         <p:spPr bwMode="auto">
           <a:xfrm>
-            <a:off x="6588224" y="2564904"/>
+            <a:off x="5796136" y="2492896"/>
             <a:ext cx="0" cy="504056"/>
           </a:xfrm>
           <a:prstGeom prst="line">
@@ -16550,9 +16651,9 @@
           <a:solidFill>
             <a:schemeClr val="accent1"/>
           </a:solidFill>
-          <a:ln w="9525" cap="flat" cmpd="sng" algn="ctr">
+          <a:ln w="19050" cap="flat" cmpd="sng" algn="ctr">
             <a:solidFill>
-              <a:srgbClr val="FFFF00"/>
+              <a:srgbClr val="C00000"/>
             </a:solidFill>
             <a:prstDash val="solid"/>
             <a:round/>
@@ -16562,6 +16663,274 @@
           <a:effectLst/>
         </p:spPr>
       </p:cxnSp>
+      <p:sp>
+        <p:nvSpPr>
+          <p:cNvPr id="6" name="Rectangle 2">
+            <a:extLst>
+              <a:ext uri="{FF2B5EF4-FFF2-40B4-BE49-F238E27FC236}">
+                <a16:creationId xmlns:a16="http://schemas.microsoft.com/office/drawing/2014/main" id="{5327102F-47C5-8151-D51C-BEE415252112}"/>
+              </a:ext>
+            </a:extLst>
+          </p:cNvPr>
+          <p:cNvSpPr txBox="1">
+            <a:spLocks noChangeArrowheads="1"/>
+          </p:cNvSpPr>
+          <p:nvPr/>
+        </p:nvSpPr>
+        <p:spPr>
+          <a:xfrm>
+            <a:off x="323528" y="-171400"/>
+            <a:ext cx="8568952" cy="1211362"/>
+          </a:xfrm>
+          <a:prstGeom prst="rect">
+            <a:avLst/>
+          </a:prstGeom>
+        </p:spPr>
+        <p:txBody>
+          <a:bodyPr vert="horz" lIns="91440" tIns="45720" rIns="91440" bIns="45720" rtlCol="0" anchor="b">
+            <a:normAutofit/>
+          </a:bodyPr>
+          <a:lstStyle>
+            <a:lvl1pPr algn="ctr" defTabSz="685800" rtl="0" eaLnBrk="1" latinLnBrk="0" hangingPunct="1">
+              <a:lnSpc>
+                <a:spcPct val="90000"/>
+              </a:lnSpc>
+              <a:spcBef>
+                <a:spcPct val="0"/>
+              </a:spcBef>
+              <a:buNone/>
+              <a:defRPr sz="4500" kern="1200">
+                <a:solidFill>
+                  <a:schemeClr val="tx1"/>
+                </a:solidFill>
+                <a:latin typeface="+mj-lt"/>
+                <a:ea typeface="+mj-ea"/>
+                <a:cs typeface="+mj-cs"/>
+              </a:defRPr>
+            </a:lvl1pPr>
+          </a:lstStyle>
+          <a:p>
+            <a:pPr algn="l"/>
+            <a:r>
+              <a:rPr lang="en-US" sz="3200" b="1"/>
+              <a:t>Bisulfite-Seq</a:t>
+            </a:r>
+            <a:endParaRPr lang="en-US" sz="3200" dirty="0"/>
+          </a:p>
+        </p:txBody>
+      </p:sp>
+      <p:sp>
+        <p:nvSpPr>
+          <p:cNvPr id="7" name="TextBox 6">
+            <a:extLst>
+              <a:ext uri="{FF2B5EF4-FFF2-40B4-BE49-F238E27FC236}">
+                <a16:creationId xmlns:a16="http://schemas.microsoft.com/office/drawing/2014/main" id="{63F798F3-595E-109B-A50F-681AA806C3B6}"/>
+              </a:ext>
+            </a:extLst>
+          </p:cNvPr>
+          <p:cNvSpPr txBox="1"/>
+          <p:nvPr/>
+        </p:nvSpPr>
+        <p:spPr>
+          <a:xfrm>
+            <a:off x="3473670" y="1311151"/>
+            <a:ext cx="3768980" cy="369332"/>
+          </a:xfrm>
+          <a:prstGeom prst="rect">
+            <a:avLst/>
+          </a:prstGeom>
+          <a:noFill/>
+        </p:spPr>
+        <p:txBody>
+          <a:bodyPr wrap="none" rtlCol="0">
+            <a:spAutoFit/>
+          </a:bodyPr>
+          <a:lstStyle/>
+          <a:p>
+            <a:r>
+              <a:rPr lang="en-US" dirty="0">
+                <a:latin typeface="Courier New"/>
+                <a:cs typeface="Courier New"/>
+              </a:rPr>
+              <a:t>A</a:t>
+            </a:r>
+            <a:r>
+              <a:rPr lang="en-US" b="1" dirty="0">
+                <a:solidFill>
+                  <a:srgbClr val="C00000"/>
+                </a:solidFill>
+                <a:latin typeface="Courier New"/>
+                <a:cs typeface="Courier New"/>
+              </a:rPr>
+              <a:t>C</a:t>
+            </a:r>
+            <a:r>
+              <a:rPr lang="en-US" dirty="0">
+                <a:latin typeface="Courier New"/>
+                <a:cs typeface="Courier New"/>
+              </a:rPr>
+              <a:t>GACTACG</a:t>
+            </a:r>
+            <a:r>
+              <a:rPr lang="en-US" b="1" dirty="0">
+                <a:solidFill>
+                  <a:srgbClr val="C00000"/>
+                </a:solidFill>
+                <a:latin typeface="Courier New"/>
+                <a:cs typeface="Courier New"/>
+              </a:rPr>
+              <a:t>C</a:t>
+            </a:r>
+            <a:r>
+              <a:rPr lang="en-US" dirty="0">
+                <a:latin typeface="Courier New"/>
+                <a:cs typeface="Courier New"/>
+              </a:rPr>
+              <a:t>CTTGCC</a:t>
+            </a:r>
+            <a:r>
+              <a:rPr lang="en-US" b="1" dirty="0">
+                <a:solidFill>
+                  <a:srgbClr val="C00000"/>
+                </a:solidFill>
+                <a:latin typeface="Courier New"/>
+                <a:cs typeface="Courier New"/>
+              </a:rPr>
+              <a:t>C</a:t>
+            </a:r>
+            <a:r>
+              <a:rPr lang="en-US" dirty="0">
+                <a:latin typeface="Courier New"/>
+                <a:cs typeface="Courier New"/>
+              </a:rPr>
+              <a:t>AGTCAACTG</a:t>
+            </a:r>
+          </a:p>
+        </p:txBody>
+      </p:sp>
+      <p:sp>
+        <p:nvSpPr>
+          <p:cNvPr id="8" name="TextBox 7">
+            <a:extLst>
+              <a:ext uri="{FF2B5EF4-FFF2-40B4-BE49-F238E27FC236}">
+                <a16:creationId xmlns:a16="http://schemas.microsoft.com/office/drawing/2014/main" id="{5624A1CC-35D6-8F9C-DF7C-51A02A1012FE}"/>
+              </a:ext>
+            </a:extLst>
+          </p:cNvPr>
+          <p:cNvSpPr txBox="1"/>
+          <p:nvPr/>
+        </p:nvSpPr>
+        <p:spPr>
+          <a:xfrm>
+            <a:off x="3595791" y="1196752"/>
+            <a:ext cx="400145" cy="307777"/>
+          </a:xfrm>
+          <a:prstGeom prst="rect">
+            <a:avLst/>
+          </a:prstGeom>
+          <a:noFill/>
+        </p:spPr>
+        <p:txBody>
+          <a:bodyPr wrap="none" rtlCol="0">
+            <a:spAutoFit/>
+          </a:bodyPr>
+          <a:lstStyle/>
+          <a:p>
+            <a:r>
+              <a:rPr lang="en-US" sz="1400" b="1" dirty="0">
+                <a:solidFill>
+                  <a:srgbClr val="C00000"/>
+                </a:solidFill>
+                <a:latin typeface="Courier New"/>
+                <a:cs typeface="Courier New"/>
+              </a:rPr>
+              <a:t>Me</a:t>
+            </a:r>
+          </a:p>
+        </p:txBody>
+      </p:sp>
+      <p:sp>
+        <p:nvSpPr>
+          <p:cNvPr id="10" name="TextBox 9">
+            <a:extLst>
+              <a:ext uri="{FF2B5EF4-FFF2-40B4-BE49-F238E27FC236}">
+                <a16:creationId xmlns:a16="http://schemas.microsoft.com/office/drawing/2014/main" id="{ECE1ED9F-8F9D-02F1-BBA2-53AF3E079437}"/>
+              </a:ext>
+            </a:extLst>
+          </p:cNvPr>
+          <p:cNvSpPr txBox="1"/>
+          <p:nvPr/>
+        </p:nvSpPr>
+        <p:spPr>
+          <a:xfrm>
+            <a:off x="4675911" y="1196752"/>
+            <a:ext cx="400145" cy="307777"/>
+          </a:xfrm>
+          <a:prstGeom prst="rect">
+            <a:avLst/>
+          </a:prstGeom>
+          <a:noFill/>
+        </p:spPr>
+        <p:txBody>
+          <a:bodyPr wrap="none" rtlCol="0">
+            <a:spAutoFit/>
+          </a:bodyPr>
+          <a:lstStyle/>
+          <a:p>
+            <a:r>
+              <a:rPr lang="en-US" sz="1400" b="1" dirty="0">
+                <a:solidFill>
+                  <a:srgbClr val="C00000"/>
+                </a:solidFill>
+                <a:latin typeface="Courier New"/>
+                <a:cs typeface="Courier New"/>
+              </a:rPr>
+              <a:t>Me</a:t>
+            </a:r>
+          </a:p>
+        </p:txBody>
+      </p:sp>
+      <p:sp>
+        <p:nvSpPr>
+          <p:cNvPr id="11" name="TextBox 10">
+            <a:extLst>
+              <a:ext uri="{FF2B5EF4-FFF2-40B4-BE49-F238E27FC236}">
+                <a16:creationId xmlns:a16="http://schemas.microsoft.com/office/drawing/2014/main" id="{63C47265-A925-99E2-FE9F-BA3CE7DC61C4}"/>
+              </a:ext>
+            </a:extLst>
+          </p:cNvPr>
+          <p:cNvSpPr txBox="1"/>
+          <p:nvPr/>
+        </p:nvSpPr>
+        <p:spPr>
+          <a:xfrm>
+            <a:off x="5652120" y="1196752"/>
+            <a:ext cx="400145" cy="307777"/>
+          </a:xfrm>
+          <a:prstGeom prst="rect">
+            <a:avLst/>
+          </a:prstGeom>
+          <a:noFill/>
+        </p:spPr>
+        <p:txBody>
+          <a:bodyPr wrap="none" rtlCol="0">
+            <a:spAutoFit/>
+          </a:bodyPr>
+          <a:lstStyle/>
+          <a:p>
+            <a:r>
+              <a:rPr lang="en-US" sz="1400" b="1" dirty="0">
+                <a:solidFill>
+                  <a:srgbClr val="C00000"/>
+                </a:solidFill>
+                <a:latin typeface="Courier New"/>
+                <a:cs typeface="Courier New"/>
+              </a:rPr>
+              <a:t>Me</a:t>
+            </a:r>
+          </a:p>
+        </p:txBody>
+      </p:sp>
     </p:spTree>
     <p:extLst>
       <p:ext uri="{BB962C8B-B14F-4D97-AF65-F5344CB8AC3E}">
@@ -16605,7 +16974,7 @@
         <p:spPr>
           <a:xfrm>
             <a:off x="323528" y="-171400"/>
-            <a:ext cx="8568952" cy="1535832"/>
+            <a:ext cx="8568952" cy="1224136"/>
           </a:xfrm>
         </p:spPr>
         <p:txBody>
@@ -16764,23 +17133,7 @@
             </a:r>
             <a:r>
               <a:rPr lang="en-US" sz="2000" dirty="0"/>
-              <a:t> restriction enzyme is </a:t>
-            </a:r>
-            <a:r>
-              <a:rPr lang="en-US" sz="2000"/>
-              <a:t>used during library </a:t>
-            </a:r>
-            <a:r>
-              <a:rPr lang="en-US" sz="2000" dirty="0"/>
-              <a:t>construction to enrich for the areas of the genome that have a high </a:t>
-            </a:r>
-            <a:r>
-              <a:rPr lang="en-US" sz="2000" dirty="0" err="1"/>
-              <a:t>CpG</a:t>
-            </a:r>
-            <a:r>
-              <a:rPr lang="en-US" sz="2000" dirty="0"/>
-              <a:t> content</a:t>
+              <a:t> restriction enzyme is used during library construction to enrich for the areas of the genome that have a high CpG content</a:t>
             </a:r>
           </a:p>
           <a:p>
@@ -16870,7 +17223,7 @@
         <p:spPr>
           <a:xfrm>
             <a:off x="323528" y="-171400"/>
-            <a:ext cx="8568952" cy="1535832"/>
+            <a:ext cx="8568952" cy="1224136"/>
           </a:xfrm>
         </p:spPr>
         <p:txBody>
@@ -17035,7 +17388,7 @@
         <p:spPr>
           <a:xfrm>
             <a:off x="323528" y="-171400"/>
-            <a:ext cx="8568952" cy="1535832"/>
+            <a:ext cx="8568952" cy="1224136"/>
           </a:xfrm>
         </p:spPr>
         <p:txBody>
@@ -17349,36 +17702,6 @@
       </p:sp>
       <p:pic>
         <p:nvPicPr>
-          <p:cNvPr id="3" name="Picture 2" descr="A screenshot of a cell phone&#10;&#10;Description automatically generated">
-            <a:extLst>
-              <a:ext uri="{FF2B5EF4-FFF2-40B4-BE49-F238E27FC236}">
-                <a16:creationId xmlns:a16="http://schemas.microsoft.com/office/drawing/2014/main" id="{689DAC1D-DAB1-75C8-EE7C-60F911B1E87D}"/>
-              </a:ext>
-            </a:extLst>
-          </p:cNvPr>
-          <p:cNvPicPr>
-            <a:picLocks noChangeAspect="1"/>
-          </p:cNvPicPr>
-          <p:nvPr/>
-        </p:nvPicPr>
-        <p:blipFill>
-          <a:blip r:embed="rId3"/>
-          <a:stretch>
-            <a:fillRect/>
-          </a:stretch>
-        </p:blipFill>
-        <p:spPr>
-          <a:xfrm>
-            <a:off x="467544" y="1124744"/>
-            <a:ext cx="7772400" cy="1812217"/>
-          </a:xfrm>
-          <a:prstGeom prst="rect">
-            <a:avLst/>
-          </a:prstGeom>
-        </p:spPr>
-      </p:pic>
-      <p:pic>
-        <p:nvPicPr>
           <p:cNvPr id="7" name="Picture 6" descr="A screenshot of a computer&#10;&#10;Description automatically generated">
             <a:extLst>
               <a:ext uri="{FF2B5EF4-FFF2-40B4-BE49-F238E27FC236}">
@@ -17392,6 +17715,36 @@
           <p:nvPr/>
         </p:nvPicPr>
         <p:blipFill>
+          <a:blip r:embed="rId3"/>
+          <a:stretch>
+            <a:fillRect/>
+          </a:stretch>
+        </p:blipFill>
+        <p:spPr>
+          <a:xfrm>
+            <a:off x="2771800" y="3146627"/>
+            <a:ext cx="5972200" cy="3489611"/>
+          </a:xfrm>
+          <a:prstGeom prst="rect">
+            <a:avLst/>
+          </a:prstGeom>
+        </p:spPr>
+      </p:pic>
+      <p:pic>
+        <p:nvPicPr>
+          <p:cNvPr id="4" name="Picture 3" descr="A screenshot of a cell phone&#10;&#10;Description automatically generated">
+            <a:extLst>
+              <a:ext uri="{FF2B5EF4-FFF2-40B4-BE49-F238E27FC236}">
+                <a16:creationId xmlns:a16="http://schemas.microsoft.com/office/drawing/2014/main" id="{15E333E9-2FCA-7C71-D229-A3D9203ADCD4}"/>
+              </a:ext>
+            </a:extLst>
+          </p:cNvPr>
+          <p:cNvPicPr>
+            <a:picLocks noChangeAspect="1"/>
+          </p:cNvPicPr>
+          <p:nvPr/>
+        </p:nvPicPr>
+        <p:blipFill>
           <a:blip r:embed="rId4"/>
           <a:stretch>
             <a:fillRect/>
@@ -17399,8 +17752,8 @@
         </p:blipFill>
         <p:spPr>
           <a:xfrm>
-            <a:off x="2771800" y="3146627"/>
-            <a:ext cx="5972200" cy="3489611"/>
+            <a:off x="685800" y="1124744"/>
+            <a:ext cx="7772400" cy="1797367"/>
           </a:xfrm>
           <a:prstGeom prst="rect">
             <a:avLst/>
@@ -17439,35 +17792,6 @@
       </p:grpSpPr>
       <p:sp>
         <p:nvSpPr>
-          <p:cNvPr id="9" name="Rectangle 2"/>
-          <p:cNvSpPr>
-            <a:spLocks noGrp="1" noChangeArrowheads="1"/>
-          </p:cNvSpPr>
-          <p:nvPr>
-            <p:ph type="ctrTitle"/>
-          </p:nvPr>
-        </p:nvSpPr>
-        <p:spPr>
-          <a:xfrm>
-            <a:off x="323528" y="-171400"/>
-            <a:ext cx="8568952" cy="1535832"/>
-          </a:xfrm>
-        </p:spPr>
-        <p:txBody>
-          <a:bodyPr/>
-          <a:lstStyle/>
-          <a:p>
-            <a:pPr algn="l" eaLnBrk="1" hangingPunct="1"/>
-            <a:r>
-              <a:rPr lang="en-US" sz="3200" b="1" dirty="0"/>
-              <a:t>Gene Expression</a:t>
-            </a:r>
-            <a:endParaRPr lang="en-US" sz="3200" dirty="0"/>
-          </a:p>
-        </p:txBody>
-      </p:sp>
-      <p:sp>
-        <p:nvSpPr>
           <p:cNvPr id="4" name="TextBox 3"/>
           <p:cNvSpPr txBox="1"/>
           <p:nvPr/>
@@ -17836,6 +18160,87 @@
               <a:rPr lang="en-US" sz="1600" dirty="0"/>
               <a:t>TF binding site</a:t>
             </a:r>
+          </a:p>
+        </p:txBody>
+      </p:sp>
+      <p:sp>
+        <p:nvSpPr>
+          <p:cNvPr id="3" name="Title 2">
+            <a:extLst>
+              <a:ext uri="{FF2B5EF4-FFF2-40B4-BE49-F238E27FC236}">
+                <a16:creationId xmlns:a16="http://schemas.microsoft.com/office/drawing/2014/main" id="{F9CD9786-1DAE-2183-C0BB-60DD67B25AEF}"/>
+              </a:ext>
+            </a:extLst>
+          </p:cNvPr>
+          <p:cNvSpPr>
+            <a:spLocks noGrp="1"/>
+          </p:cNvSpPr>
+          <p:nvPr>
+            <p:ph type="ctrTitle"/>
+          </p:nvPr>
+        </p:nvSpPr>
+        <p:spPr/>
+        <p:txBody>
+          <a:bodyPr/>
+          <a:lstStyle/>
+          <a:p>
+            <a:endParaRPr lang="en-US"/>
+          </a:p>
+        </p:txBody>
+      </p:sp>
+      <p:sp>
+        <p:nvSpPr>
+          <p:cNvPr id="5" name="Rectangle 2">
+            <a:extLst>
+              <a:ext uri="{FF2B5EF4-FFF2-40B4-BE49-F238E27FC236}">
+                <a16:creationId xmlns:a16="http://schemas.microsoft.com/office/drawing/2014/main" id="{42A417D5-49F6-B4D9-5CF5-E513F23E7C85}"/>
+              </a:ext>
+            </a:extLst>
+          </p:cNvPr>
+          <p:cNvSpPr txBox="1">
+            <a:spLocks noChangeArrowheads="1"/>
+          </p:cNvSpPr>
+          <p:nvPr/>
+        </p:nvSpPr>
+        <p:spPr>
+          <a:xfrm>
+            <a:off x="323528" y="-171400"/>
+            <a:ext cx="8568952" cy="1287429"/>
+          </a:xfrm>
+          <a:prstGeom prst="rect">
+            <a:avLst/>
+          </a:prstGeom>
+        </p:spPr>
+        <p:txBody>
+          <a:bodyPr vert="horz" lIns="91440" tIns="45720" rIns="91440" bIns="45720" rtlCol="0" anchor="b">
+            <a:normAutofit/>
+          </a:bodyPr>
+          <a:lstStyle>
+            <a:lvl1pPr algn="ctr" defTabSz="685800" rtl="0" eaLnBrk="1" latinLnBrk="0" hangingPunct="1">
+              <a:lnSpc>
+                <a:spcPct val="90000"/>
+              </a:lnSpc>
+              <a:spcBef>
+                <a:spcPct val="0"/>
+              </a:spcBef>
+              <a:buNone/>
+              <a:defRPr sz="4500" kern="1200">
+                <a:solidFill>
+                  <a:schemeClr val="tx1"/>
+                </a:solidFill>
+                <a:latin typeface="+mj-lt"/>
+                <a:ea typeface="+mj-ea"/>
+                <a:cs typeface="+mj-cs"/>
+              </a:defRPr>
+            </a:lvl1pPr>
+          </a:lstStyle>
+          <a:p>
+            <a:pPr algn="l"/>
+            <a:r>
+              <a:rPr lang="en-US" sz="3200" b="1"/>
+              <a:t>Gene Expression</a:t>
+            </a:r>
+            <a:endParaRPr lang="en-US" sz="3200" dirty="0"/>
           </a:p>
         </p:txBody>
       </p:sp>
@@ -17882,7 +18287,7 @@
         <p:spPr>
           <a:xfrm>
             <a:off x="323528" y="-171400"/>
-            <a:ext cx="8568952" cy="1535832"/>
+            <a:ext cx="8568952" cy="1287429"/>
           </a:xfrm>
         </p:spPr>
         <p:txBody>
@@ -18095,7 +18500,7 @@
             <a:r>
               <a:rPr lang="en-US" sz="1600" i="1" dirty="0">
                 <a:solidFill>
-                  <a:srgbClr val="000000"/>
+                  <a:schemeClr val="bg1"/>
                 </a:solidFill>
               </a:rPr>
               <a:t>exon</a:t>
@@ -18131,7 +18536,7 @@
             <a:r>
               <a:rPr lang="en-US" sz="1600" i="1" dirty="0">
                 <a:solidFill>
-                  <a:srgbClr val="000000"/>
+                  <a:schemeClr val="bg1"/>
                 </a:solidFill>
               </a:rPr>
               <a:t>exon</a:t>
@@ -18167,7 +18572,7 @@
             <a:r>
               <a:rPr lang="en-US" sz="1600" i="1" dirty="0">
                 <a:solidFill>
-                  <a:srgbClr val="000000"/>
+                  <a:schemeClr val="bg1"/>
                 </a:solidFill>
               </a:rPr>
               <a:t>exon</a:t>
@@ -18333,7 +18738,11 @@
           <a:lstStyle/>
           <a:p>
             <a:r>
-              <a:rPr lang="en-US" sz="1600" i="1" dirty="0"/>
+              <a:rPr lang="en-US" sz="1600" i="1" dirty="0">
+                <a:solidFill>
+                  <a:schemeClr val="bg1"/>
+                </a:solidFill>
+              </a:rPr>
               <a:t>TF</a:t>
             </a:r>
           </a:p>
@@ -18371,35 +18780,6 @@
       </p:grpSpPr>
       <p:sp>
         <p:nvSpPr>
-          <p:cNvPr id="9" name="Rectangle 2"/>
-          <p:cNvSpPr>
-            <a:spLocks noGrp="1" noChangeArrowheads="1"/>
-          </p:cNvSpPr>
-          <p:nvPr>
-            <p:ph type="ctrTitle"/>
-          </p:nvPr>
-        </p:nvSpPr>
-        <p:spPr>
-          <a:xfrm>
-            <a:off x="323528" y="-171400"/>
-            <a:ext cx="8568952" cy="1535832"/>
-          </a:xfrm>
-        </p:spPr>
-        <p:txBody>
-          <a:bodyPr/>
-          <a:lstStyle/>
-          <a:p>
-            <a:pPr algn="l" eaLnBrk="1" hangingPunct="1"/>
-            <a:r>
-              <a:rPr lang="en-US" sz="3200" b="1" dirty="0"/>
-              <a:t>Gene Expression</a:t>
-            </a:r>
-            <a:endParaRPr lang="en-US" sz="3200" dirty="0"/>
-          </a:p>
-        </p:txBody>
-      </p:sp>
-      <p:sp>
-        <p:nvSpPr>
           <p:cNvPr id="4" name="TextBox 3"/>
           <p:cNvSpPr txBox="1"/>
           <p:nvPr/>
@@ -18595,7 +18975,7 @@
             <a:r>
               <a:rPr lang="en-US" sz="1600" i="1" dirty="0">
                 <a:solidFill>
-                  <a:srgbClr val="000000"/>
+                  <a:schemeClr val="bg1"/>
                 </a:solidFill>
               </a:rPr>
               <a:t>exon</a:t>
@@ -18631,7 +19011,7 @@
             <a:r>
               <a:rPr lang="en-US" sz="1600" i="1" dirty="0">
                 <a:solidFill>
-                  <a:srgbClr val="000000"/>
+                  <a:schemeClr val="bg1"/>
                 </a:solidFill>
               </a:rPr>
               <a:t>exon</a:t>
@@ -18667,7 +19047,7 @@
             <a:r>
               <a:rPr lang="en-US" sz="1600" i="1" dirty="0">
                 <a:solidFill>
-                  <a:srgbClr val="000000"/>
+                  <a:schemeClr val="bg1"/>
                 </a:solidFill>
               </a:rPr>
               <a:t>exon</a:t>
@@ -18869,7 +19249,11 @@
           <a:lstStyle/>
           <a:p>
             <a:r>
-              <a:rPr lang="en-US" sz="1600" i="1" dirty="0"/>
+              <a:rPr lang="en-US" sz="1600" i="1" dirty="0">
+                <a:solidFill>
+                  <a:schemeClr val="bg1"/>
+                </a:solidFill>
+              </a:rPr>
               <a:t>TF</a:t>
             </a:r>
           </a:p>
@@ -18883,7 +19267,7 @@
         </p:nvSpPr>
         <p:spPr>
           <a:xfrm>
-            <a:off x="2411760" y="1412776"/>
+            <a:off x="2339752" y="1412776"/>
             <a:ext cx="1224136" cy="338554"/>
           </a:xfrm>
           <a:prstGeom prst="rect">
@@ -18901,10 +19285,99 @@
           <a:lstStyle/>
           <a:p>
             <a:r>
-              <a:rPr lang="en-US" sz="1600" i="1" dirty="0" err="1"/>
+              <a:rPr lang="en-US" sz="1600" i="1" dirty="0" err="1">
+                <a:solidFill>
+                  <a:schemeClr val="bg1"/>
+                </a:solidFill>
+              </a:rPr>
               <a:t>RNApol</a:t>
             </a:r>
-            <a:endParaRPr lang="en-US" sz="1600" i="1" dirty="0"/>
+            <a:endParaRPr lang="en-US" sz="1600" i="1" dirty="0">
+              <a:solidFill>
+                <a:schemeClr val="bg1"/>
+              </a:solidFill>
+            </a:endParaRPr>
+          </a:p>
+        </p:txBody>
+      </p:sp>
+      <p:sp>
+        <p:nvSpPr>
+          <p:cNvPr id="3" name="Title 2">
+            <a:extLst>
+              <a:ext uri="{FF2B5EF4-FFF2-40B4-BE49-F238E27FC236}">
+                <a16:creationId xmlns:a16="http://schemas.microsoft.com/office/drawing/2014/main" id="{74783880-B040-0A25-F2DD-CB4BD4604BF9}"/>
+              </a:ext>
+            </a:extLst>
+          </p:cNvPr>
+          <p:cNvSpPr>
+            <a:spLocks noGrp="1"/>
+          </p:cNvSpPr>
+          <p:nvPr>
+            <p:ph type="ctrTitle"/>
+          </p:nvPr>
+        </p:nvSpPr>
+        <p:spPr/>
+        <p:txBody>
+          <a:bodyPr/>
+          <a:lstStyle/>
+          <a:p>
+            <a:endParaRPr lang="en-US"/>
+          </a:p>
+        </p:txBody>
+      </p:sp>
+      <p:sp>
+        <p:nvSpPr>
+          <p:cNvPr id="5" name="Rectangle 2">
+            <a:extLst>
+              <a:ext uri="{FF2B5EF4-FFF2-40B4-BE49-F238E27FC236}">
+                <a16:creationId xmlns:a16="http://schemas.microsoft.com/office/drawing/2014/main" id="{999395C1-B9B2-E5BA-6EB5-61F2AE8A0583}"/>
+              </a:ext>
+            </a:extLst>
+          </p:cNvPr>
+          <p:cNvSpPr txBox="1">
+            <a:spLocks noChangeArrowheads="1"/>
+          </p:cNvSpPr>
+          <p:nvPr/>
+        </p:nvSpPr>
+        <p:spPr>
+          <a:xfrm>
+            <a:off x="323528" y="-171400"/>
+            <a:ext cx="8568952" cy="1287429"/>
+          </a:xfrm>
+          <a:prstGeom prst="rect">
+            <a:avLst/>
+          </a:prstGeom>
+        </p:spPr>
+        <p:txBody>
+          <a:bodyPr vert="horz" lIns="91440" tIns="45720" rIns="91440" bIns="45720" rtlCol="0" anchor="b">
+            <a:normAutofit/>
+          </a:bodyPr>
+          <a:lstStyle>
+            <a:lvl1pPr algn="ctr" defTabSz="685800" rtl="0" eaLnBrk="1" latinLnBrk="0" hangingPunct="1">
+              <a:lnSpc>
+                <a:spcPct val="90000"/>
+              </a:lnSpc>
+              <a:spcBef>
+                <a:spcPct val="0"/>
+              </a:spcBef>
+              <a:buNone/>
+              <a:defRPr sz="4500" kern="1200">
+                <a:solidFill>
+                  <a:schemeClr val="tx1"/>
+                </a:solidFill>
+                <a:latin typeface="+mj-lt"/>
+                <a:ea typeface="+mj-ea"/>
+                <a:cs typeface="+mj-cs"/>
+              </a:defRPr>
+            </a:lvl1pPr>
+          </a:lstStyle>
+          <a:p>
+            <a:pPr algn="l"/>
+            <a:r>
+              <a:rPr lang="en-US" sz="3200" b="1"/>
+              <a:t>Gene Expression</a:t>
+            </a:r>
+            <a:endParaRPr lang="en-US" sz="3200" dirty="0"/>
           </a:p>
         </p:txBody>
       </p:sp>
@@ -18940,35 +19413,6 @@
       </p:grpSpPr>
       <p:sp>
         <p:nvSpPr>
-          <p:cNvPr id="9" name="Rectangle 2"/>
-          <p:cNvSpPr>
-            <a:spLocks noGrp="1" noChangeArrowheads="1"/>
-          </p:cNvSpPr>
-          <p:nvPr>
-            <p:ph type="ctrTitle"/>
-          </p:nvPr>
-        </p:nvSpPr>
-        <p:spPr>
-          <a:xfrm>
-            <a:off x="323528" y="-171400"/>
-            <a:ext cx="8568952" cy="1535832"/>
-          </a:xfrm>
-        </p:spPr>
-        <p:txBody>
-          <a:bodyPr/>
-          <a:lstStyle/>
-          <a:p>
-            <a:pPr algn="l" eaLnBrk="1" hangingPunct="1"/>
-            <a:r>
-              <a:rPr lang="en-US" sz="3200" b="1" dirty="0"/>
-              <a:t>Gene Expression</a:t>
-            </a:r>
-            <a:endParaRPr lang="en-US" sz="3200" dirty="0"/>
-          </a:p>
-        </p:txBody>
-      </p:sp>
-      <p:sp>
-        <p:nvSpPr>
           <p:cNvPr id="4" name="TextBox 3"/>
           <p:cNvSpPr txBox="1"/>
           <p:nvPr/>
@@ -19257,7 +19701,7 @@
             <a:r>
               <a:rPr lang="en-US" sz="1600" i="1" dirty="0">
                 <a:solidFill>
-                  <a:srgbClr val="000000"/>
+                  <a:schemeClr val="bg1"/>
                 </a:solidFill>
               </a:rPr>
               <a:t>exon</a:t>
@@ -19293,7 +19737,7 @@
             <a:r>
               <a:rPr lang="en-US" sz="1600" i="1" dirty="0">
                 <a:solidFill>
-                  <a:srgbClr val="000000"/>
+                  <a:schemeClr val="bg1"/>
                 </a:solidFill>
               </a:rPr>
               <a:t>exon</a:t>
@@ -19329,7 +19773,7 @@
             <a:r>
               <a:rPr lang="en-US" sz="1600" i="1" dirty="0">
                 <a:solidFill>
-                  <a:srgbClr val="000000"/>
+                  <a:schemeClr val="bg1"/>
                 </a:solidFill>
               </a:rPr>
               <a:t>exon</a:t>
@@ -19507,11 +19951,7 @@
           <a:lstStyle/>
           <a:p>
             <a:r>
-              <a:rPr lang="en-US" sz="2000" dirty="0">
-                <a:solidFill>
-                  <a:schemeClr val="bg2"/>
-                </a:solidFill>
-              </a:rPr>
+              <a:rPr lang="en-US" sz="2000" dirty="0"/>
               <a:t>protein</a:t>
             </a:r>
           </a:p>
@@ -19775,7 +20215,11 @@
           <a:lstStyle/>
           <a:p>
             <a:r>
-              <a:rPr lang="en-US" sz="1600" i="1" dirty="0"/>
+              <a:rPr lang="en-US" sz="1600" i="1" dirty="0">
+                <a:solidFill>
+                  <a:schemeClr val="bg1"/>
+                </a:solidFill>
+              </a:rPr>
               <a:t>TF</a:t>
             </a:r>
           </a:p>
@@ -19807,10 +20251,18 @@
           <a:lstStyle/>
           <a:p>
             <a:r>
-              <a:rPr lang="en-US" sz="1600" i="1" dirty="0" err="1"/>
+              <a:rPr lang="en-US" sz="1600" i="1" dirty="0" err="1">
+                <a:solidFill>
+                  <a:schemeClr val="bg1"/>
+                </a:solidFill>
+              </a:rPr>
               <a:t>RNApol</a:t>
             </a:r>
-            <a:endParaRPr lang="en-US" sz="1600" i="1" dirty="0"/>
+            <a:endParaRPr lang="en-US" sz="1600" i="1" dirty="0">
+              <a:solidFill>
+                <a:schemeClr val="bg1"/>
+              </a:solidFill>
+            </a:endParaRPr>
           </a:p>
         </p:txBody>
       </p:sp>
@@ -19933,6 +20385,87 @@
               <a:rPr lang="en-US" sz="1600" i="1" dirty="0"/>
               <a:t>transcription, splicing</a:t>
             </a:r>
+          </a:p>
+        </p:txBody>
+      </p:sp>
+      <p:sp>
+        <p:nvSpPr>
+          <p:cNvPr id="3" name="Title 2">
+            <a:extLst>
+              <a:ext uri="{FF2B5EF4-FFF2-40B4-BE49-F238E27FC236}">
+                <a16:creationId xmlns:a16="http://schemas.microsoft.com/office/drawing/2014/main" id="{C92F2654-BB7F-56F3-DA35-72982D06B727}"/>
+              </a:ext>
+            </a:extLst>
+          </p:cNvPr>
+          <p:cNvSpPr>
+            <a:spLocks noGrp="1"/>
+          </p:cNvSpPr>
+          <p:nvPr>
+            <p:ph type="ctrTitle"/>
+          </p:nvPr>
+        </p:nvSpPr>
+        <p:spPr/>
+        <p:txBody>
+          <a:bodyPr/>
+          <a:lstStyle/>
+          <a:p>
+            <a:endParaRPr lang="en-US"/>
+          </a:p>
+        </p:txBody>
+      </p:sp>
+      <p:sp>
+        <p:nvSpPr>
+          <p:cNvPr id="6" name="Rectangle 2">
+            <a:extLst>
+              <a:ext uri="{FF2B5EF4-FFF2-40B4-BE49-F238E27FC236}">
+                <a16:creationId xmlns:a16="http://schemas.microsoft.com/office/drawing/2014/main" id="{8BACFCAC-C69A-CB90-0C44-1EE2C2870386}"/>
+              </a:ext>
+            </a:extLst>
+          </p:cNvPr>
+          <p:cNvSpPr txBox="1">
+            <a:spLocks noChangeArrowheads="1"/>
+          </p:cNvSpPr>
+          <p:nvPr/>
+        </p:nvSpPr>
+        <p:spPr>
+          <a:xfrm>
+            <a:off x="323528" y="-171400"/>
+            <a:ext cx="8568952" cy="1287429"/>
+          </a:xfrm>
+          <a:prstGeom prst="rect">
+            <a:avLst/>
+          </a:prstGeom>
+        </p:spPr>
+        <p:txBody>
+          <a:bodyPr vert="horz" lIns="91440" tIns="45720" rIns="91440" bIns="45720" rtlCol="0" anchor="b">
+            <a:normAutofit/>
+          </a:bodyPr>
+          <a:lstStyle>
+            <a:lvl1pPr algn="ctr" defTabSz="685800" rtl="0" eaLnBrk="1" latinLnBrk="0" hangingPunct="1">
+              <a:lnSpc>
+                <a:spcPct val="90000"/>
+              </a:lnSpc>
+              <a:spcBef>
+                <a:spcPct val="0"/>
+              </a:spcBef>
+              <a:buNone/>
+              <a:defRPr sz="4500" kern="1200">
+                <a:solidFill>
+                  <a:schemeClr val="tx1"/>
+                </a:solidFill>
+                <a:latin typeface="+mj-lt"/>
+                <a:ea typeface="+mj-ea"/>
+                <a:cs typeface="+mj-cs"/>
+              </a:defRPr>
+            </a:lvl1pPr>
+          </a:lstStyle>
+          <a:p>
+            <a:pPr algn="l"/>
+            <a:r>
+              <a:rPr lang="en-US" sz="3200" b="1"/>
+              <a:t>Gene Expression</a:t>
+            </a:r>
+            <a:endParaRPr lang="en-US" sz="3200" dirty="0"/>
           </a:p>
         </p:txBody>
       </p:sp>
@@ -19968,35 +20501,6 @@
       </p:grpSpPr>
       <p:sp>
         <p:nvSpPr>
-          <p:cNvPr id="9" name="Rectangle 2"/>
-          <p:cNvSpPr>
-            <a:spLocks noGrp="1" noChangeArrowheads="1"/>
-          </p:cNvSpPr>
-          <p:nvPr>
-            <p:ph type="ctrTitle"/>
-          </p:nvPr>
-        </p:nvSpPr>
-        <p:spPr>
-          <a:xfrm>
-            <a:off x="323528" y="-171400"/>
-            <a:ext cx="8568952" cy="1535832"/>
-          </a:xfrm>
-        </p:spPr>
-        <p:txBody>
-          <a:bodyPr/>
-          <a:lstStyle/>
-          <a:p>
-            <a:pPr algn="l" eaLnBrk="1" hangingPunct="1"/>
-            <a:r>
-              <a:rPr lang="en-US" sz="3200" b="1" dirty="0"/>
-              <a:t>Gene Expression</a:t>
-            </a:r>
-            <a:endParaRPr lang="en-US" sz="3200" dirty="0"/>
-          </a:p>
-        </p:txBody>
-      </p:sp>
-      <p:sp>
-        <p:nvSpPr>
           <p:cNvPr id="4" name="TextBox 3"/>
           <p:cNvSpPr txBox="1"/>
           <p:nvPr/>
@@ -20192,7 +20696,7 @@
             <a:r>
               <a:rPr lang="en-US" sz="1600" i="1" dirty="0">
                 <a:solidFill>
-                  <a:srgbClr val="000000"/>
+                  <a:schemeClr val="bg1"/>
                 </a:solidFill>
               </a:rPr>
               <a:t>exon</a:t>
@@ -20228,7 +20732,7 @@
             <a:r>
               <a:rPr lang="en-US" sz="1600" i="1" dirty="0">
                 <a:solidFill>
-                  <a:srgbClr val="000000"/>
+                  <a:schemeClr val="bg1"/>
                 </a:solidFill>
               </a:rPr>
               <a:t>exon</a:t>
@@ -20264,7 +20768,7 @@
             <a:r>
               <a:rPr lang="en-US" sz="1600" i="1" dirty="0">
                 <a:solidFill>
-                  <a:srgbClr val="000000"/>
+                  <a:schemeClr val="bg1"/>
                 </a:solidFill>
               </a:rPr>
               <a:t>exon</a:t>
@@ -20613,6 +21117,62 @@
               <a:rPr lang="en-US" sz="1600" i="1" dirty="0"/>
               <a:t>methylation</a:t>
             </a:r>
+          </a:p>
+        </p:txBody>
+      </p:sp>
+      <p:sp>
+        <p:nvSpPr>
+          <p:cNvPr id="5" name="Rectangle 2">
+            <a:extLst>
+              <a:ext uri="{FF2B5EF4-FFF2-40B4-BE49-F238E27FC236}">
+                <a16:creationId xmlns:a16="http://schemas.microsoft.com/office/drawing/2014/main" id="{3F82148A-BF5D-FCD9-7B7E-F4700B0CE5CC}"/>
+              </a:ext>
+            </a:extLst>
+          </p:cNvPr>
+          <p:cNvSpPr txBox="1">
+            <a:spLocks noChangeArrowheads="1"/>
+          </p:cNvSpPr>
+          <p:nvPr/>
+        </p:nvSpPr>
+        <p:spPr>
+          <a:xfrm>
+            <a:off x="323528" y="-171400"/>
+            <a:ext cx="8568952" cy="1287429"/>
+          </a:xfrm>
+          <a:prstGeom prst="rect">
+            <a:avLst/>
+          </a:prstGeom>
+        </p:spPr>
+        <p:txBody>
+          <a:bodyPr vert="horz" lIns="91440" tIns="45720" rIns="91440" bIns="45720" rtlCol="0" anchor="b">
+            <a:normAutofit/>
+          </a:bodyPr>
+          <a:lstStyle>
+            <a:lvl1pPr algn="ctr" defTabSz="685800" rtl="0" eaLnBrk="1" latinLnBrk="0" hangingPunct="1">
+              <a:lnSpc>
+                <a:spcPct val="90000"/>
+              </a:lnSpc>
+              <a:spcBef>
+                <a:spcPct val="0"/>
+              </a:spcBef>
+              <a:buNone/>
+              <a:defRPr sz="4500" kern="1200">
+                <a:solidFill>
+                  <a:schemeClr val="tx1"/>
+                </a:solidFill>
+                <a:latin typeface="+mj-lt"/>
+                <a:ea typeface="+mj-ea"/>
+                <a:cs typeface="+mj-cs"/>
+              </a:defRPr>
+            </a:lvl1pPr>
+          </a:lstStyle>
+          <a:p>
+            <a:pPr algn="l"/>
+            <a:r>
+              <a:rPr lang="en-US" sz="3200" b="1"/>
+              <a:t>Gene Expression</a:t>
+            </a:r>
+            <a:endParaRPr lang="en-US" sz="3200" dirty="0"/>
           </a:p>
         </p:txBody>
       </p:sp>
@@ -20648,35 +21208,6 @@
       </p:grpSpPr>
       <p:sp>
         <p:nvSpPr>
-          <p:cNvPr id="9" name="Rectangle 2"/>
-          <p:cNvSpPr>
-            <a:spLocks noGrp="1" noChangeArrowheads="1"/>
-          </p:cNvSpPr>
-          <p:nvPr>
-            <p:ph type="ctrTitle"/>
-          </p:nvPr>
-        </p:nvSpPr>
-        <p:spPr>
-          <a:xfrm>
-            <a:off x="323528" y="-171400"/>
-            <a:ext cx="8568952" cy="1535832"/>
-          </a:xfrm>
-        </p:spPr>
-        <p:txBody>
-          <a:bodyPr/>
-          <a:lstStyle/>
-          <a:p>
-            <a:pPr algn="l" eaLnBrk="1" hangingPunct="1"/>
-            <a:r>
-              <a:rPr lang="en-US" sz="3200" b="1" dirty="0"/>
-              <a:t>Gene Expression</a:t>
-            </a:r>
-            <a:endParaRPr lang="en-US" sz="3200" dirty="0"/>
-          </a:p>
-        </p:txBody>
-      </p:sp>
-      <p:sp>
-        <p:nvSpPr>
           <p:cNvPr id="4" name="TextBox 3"/>
           <p:cNvSpPr txBox="1"/>
           <p:nvPr/>
@@ -20872,7 +21403,7 @@
             <a:r>
               <a:rPr lang="en-US" sz="1600" i="1" dirty="0">
                 <a:solidFill>
-                  <a:srgbClr val="000000"/>
+                  <a:schemeClr val="bg1"/>
                 </a:solidFill>
               </a:rPr>
               <a:t>exon</a:t>
@@ -20908,7 +21439,7 @@
             <a:r>
               <a:rPr lang="en-US" sz="1600" i="1" dirty="0">
                 <a:solidFill>
-                  <a:srgbClr val="000000"/>
+                  <a:schemeClr val="bg1"/>
                 </a:solidFill>
               </a:rPr>
               <a:t>exon</a:t>
@@ -20944,7 +21475,7 @@
             <a:r>
               <a:rPr lang="en-US" sz="1600" i="1" dirty="0">
                 <a:solidFill>
-                  <a:srgbClr val="000000"/>
+                  <a:schemeClr val="bg1"/>
                 </a:solidFill>
               </a:rPr>
               <a:t>exon</a:t>
@@ -21056,7 +21587,7 @@
         </p:nvSpPr>
         <p:spPr bwMode="auto">
           <a:xfrm rot="21213699">
-            <a:off x="1649729" y="1013797"/>
+            <a:off x="1649729" y="1085805"/>
             <a:ext cx="621929" cy="571086"/>
           </a:xfrm>
           <a:prstGeom prst="plaque">
@@ -21092,7 +21623,7 @@
         </p:nvSpPr>
         <p:spPr>
           <a:xfrm>
-            <a:off x="1763687" y="1124743"/>
+            <a:off x="1763687" y="1196751"/>
             <a:ext cx="1224136" cy="338554"/>
           </a:xfrm>
           <a:prstGeom prst="rect">
@@ -21110,7 +21641,11 @@
           <a:lstStyle/>
           <a:p>
             <a:r>
-              <a:rPr lang="en-US" sz="1600" i="1" dirty="0"/>
+              <a:rPr lang="en-US" sz="1600" i="1" dirty="0">
+                <a:solidFill>
+                  <a:schemeClr val="bg1"/>
+                </a:solidFill>
+              </a:rPr>
               <a:t>TF</a:t>
             </a:r>
           </a:p>
@@ -21393,6 +21928,62 @@
               <a:rPr lang="en-US" sz="1600" i="1" dirty="0"/>
               <a:t>gene silencing via genomic DNA methylation</a:t>
             </a:r>
+          </a:p>
+        </p:txBody>
+      </p:sp>
+      <p:sp>
+        <p:nvSpPr>
+          <p:cNvPr id="5" name="Rectangle 2">
+            <a:extLst>
+              <a:ext uri="{FF2B5EF4-FFF2-40B4-BE49-F238E27FC236}">
+                <a16:creationId xmlns:a16="http://schemas.microsoft.com/office/drawing/2014/main" id="{21FBEC9E-90C5-D38F-6382-0635E04097B5}"/>
+              </a:ext>
+            </a:extLst>
+          </p:cNvPr>
+          <p:cNvSpPr txBox="1">
+            <a:spLocks noChangeArrowheads="1"/>
+          </p:cNvSpPr>
+          <p:nvPr/>
+        </p:nvSpPr>
+        <p:spPr>
+          <a:xfrm>
+            <a:off x="323528" y="-171400"/>
+            <a:ext cx="8568952" cy="1287429"/>
+          </a:xfrm>
+          <a:prstGeom prst="rect">
+            <a:avLst/>
+          </a:prstGeom>
+        </p:spPr>
+        <p:txBody>
+          <a:bodyPr vert="horz" lIns="91440" tIns="45720" rIns="91440" bIns="45720" rtlCol="0" anchor="b">
+            <a:normAutofit/>
+          </a:bodyPr>
+          <a:lstStyle>
+            <a:lvl1pPr algn="ctr" defTabSz="685800" rtl="0" eaLnBrk="1" latinLnBrk="0" hangingPunct="1">
+              <a:lnSpc>
+                <a:spcPct val="90000"/>
+              </a:lnSpc>
+              <a:spcBef>
+                <a:spcPct val="0"/>
+              </a:spcBef>
+              <a:buNone/>
+              <a:defRPr sz="4500" kern="1200">
+                <a:solidFill>
+                  <a:schemeClr val="tx1"/>
+                </a:solidFill>
+                <a:latin typeface="+mj-lt"/>
+                <a:ea typeface="+mj-ea"/>
+                <a:cs typeface="+mj-cs"/>
+              </a:defRPr>
+            </a:lvl1pPr>
+          </a:lstStyle>
+          <a:p>
+            <a:pPr algn="l"/>
+            <a:r>
+              <a:rPr lang="en-US" sz="3200" b="1"/>
+              <a:t>Gene Expression</a:t>
+            </a:r>
+            <a:endParaRPr lang="en-US" sz="3200" dirty="0"/>
           </a:p>
         </p:txBody>
       </p:sp>
@@ -21410,56 +22001,150 @@
 </file>
 
 <file path=ppt/theme/theme1.xml><?xml version="1.0" encoding="utf-8"?>
-<a:theme xmlns:a="http://schemas.openxmlformats.org/drawingml/2006/main" name="DalhousieTemplate">
+<a:theme xmlns:a="http://schemas.openxmlformats.org/drawingml/2006/main" name="Office Theme">
   <a:themeElements>
-    <a:clrScheme name="DalhousieTemplate 2">
+    <a:clrScheme name="Office">
       <a:dk1>
-        <a:srgbClr val="000000"/>
+        <a:sysClr val="windowText" lastClr="000000"/>
       </a:dk1>
       <a:lt1>
-        <a:srgbClr val="FFFFFF"/>
+        <a:sysClr val="window" lastClr="FFFFFF"/>
       </a:lt1>
       <a:dk2>
-        <a:srgbClr val="000066"/>
+        <a:srgbClr val="0E2841"/>
       </a:dk2>
       <a:lt2>
-        <a:srgbClr val="FFCC66"/>
+        <a:srgbClr val="E8E8E8"/>
       </a:lt2>
       <a:accent1>
-        <a:srgbClr val="FF9900"/>
+        <a:srgbClr val="156082"/>
       </a:accent1>
       <a:accent2>
-        <a:srgbClr val="000044"/>
+        <a:srgbClr val="E97132"/>
       </a:accent2>
       <a:accent3>
-        <a:srgbClr val="AAAAB8"/>
+        <a:srgbClr val="196B24"/>
       </a:accent3>
       <a:accent4>
-        <a:srgbClr val="DADADA"/>
+        <a:srgbClr val="0F9ED5"/>
       </a:accent4>
       <a:accent5>
-        <a:srgbClr val="FFCAAA"/>
+        <a:srgbClr val="A02B93"/>
       </a:accent5>
       <a:accent6>
-        <a:srgbClr val="00003D"/>
+        <a:srgbClr val="4EA72E"/>
       </a:accent6>
       <a:hlink>
-        <a:srgbClr val="3366FF"/>
+        <a:srgbClr val="467886"/>
       </a:hlink>
       <a:folHlink>
-        <a:srgbClr val="FFFF00"/>
+        <a:srgbClr val="96607D"/>
       </a:folHlink>
     </a:clrScheme>
-    <a:fontScheme name="DalhousieTemplate">
+    <a:fontScheme name="Office">
       <a:majorFont>
-        <a:latin typeface="Times New Roman"/>
+        <a:latin typeface="Aptos Display" panose="02110004020202020204"/>
         <a:ea typeface=""/>
         <a:cs typeface=""/>
+        <a:font script="Jpan" typeface="游ゴシック Light"/>
+        <a:font script="Hang" typeface="맑은 고딕"/>
+        <a:font script="Hans" typeface="等线 Light"/>
+        <a:font script="Hant" typeface="新細明體"/>
+        <a:font script="Arab" typeface="Times New Roman"/>
+        <a:font script="Hebr" typeface="Times New Roman"/>
+        <a:font script="Thai" typeface="Angsana New"/>
+        <a:font script="Ethi" typeface="Nyala"/>
+        <a:font script="Beng" typeface="Vrinda"/>
+        <a:font script="Gujr" typeface="Shruti"/>
+        <a:font script="Khmr" typeface="MoolBoran"/>
+        <a:font script="Knda" typeface="Tunga"/>
+        <a:font script="Guru" typeface="Raavi"/>
+        <a:font script="Cans" typeface="Euphemia"/>
+        <a:font script="Cher" typeface="Plantagenet Cherokee"/>
+        <a:font script="Yiii" typeface="Microsoft Yi Baiti"/>
+        <a:font script="Tibt" typeface="Microsoft Himalaya"/>
+        <a:font script="Thaa" typeface="MV Boli"/>
+        <a:font script="Deva" typeface="Mangal"/>
+        <a:font script="Telu" typeface="Gautami"/>
+        <a:font script="Taml" typeface="Latha"/>
+        <a:font script="Syrc" typeface="Estrangelo Edessa"/>
+        <a:font script="Orya" typeface="Kalinga"/>
+        <a:font script="Mlym" typeface="Kartika"/>
+        <a:font script="Laoo" typeface="DokChampa"/>
+        <a:font script="Sinh" typeface="Iskoola Pota"/>
+        <a:font script="Mong" typeface="Mongolian Baiti"/>
+        <a:font script="Viet" typeface="Times New Roman"/>
+        <a:font script="Uigh" typeface="Microsoft Uighur"/>
+        <a:font script="Geor" typeface="Sylfaen"/>
+        <a:font script="Armn" typeface="Arial"/>
+        <a:font script="Bugi" typeface="Leelawadee UI"/>
+        <a:font script="Bopo" typeface="Microsoft JhengHei"/>
+        <a:font script="Java" typeface="Javanese Text"/>
+        <a:font script="Lisu" typeface="Segoe UI"/>
+        <a:font script="Mymr" typeface="Myanmar Text"/>
+        <a:font script="Nkoo" typeface="Ebrima"/>
+        <a:font script="Olck" typeface="Nirmala UI"/>
+        <a:font script="Osma" typeface="Ebrima"/>
+        <a:font script="Phag" typeface="Phagspa"/>
+        <a:font script="Syrn" typeface="Estrangelo Edessa"/>
+        <a:font script="Syrj" typeface="Estrangelo Edessa"/>
+        <a:font script="Syre" typeface="Estrangelo Edessa"/>
+        <a:font script="Sora" typeface="Nirmala UI"/>
+        <a:font script="Tale" typeface="Microsoft Tai Le"/>
+        <a:font script="Talu" typeface="Microsoft New Tai Lue"/>
+        <a:font script="Tfng" typeface="Ebrima"/>
       </a:majorFont>
       <a:minorFont>
-        <a:latin typeface="Times New Roman"/>
+        <a:latin typeface="Aptos" panose="02110004020202020204"/>
         <a:ea typeface=""/>
         <a:cs typeface=""/>
+        <a:font script="Jpan" typeface="游ゴシック"/>
+        <a:font script="Hang" typeface="맑은 고딕"/>
+        <a:font script="Hans" typeface="等线"/>
+        <a:font script="Hant" typeface="新細明體"/>
+        <a:font script="Arab" typeface="Arial"/>
+        <a:font script="Hebr" typeface="Arial"/>
+        <a:font script="Thai" typeface="Cordia New"/>
+        <a:font script="Ethi" typeface="Nyala"/>
+        <a:font script="Beng" typeface="Vrinda"/>
+        <a:font script="Gujr" typeface="Shruti"/>
+        <a:font script="Khmr" typeface="DaunPenh"/>
+        <a:font script="Knda" typeface="Tunga"/>
+        <a:font script="Guru" typeface="Raavi"/>
+        <a:font script="Cans" typeface="Euphemia"/>
+        <a:font script="Cher" typeface="Plantagenet Cherokee"/>
+        <a:font script="Yiii" typeface="Microsoft Yi Baiti"/>
+        <a:font script="Tibt" typeface="Microsoft Himalaya"/>
+        <a:font script="Thaa" typeface="MV Boli"/>
+        <a:font script="Deva" typeface="Mangal"/>
+        <a:font script="Telu" typeface="Gautami"/>
+        <a:font script="Taml" typeface="Latha"/>
+        <a:font script="Syrc" typeface="Estrangelo Edessa"/>
+        <a:font script="Orya" typeface="Kalinga"/>
+        <a:font script="Mlym" typeface="Kartika"/>
+        <a:font script="Laoo" typeface="DokChampa"/>
+        <a:font script="Sinh" typeface="Iskoola Pota"/>
+        <a:font script="Mong" typeface="Mongolian Baiti"/>
+        <a:font script="Viet" typeface="Arial"/>
+        <a:font script="Uigh" typeface="Microsoft Uighur"/>
+        <a:font script="Geor" typeface="Sylfaen"/>
+        <a:font script="Armn" typeface="Arial"/>
+        <a:font script="Bugi" typeface="Leelawadee UI"/>
+        <a:font script="Bopo" typeface="Microsoft JhengHei"/>
+        <a:font script="Java" typeface="Javanese Text"/>
+        <a:font script="Lisu" typeface="Segoe UI"/>
+        <a:font script="Mymr" typeface="Myanmar Text"/>
+        <a:font script="Nkoo" typeface="Ebrima"/>
+        <a:font script="Olck" typeface="Nirmala UI"/>
+        <a:font script="Osma" typeface="Ebrima"/>
+        <a:font script="Phag" typeface="Phagspa"/>
+        <a:font script="Syrn" typeface="Estrangelo Edessa"/>
+        <a:font script="Syrj" typeface="Estrangelo Edessa"/>
+        <a:font script="Syre" typeface="Estrangelo Edessa"/>
+        <a:font script="Sora" typeface="Nirmala UI"/>
+        <a:font script="Tale" typeface="Microsoft Tai Le"/>
+        <a:font script="Talu" typeface="Microsoft New Tai Lue"/>
+        <a:font script="Tfng" typeface="Ebrima"/>
       </a:minorFont>
     </a:fontScheme>
     <a:fmtScheme name="Office">
@@ -21471,534 +22156,162 @@
           <a:gsLst>
             <a:gs pos="0">
               <a:schemeClr val="phClr">
-                <a:tint val="50000"/>
-                <a:satMod val="300000"/>
+                <a:lumMod val="110000"/>
+                <a:satMod val="105000"/>
+                <a:tint val="67000"/>
               </a:schemeClr>
             </a:gs>
-            <a:gs pos="35000">
+            <a:gs pos="50000">
               <a:schemeClr val="phClr">
-                <a:tint val="37000"/>
-                <a:satMod val="300000"/>
+                <a:lumMod val="105000"/>
+                <a:satMod val="103000"/>
+                <a:tint val="73000"/>
               </a:schemeClr>
             </a:gs>
             <a:gs pos="100000">
               <a:schemeClr val="phClr">
-                <a:tint val="15000"/>
-                <a:satMod val="350000"/>
+                <a:lumMod val="105000"/>
+                <a:satMod val="109000"/>
+                <a:tint val="81000"/>
               </a:schemeClr>
             </a:gs>
           </a:gsLst>
-          <a:lin ang="16200000" scaled="1"/>
+          <a:lin ang="5400000" scaled="0"/>
         </a:gradFill>
         <a:gradFill rotWithShape="1">
           <a:gsLst>
             <a:gs pos="0">
               <a:schemeClr val="phClr">
-                <a:tint val="100000"/>
+                <a:satMod val="103000"/>
+                <a:lumMod val="102000"/>
+                <a:tint val="94000"/>
+              </a:schemeClr>
+            </a:gs>
+            <a:gs pos="50000">
+              <a:schemeClr val="phClr">
+                <a:satMod val="110000"/>
+                <a:lumMod val="100000"/>
                 <a:shade val="100000"/>
-                <a:satMod val="130000"/>
               </a:schemeClr>
             </a:gs>
             <a:gs pos="100000">
               <a:schemeClr val="phClr">
-                <a:tint val="50000"/>
-                <a:shade val="100000"/>
-                <a:satMod val="350000"/>
+                <a:lumMod val="99000"/>
+                <a:satMod val="120000"/>
+                <a:shade val="78000"/>
               </a:schemeClr>
             </a:gs>
           </a:gsLst>
-          <a:lin ang="16200000" scaled="0"/>
+          <a:lin ang="5400000" scaled="0"/>
         </a:gradFill>
       </a:fillStyleLst>
       <a:lnStyleLst>
-        <a:ln w="9525" cap="flat" cmpd="sng" algn="ctr">
+        <a:ln w="12700" cap="flat" cmpd="sng" algn="ctr">
           <a:solidFill>
-            <a:schemeClr val="phClr">
-              <a:shade val="95000"/>
-              <a:satMod val="105000"/>
-            </a:schemeClr>
+            <a:schemeClr val="phClr"/>
           </a:solidFill>
           <a:prstDash val="solid"/>
+          <a:miter lim="800000"/>
+        </a:ln>
+        <a:ln w="19050" cap="flat" cmpd="sng" algn="ctr">
+          <a:solidFill>
+            <a:schemeClr val="phClr"/>
+          </a:solidFill>
+          <a:prstDash val="solid"/>
+          <a:miter lim="800000"/>
         </a:ln>
         <a:ln w="25400" cap="flat" cmpd="sng" algn="ctr">
           <a:solidFill>
             <a:schemeClr val="phClr"/>
           </a:solidFill>
           <a:prstDash val="solid"/>
-        </a:ln>
-        <a:ln w="38100" cap="flat" cmpd="sng" algn="ctr">
-          <a:solidFill>
-            <a:schemeClr val="phClr"/>
-          </a:solidFill>
-          <a:prstDash val="solid"/>
+          <a:miter lim="800000"/>
         </a:ln>
       </a:lnStyleLst>
       <a:effectStyleLst>
         <a:effectStyle>
+          <a:effectLst/>
+        </a:effectStyle>
+        <a:effectStyle>
+          <a:effectLst/>
+        </a:effectStyle>
+        <a:effectStyle>
           <a:effectLst>
-            <a:outerShdw blurRad="40000" dist="20000" dir="5400000" rotWithShape="0">
+            <a:outerShdw blurRad="57150" dist="19050" dir="5400000" algn="ctr" rotWithShape="0">
               <a:srgbClr val="000000">
-                <a:alpha val="38000"/>
+                <a:alpha val="63000"/>
               </a:srgbClr>
             </a:outerShdw>
           </a:effectLst>
-        </a:effectStyle>
-        <a:effectStyle>
-          <a:effectLst>
-            <a:outerShdw blurRad="40000" dist="23000" dir="5400000" rotWithShape="0">
-              <a:srgbClr val="000000">
-                <a:alpha val="35000"/>
-              </a:srgbClr>
-            </a:outerShdw>
-          </a:effectLst>
-        </a:effectStyle>
-        <a:effectStyle>
-          <a:effectLst>
-            <a:outerShdw blurRad="40000" dist="23000" dir="5400000" rotWithShape="0">
-              <a:srgbClr val="000000">
-                <a:alpha val="35000"/>
-              </a:srgbClr>
-            </a:outerShdw>
-          </a:effectLst>
-          <a:scene3d>
-            <a:camera prst="orthographicFront">
-              <a:rot lat="0" lon="0" rev="0"/>
-            </a:camera>
-            <a:lightRig rig="threePt" dir="t">
-              <a:rot lat="0" lon="0" rev="1200000"/>
-            </a:lightRig>
-          </a:scene3d>
-          <a:sp3d>
-            <a:bevelT w="63500" h="25400"/>
-          </a:sp3d>
         </a:effectStyle>
       </a:effectStyleLst>
       <a:bgFillStyleLst>
         <a:solidFill>
           <a:schemeClr val="phClr"/>
         </a:solidFill>
+        <a:solidFill>
+          <a:schemeClr val="phClr">
+            <a:tint val="95000"/>
+            <a:satMod val="170000"/>
+          </a:schemeClr>
+        </a:solidFill>
         <a:gradFill rotWithShape="1">
           <a:gsLst>
             <a:gs pos="0">
               <a:schemeClr val="phClr">
-                <a:tint val="40000"/>
-                <a:satMod val="350000"/>
+                <a:tint val="93000"/>
+                <a:satMod val="150000"/>
+                <a:shade val="98000"/>
+                <a:lumMod val="102000"/>
               </a:schemeClr>
             </a:gs>
-            <a:gs pos="40000">
+            <a:gs pos="50000">
               <a:schemeClr val="phClr">
-                <a:tint val="45000"/>
-                <a:shade val="99000"/>
-                <a:satMod val="350000"/>
+                <a:tint val="98000"/>
+                <a:satMod val="130000"/>
+                <a:shade val="90000"/>
+                <a:lumMod val="103000"/>
               </a:schemeClr>
             </a:gs>
             <a:gs pos="100000">
               <a:schemeClr val="phClr">
-                <a:shade val="20000"/>
-                <a:satMod val="255000"/>
+                <a:shade val="63000"/>
+                <a:satMod val="120000"/>
               </a:schemeClr>
             </a:gs>
           </a:gsLst>
-          <a:path path="circle">
-            <a:fillToRect l="50000" t="-80000" r="50000" b="180000"/>
-          </a:path>
-        </a:gradFill>
-        <a:gradFill rotWithShape="1">
-          <a:gsLst>
-            <a:gs pos="0">
-              <a:schemeClr val="phClr">
-                <a:tint val="80000"/>
-                <a:satMod val="300000"/>
-              </a:schemeClr>
-            </a:gs>
-            <a:gs pos="100000">
-              <a:schemeClr val="phClr">
-                <a:shade val="30000"/>
-                <a:satMod val="200000"/>
-              </a:schemeClr>
-            </a:gs>
-          </a:gsLst>
-          <a:path path="circle">
-            <a:fillToRect l="50000" t="50000" r="50000" b="50000"/>
-          </a:path>
+          <a:lin ang="5400000" scaled="0"/>
         </a:gradFill>
       </a:bgFillStyleLst>
     </a:fmtScheme>
   </a:themeElements>
   <a:objectDefaults>
-    <a:spDef>
-      <a:spPr bwMode="auto">
-        <a:xfrm>
-          <a:off x="0" y="0"/>
-          <a:ext cx="1" cy="1"/>
-        </a:xfrm>
-        <a:custGeom>
-          <a:avLst/>
-          <a:gdLst/>
-          <a:ahLst/>
-          <a:cxnLst/>
-          <a:rect l="0" t="0" r="0" b="0"/>
-          <a:pathLst/>
-        </a:custGeom>
-        <a:solidFill>
+    <a:lnDef>
+      <a:spPr/>
+      <a:bodyPr/>
+      <a:lstStyle/>
+      <a:style>
+        <a:lnRef idx="2">
           <a:schemeClr val="accent1"/>
-        </a:solidFill>
-        <a:ln w="9525" cap="flat" cmpd="sng" algn="ctr">
-          <a:solidFill>
-            <a:schemeClr val="tx1"/>
-          </a:solidFill>
-          <a:prstDash val="solid"/>
-          <a:round/>
-          <a:headEnd type="none" w="med" len="med"/>
-          <a:tailEnd type="none" w="med" len="med"/>
-        </a:ln>
-        <a:effectLst/>
-      </a:spPr>
-      <a:bodyPr vert="horz" wrap="square" lIns="91440" tIns="45720" rIns="91440" bIns="45720" numCol="1" anchor="t" anchorCtr="0" compatLnSpc="1">
-        <a:prstTxWarp prst="textNoShape">
-          <a:avLst/>
-        </a:prstTxWarp>
-      </a:bodyPr>
-      <a:lstStyle>
-        <a:defPPr marL="0" marR="0" indent="0" algn="l" defTabSz="914400" rtl="0" eaLnBrk="0" fontAlgn="base" latinLnBrk="0" hangingPunct="0">
-          <a:lnSpc>
-            <a:spcPct val="100000"/>
-          </a:lnSpc>
-          <a:spcBef>
-            <a:spcPct val="0"/>
-          </a:spcBef>
-          <a:spcAft>
-            <a:spcPct val="0"/>
-          </a:spcAft>
-          <a:buClrTx/>
-          <a:buSzTx/>
-          <a:buFontTx/>
-          <a:buNone/>
-          <a:tabLst/>
-          <a:defRPr kumimoji="0" lang="en-US" sz="2400" b="0" i="0" u="none" strike="noStrike" cap="none" normalizeH="0" baseline="0">
-            <a:ln>
-              <a:noFill/>
-            </a:ln>
-            <a:solidFill>
-              <a:schemeClr val="tx1"/>
-            </a:solidFill>
-            <a:effectLst/>
-            <a:latin typeface="Times" charset="0"/>
-          </a:defRPr>
-        </a:defPPr>
-      </a:lstStyle>
-    </a:spDef>
-    <a:lnDef>
-      <a:spPr bwMode="auto">
-        <a:xfrm>
-          <a:off x="0" y="0"/>
-          <a:ext cx="1" cy="1"/>
-        </a:xfrm>
-        <a:custGeom>
-          <a:avLst/>
-          <a:gdLst/>
-          <a:ahLst/>
-          <a:cxnLst/>
-          <a:rect l="0" t="0" r="0" b="0"/>
-          <a:pathLst/>
-        </a:custGeom>
-        <a:solidFill>
+        </a:lnRef>
+        <a:fillRef idx="0">
           <a:schemeClr val="accent1"/>
-        </a:solidFill>
-        <a:ln w="9525" cap="flat" cmpd="sng" algn="ctr">
-          <a:solidFill>
-            <a:schemeClr val="tx1"/>
-          </a:solidFill>
-          <a:prstDash val="solid"/>
-          <a:round/>
-          <a:headEnd type="none" w="med" len="med"/>
-          <a:tailEnd type="none" w="med" len="med"/>
-        </a:ln>
-        <a:effectLst/>
-      </a:spPr>
-      <a:bodyPr vert="horz" wrap="square" lIns="91440" tIns="45720" rIns="91440" bIns="45720" numCol="1" anchor="t" anchorCtr="0" compatLnSpc="1">
-        <a:prstTxWarp prst="textNoShape">
-          <a:avLst/>
-        </a:prstTxWarp>
-      </a:bodyPr>
-      <a:lstStyle>
-        <a:defPPr marL="0" marR="0" indent="0" algn="l" defTabSz="914400" rtl="0" eaLnBrk="0" fontAlgn="base" latinLnBrk="0" hangingPunct="0">
-          <a:lnSpc>
-            <a:spcPct val="100000"/>
-          </a:lnSpc>
-          <a:spcBef>
-            <a:spcPct val="0"/>
-          </a:spcBef>
-          <a:spcAft>
-            <a:spcPct val="0"/>
-          </a:spcAft>
-          <a:buClrTx/>
-          <a:buSzTx/>
-          <a:buFontTx/>
-          <a:buNone/>
-          <a:tabLst/>
-          <a:defRPr kumimoji="0" lang="en-US" sz="2400" b="0" i="0" u="none" strike="noStrike" cap="none" normalizeH="0" baseline="0">
-            <a:ln>
-              <a:noFill/>
-            </a:ln>
-            <a:solidFill>
-              <a:schemeClr val="tx1"/>
-            </a:solidFill>
-            <a:effectLst/>
-            <a:latin typeface="Times" charset="0"/>
-          </a:defRPr>
-        </a:defPPr>
-      </a:lstStyle>
+        </a:fillRef>
+        <a:effectRef idx="1">
+          <a:schemeClr val="accent1"/>
+        </a:effectRef>
+        <a:fontRef idx="minor">
+          <a:schemeClr val="tx1"/>
+        </a:fontRef>
+      </a:style>
     </a:lnDef>
   </a:objectDefaults>
-  <a:extraClrSchemeLst>
-    <a:extraClrScheme>
-      <a:clrScheme name="DalhousieTemplate 1">
-        <a:dk1>
-          <a:srgbClr val="000000"/>
-        </a:dk1>
-        <a:lt1>
-          <a:srgbClr val="CCECFF"/>
-        </a:lt1>
-        <a:dk2>
-          <a:srgbClr val="000066"/>
-        </a:dk2>
-        <a:lt2>
-          <a:srgbClr val="6699FF"/>
-        </a:lt2>
-        <a:accent1>
-          <a:srgbClr val="33CCCC"/>
-        </a:accent1>
-        <a:accent2>
-          <a:srgbClr val="0099FF"/>
-        </a:accent2>
-        <a:accent3>
-          <a:srgbClr val="E2F4FF"/>
-        </a:accent3>
-        <a:accent4>
-          <a:srgbClr val="000000"/>
-        </a:accent4>
-        <a:accent5>
-          <a:srgbClr val="ADE2E2"/>
-        </a:accent5>
-        <a:accent6>
-          <a:srgbClr val="008AE7"/>
-        </a:accent6>
-        <a:hlink>
-          <a:srgbClr val="FFFFFF"/>
-        </a:hlink>
-        <a:folHlink>
-          <a:srgbClr val="3366FF"/>
-        </a:folHlink>
-      </a:clrScheme>
-      <a:clrMap bg1="lt1" tx1="dk1" bg2="lt2" tx2="dk2" accent1="accent1" accent2="accent2" accent3="accent3" accent4="accent4" accent5="accent5" accent6="accent6" hlink="hlink" folHlink="folHlink"/>
-    </a:extraClrScheme>
-    <a:extraClrScheme>
-      <a:clrScheme name="DalhousieTemplate 2">
-        <a:dk1>
-          <a:srgbClr val="000000"/>
-        </a:dk1>
-        <a:lt1>
-          <a:srgbClr val="FFFFFF"/>
-        </a:lt1>
-        <a:dk2>
-          <a:srgbClr val="000066"/>
-        </a:dk2>
-        <a:lt2>
-          <a:srgbClr val="FFCC66"/>
-        </a:lt2>
-        <a:accent1>
-          <a:srgbClr val="FF9900"/>
-        </a:accent1>
-        <a:accent2>
-          <a:srgbClr val="000044"/>
-        </a:accent2>
-        <a:accent3>
-          <a:srgbClr val="AAAAB8"/>
-        </a:accent3>
-        <a:accent4>
-          <a:srgbClr val="DADADA"/>
-        </a:accent4>
-        <a:accent5>
-          <a:srgbClr val="FFCAAA"/>
-        </a:accent5>
-        <a:accent6>
-          <a:srgbClr val="00003D"/>
-        </a:accent6>
-        <a:hlink>
-          <a:srgbClr val="3366FF"/>
-        </a:hlink>
-        <a:folHlink>
-          <a:srgbClr val="FFFF00"/>
-        </a:folHlink>
-      </a:clrScheme>
-      <a:clrMap bg1="dk2" tx1="lt1" bg2="dk1" tx2="lt2" accent1="accent1" accent2="accent2" accent3="accent3" accent4="accent4" accent5="accent5" accent6="accent6" hlink="hlink" folHlink="folHlink"/>
-    </a:extraClrScheme>
-    <a:extraClrScheme>
-      <a:clrScheme name="DalhousieTemplate 3">
-        <a:dk1>
-          <a:srgbClr val="000000"/>
-        </a:dk1>
-        <a:lt1>
-          <a:srgbClr val="FFFFFF"/>
-        </a:lt1>
-        <a:dk2>
-          <a:srgbClr val="000000"/>
-        </a:dk2>
-        <a:lt2>
-          <a:srgbClr val="DDDDDD"/>
-        </a:lt2>
-        <a:accent1>
-          <a:srgbClr val="CBCBCB"/>
-        </a:accent1>
-        <a:accent2>
-          <a:srgbClr val="C0C0C0"/>
-        </a:accent2>
-        <a:accent3>
-          <a:srgbClr val="FFFFFF"/>
-        </a:accent3>
-        <a:accent4>
-          <a:srgbClr val="000000"/>
-        </a:accent4>
-        <a:accent5>
-          <a:srgbClr val="E2E2E2"/>
-        </a:accent5>
-        <a:accent6>
-          <a:srgbClr val="AEAEAE"/>
-        </a:accent6>
-        <a:hlink>
-          <a:srgbClr val="4D4D4D"/>
-        </a:hlink>
-        <a:folHlink>
-          <a:srgbClr val="868686"/>
-        </a:folHlink>
-      </a:clrScheme>
-      <a:clrMap bg1="lt1" tx1="dk1" bg2="lt2" tx2="dk2" accent1="accent1" accent2="accent2" accent3="accent3" accent4="accent4" accent5="accent5" accent6="accent6" hlink="hlink" folHlink="folHlink"/>
-    </a:extraClrScheme>
-    <a:extraClrScheme>
-      <a:clrScheme name="DalhousieTemplate 4">
-        <a:dk1>
-          <a:srgbClr val="000000"/>
-        </a:dk1>
-        <a:lt1>
-          <a:srgbClr val="FFFFFF"/>
-        </a:lt1>
-        <a:dk2>
-          <a:srgbClr val="660033"/>
-        </a:dk2>
-        <a:lt2>
-          <a:srgbClr val="FFCC66"/>
-        </a:lt2>
-        <a:accent1>
-          <a:srgbClr val="FF9900"/>
-        </a:accent1>
-        <a:accent2>
-          <a:srgbClr val="440022"/>
-        </a:accent2>
-        <a:accent3>
-          <a:srgbClr val="B8AAAD"/>
-        </a:accent3>
-        <a:accent4>
-          <a:srgbClr val="DADADA"/>
-        </a:accent4>
-        <a:accent5>
-          <a:srgbClr val="FFCAAA"/>
-        </a:accent5>
-        <a:accent6>
-          <a:srgbClr val="3D001E"/>
-        </a:accent6>
-        <a:hlink>
-          <a:srgbClr val="B20059"/>
-        </a:hlink>
-        <a:folHlink>
-          <a:srgbClr val="FF6699"/>
-        </a:folHlink>
-      </a:clrScheme>
-      <a:clrMap bg1="dk2" tx1="lt1" bg2="dk1" tx2="lt2" accent1="accent1" accent2="accent2" accent3="accent3" accent4="accent4" accent5="accent5" accent6="accent6" hlink="hlink" folHlink="folHlink"/>
-    </a:extraClrScheme>
-    <a:extraClrScheme>
-      <a:clrScheme name="DalhousieTemplate 5">
-        <a:dk1>
-          <a:srgbClr val="000000"/>
-        </a:dk1>
-        <a:lt1>
-          <a:srgbClr val="FFFFFF"/>
-        </a:lt1>
-        <a:dk2>
-          <a:srgbClr val="663300"/>
-        </a:dk2>
-        <a:lt2>
-          <a:srgbClr val="FFCC66"/>
-        </a:lt2>
-        <a:accent1>
-          <a:srgbClr val="FF9900"/>
-        </a:accent1>
-        <a:accent2>
-          <a:srgbClr val="361B00"/>
-        </a:accent2>
-        <a:accent3>
-          <a:srgbClr val="B8ADAA"/>
-        </a:accent3>
-        <a:accent4>
-          <a:srgbClr val="DADADA"/>
-        </a:accent4>
-        <a:accent5>
-          <a:srgbClr val="FFCAAA"/>
-        </a:accent5>
-        <a:accent6>
-          <a:srgbClr val="301700"/>
-        </a:accent6>
-        <a:hlink>
-          <a:srgbClr val="996633"/>
-        </a:hlink>
-        <a:folHlink>
-          <a:srgbClr val="FF6699"/>
-        </a:folHlink>
-      </a:clrScheme>
-      <a:clrMap bg1="dk2" tx1="lt1" bg2="dk1" tx2="lt2" accent1="accent1" accent2="accent2" accent3="accent3" accent4="accent4" accent5="accent5" accent6="accent6" hlink="hlink" folHlink="folHlink"/>
-    </a:extraClrScheme>
-    <a:extraClrScheme>
-      <a:clrScheme name="DalhousieTemplate 6">
-        <a:dk1>
-          <a:srgbClr val="000000"/>
-        </a:dk1>
-        <a:lt1>
-          <a:srgbClr val="FFFFFF"/>
-        </a:lt1>
-        <a:dk2>
-          <a:srgbClr val="003300"/>
-        </a:dk2>
-        <a:lt2>
-          <a:srgbClr val="FFCC66"/>
-        </a:lt2>
-        <a:accent1>
-          <a:srgbClr val="CC9900"/>
-        </a:accent1>
-        <a:accent2>
-          <a:srgbClr val="001600"/>
-        </a:accent2>
-        <a:accent3>
-          <a:srgbClr val="AAADAA"/>
-        </a:accent3>
-        <a:accent4>
-          <a:srgbClr val="DADADA"/>
-        </a:accent4>
-        <a:accent5>
-          <a:srgbClr val="E2CAAA"/>
-        </a:accent5>
-        <a:accent6>
-          <a:srgbClr val="001300"/>
-        </a:accent6>
-        <a:hlink>
-          <a:srgbClr val="006600"/>
-        </a:hlink>
-        <a:folHlink>
-          <a:srgbClr val="009999"/>
-        </a:folHlink>
-      </a:clrScheme>
-      <a:clrMap bg1="dk2" tx1="lt1" bg2="dk1" tx2="lt2" accent1="accent1" accent2="accent2" accent3="accent3" accent4="accent4" accent5="accent5" accent6="accent6" hlink="hlink" folHlink="folHlink"/>
-    </a:extraClrScheme>
-  </a:extraClrSchemeLst>
+  <a:extraClrSchemeLst/>
+  <a:extLst>
+    <a:ext uri="{05A4C25C-085E-4340-85A3-A5531E510DB2}">
+      <thm15:themeFamily xmlns:thm15="http://schemas.microsoft.com/office/thememl/2012/main" name="Office Theme" id="{2E142A2C-CD16-42D6-873A-C26D2A0506FA}" vid="{1BDDFF52-6CD6-40A5-AB3C-68EB2F1E4D0A}"/>
+    </a:ext>
+  </a:extLst>
 </a:theme>
 </file>
 
